--- a/assets/img/math/algorithm/kdtree/kdtree.pptx
+++ b/assets/img/math/algorithm/kdtree/kdtree.pptx
@@ -6,6 +6,8 @@
   </p:sldMasterIdLst>
   <p:sldIdLst>
     <p:sldId id="256" r:id="rId2"/>
+    <p:sldId id="257" r:id="rId3"/>
+    <p:sldId id="258" r:id="rId4"/>
   </p:sldIdLst>
   <p:sldSz cx="12192000" cy="6858000"/>
   <p:notesSz cx="6858000" cy="9144000"/>
@@ -104,6 +106,11 @@
       </a:defRPr>
     </a:lvl9pPr>
   </p:defaultTextStyle>
+  <p:extLst>
+    <p:ext uri="{EFAFB233-063F-42B5-8137-9DF3F51BA10A}">
+      <p15:sldGuideLst xmlns:p15="http://schemas.microsoft.com/office/powerpoint/2012/main"/>
+    </p:ext>
+  </p:extLst>
 </p:presentation>
 </file>
 
@@ -254,7 +261,7 @@
           <a:p>
             <a:fld id="{C6410180-ABEB-4DA7-9205-37BF5A9BFDE6}" type="datetimeFigureOut">
               <a:rPr lang="ko-KR" altLang="en-US" smtClean="0"/>
-              <a:t>2024-06-23</a:t>
+              <a:t>2024-06-30</a:t>
             </a:fld>
             <a:endParaRPr lang="ko-KR" altLang="en-US"/>
           </a:p>
@@ -452,7 +459,7 @@
           <a:p>
             <a:fld id="{C6410180-ABEB-4DA7-9205-37BF5A9BFDE6}" type="datetimeFigureOut">
               <a:rPr lang="ko-KR" altLang="en-US" smtClean="0"/>
-              <a:t>2024-06-23</a:t>
+              <a:t>2024-06-30</a:t>
             </a:fld>
             <a:endParaRPr lang="ko-KR" altLang="en-US"/>
           </a:p>
@@ -660,7 +667,7 @@
           <a:p>
             <a:fld id="{C6410180-ABEB-4DA7-9205-37BF5A9BFDE6}" type="datetimeFigureOut">
               <a:rPr lang="ko-KR" altLang="en-US" smtClean="0"/>
-              <a:t>2024-06-23</a:t>
+              <a:t>2024-06-30</a:t>
             </a:fld>
             <a:endParaRPr lang="ko-KR" altLang="en-US"/>
           </a:p>
@@ -858,7 +865,7 @@
           <a:p>
             <a:fld id="{C6410180-ABEB-4DA7-9205-37BF5A9BFDE6}" type="datetimeFigureOut">
               <a:rPr lang="ko-KR" altLang="en-US" smtClean="0"/>
-              <a:t>2024-06-23</a:t>
+              <a:t>2024-06-30</a:t>
             </a:fld>
             <a:endParaRPr lang="ko-KR" altLang="en-US"/>
           </a:p>
@@ -1133,7 +1140,7 @@
           <a:p>
             <a:fld id="{C6410180-ABEB-4DA7-9205-37BF5A9BFDE6}" type="datetimeFigureOut">
               <a:rPr lang="ko-KR" altLang="en-US" smtClean="0"/>
-              <a:t>2024-06-23</a:t>
+              <a:t>2024-06-30</a:t>
             </a:fld>
             <a:endParaRPr lang="ko-KR" altLang="en-US"/>
           </a:p>
@@ -1398,7 +1405,7 @@
           <a:p>
             <a:fld id="{C6410180-ABEB-4DA7-9205-37BF5A9BFDE6}" type="datetimeFigureOut">
               <a:rPr lang="ko-KR" altLang="en-US" smtClean="0"/>
-              <a:t>2024-06-23</a:t>
+              <a:t>2024-06-30</a:t>
             </a:fld>
             <a:endParaRPr lang="ko-KR" altLang="en-US"/>
           </a:p>
@@ -1810,7 +1817,7 @@
           <a:p>
             <a:fld id="{C6410180-ABEB-4DA7-9205-37BF5A9BFDE6}" type="datetimeFigureOut">
               <a:rPr lang="ko-KR" altLang="en-US" smtClean="0"/>
-              <a:t>2024-06-23</a:t>
+              <a:t>2024-06-30</a:t>
             </a:fld>
             <a:endParaRPr lang="ko-KR" altLang="en-US"/>
           </a:p>
@@ -1951,7 +1958,7 @@
           <a:p>
             <a:fld id="{C6410180-ABEB-4DA7-9205-37BF5A9BFDE6}" type="datetimeFigureOut">
               <a:rPr lang="ko-KR" altLang="en-US" smtClean="0"/>
-              <a:t>2024-06-23</a:t>
+              <a:t>2024-06-30</a:t>
             </a:fld>
             <a:endParaRPr lang="ko-KR" altLang="en-US"/>
           </a:p>
@@ -2064,7 +2071,7 @@
           <a:p>
             <a:fld id="{C6410180-ABEB-4DA7-9205-37BF5A9BFDE6}" type="datetimeFigureOut">
               <a:rPr lang="ko-KR" altLang="en-US" smtClean="0"/>
-              <a:t>2024-06-23</a:t>
+              <a:t>2024-06-30</a:t>
             </a:fld>
             <a:endParaRPr lang="ko-KR" altLang="en-US"/>
           </a:p>
@@ -2375,7 +2382,7 @@
           <a:p>
             <a:fld id="{C6410180-ABEB-4DA7-9205-37BF5A9BFDE6}" type="datetimeFigureOut">
               <a:rPr lang="ko-KR" altLang="en-US" smtClean="0"/>
-              <a:t>2024-06-23</a:t>
+              <a:t>2024-06-30</a:t>
             </a:fld>
             <a:endParaRPr lang="ko-KR" altLang="en-US"/>
           </a:p>
@@ -2663,7 +2670,7 @@
           <a:p>
             <a:fld id="{C6410180-ABEB-4DA7-9205-37BF5A9BFDE6}" type="datetimeFigureOut">
               <a:rPr lang="ko-KR" altLang="en-US" smtClean="0"/>
-              <a:t>2024-06-23</a:t>
+              <a:t>2024-06-30</a:t>
             </a:fld>
             <a:endParaRPr lang="ko-KR" altLang="en-US"/>
           </a:p>
@@ -2904,7 +2911,7 @@
           <a:p>
             <a:fld id="{C6410180-ABEB-4DA7-9205-37BF5A9BFDE6}" type="datetimeFigureOut">
               <a:rPr lang="ko-KR" altLang="en-US" smtClean="0"/>
-              <a:t>2024-06-23</a:t>
+              <a:t>2024-06-30</a:t>
             </a:fld>
             <a:endParaRPr lang="ko-KR" altLang="en-US"/>
           </a:p>
@@ -3911,6 +3918,7695 @@
 </p:sld>
 </file>
 
+<file path=ppt/slides/slide2.xml><?xml version="1.0" encoding="utf-8"?>
+<p:sld xmlns:a="http://schemas.openxmlformats.org/drawingml/2006/main" xmlns:r="http://schemas.openxmlformats.org/officeDocument/2006/relationships" xmlns:p="http://schemas.openxmlformats.org/presentationml/2006/main">
+  <p:cSld>
+    <p:spTree>
+      <p:nvGrpSpPr>
+        <p:cNvPr id="1" name=""/>
+        <p:cNvGrpSpPr/>
+        <p:nvPr/>
+      </p:nvGrpSpPr>
+      <p:grpSpPr>
+        <a:xfrm>
+          <a:off x="0" y="0"/>
+          <a:ext cx="0" cy="0"/>
+          <a:chOff x="0" y="0"/>
+          <a:chExt cx="0" cy="0"/>
+        </a:xfrm>
+      </p:grpSpPr>
+      <p:grpSp>
+        <p:nvGrpSpPr>
+          <p:cNvPr id="68" name="그룹 67">
+            <a:extLst>
+              <a:ext uri="{FF2B5EF4-FFF2-40B4-BE49-F238E27FC236}">
+                <a16:creationId xmlns:a16="http://schemas.microsoft.com/office/drawing/2014/main" id="{6D0023C5-AB6B-5EDF-5ABD-BF5EF84E134A}"/>
+              </a:ext>
+            </a:extLst>
+          </p:cNvPr>
+          <p:cNvGrpSpPr/>
+          <p:nvPr/>
+        </p:nvGrpSpPr>
+        <p:grpSpPr>
+          <a:xfrm>
+            <a:off x="520321" y="410862"/>
+            <a:ext cx="6216077" cy="5367203"/>
+            <a:chOff x="697875" y="952400"/>
+            <a:chExt cx="6216077" cy="5367203"/>
+          </a:xfrm>
+        </p:grpSpPr>
+        <p:sp>
+          <p:nvSpPr>
+            <p:cNvPr id="17" name="타원 16">
+              <a:extLst>
+                <a:ext uri="{FF2B5EF4-FFF2-40B4-BE49-F238E27FC236}">
+                  <a16:creationId xmlns:a16="http://schemas.microsoft.com/office/drawing/2014/main" id="{AE82CFC6-1DA2-AEDB-08BD-9BA75F225FA7}"/>
+                </a:ext>
+              </a:extLst>
+            </p:cNvPr>
+            <p:cNvSpPr/>
+            <p:nvPr/>
+          </p:nvSpPr>
+          <p:spPr>
+            <a:xfrm>
+              <a:off x="3382544" y="1059364"/>
+              <a:ext cx="882852" cy="882852"/>
+            </a:xfrm>
+            <a:prstGeom prst="ellipse">
+              <a:avLst/>
+            </a:prstGeom>
+            <a:ln>
+              <a:solidFill>
+                <a:srgbClr val="FF0000"/>
+              </a:solidFill>
+            </a:ln>
+          </p:spPr>
+          <p:style>
+            <a:lnRef idx="2">
+              <a:schemeClr val="accent2"/>
+            </a:lnRef>
+            <a:fillRef idx="1">
+              <a:schemeClr val="lt1"/>
+            </a:fillRef>
+            <a:effectRef idx="0">
+              <a:schemeClr val="accent2"/>
+            </a:effectRef>
+            <a:fontRef idx="minor">
+              <a:schemeClr val="dk1"/>
+            </a:fontRef>
+          </p:style>
+          <p:txBody>
+            <a:bodyPr rtlCol="0" anchor="ctr"/>
+            <a:lstStyle/>
+            <a:p>
+              <a:pPr algn="ctr">
+                <a:lnSpc>
+                  <a:spcPct val="120000"/>
+                </a:lnSpc>
+              </a:pPr>
+              <a:r>
+                <a:rPr lang="en-US" altLang="ko-KR" sz="1200">
+                  <a:latin typeface="나눔바른고딕" panose="020B0603020101020101" pitchFamily="50" charset="-127"/>
+                  <a:ea typeface="나눔바른고딕" panose="020B0603020101020101" pitchFamily="50" charset="-127"/>
+                </a:rPr>
+                <a:t>(3, 6)</a:t>
+              </a:r>
+              <a:endParaRPr lang="ko-KR" altLang="en-US" sz="1200">
+                <a:latin typeface="나눔바른고딕" panose="020B0603020101020101" pitchFamily="50" charset="-127"/>
+                <a:ea typeface="나눔바른고딕" panose="020B0603020101020101" pitchFamily="50" charset="-127"/>
+              </a:endParaRPr>
+            </a:p>
+          </p:txBody>
+        </p:sp>
+        <p:cxnSp>
+          <p:nvCxnSpPr>
+            <p:cNvPr id="18" name="직선 화살표 연결선 17">
+              <a:extLst>
+                <a:ext uri="{FF2B5EF4-FFF2-40B4-BE49-F238E27FC236}">
+                  <a16:creationId xmlns:a16="http://schemas.microsoft.com/office/drawing/2014/main" id="{ECA7D508-4F5D-9608-C044-17F13E2DFE3A}"/>
+                </a:ext>
+              </a:extLst>
+            </p:cNvPr>
+            <p:cNvCxnSpPr>
+              <a:cxnSpLocks/>
+              <a:stCxn id="17" idx="4"/>
+              <a:endCxn id="10" idx="0"/>
+            </p:cNvCxnSpPr>
+            <p:nvPr/>
+          </p:nvCxnSpPr>
+          <p:spPr>
+            <a:xfrm flipH="1">
+              <a:off x="2264156" y="1942216"/>
+              <a:ext cx="1559814" cy="239948"/>
+            </a:xfrm>
+            <a:prstGeom prst="straightConnector1">
+              <a:avLst/>
+            </a:prstGeom>
+            <a:ln>
+              <a:tailEnd type="triangle"/>
+            </a:ln>
+          </p:spPr>
+          <p:style>
+            <a:lnRef idx="2">
+              <a:schemeClr val="dk1"/>
+            </a:lnRef>
+            <a:fillRef idx="0">
+              <a:schemeClr val="dk1"/>
+            </a:fillRef>
+            <a:effectRef idx="1">
+              <a:schemeClr val="dk1"/>
+            </a:effectRef>
+            <a:fontRef idx="minor">
+              <a:schemeClr val="tx1"/>
+            </a:fontRef>
+          </p:style>
+        </p:cxnSp>
+        <p:cxnSp>
+          <p:nvCxnSpPr>
+            <p:cNvPr id="24" name="직선 화살표 연결선 23">
+              <a:extLst>
+                <a:ext uri="{FF2B5EF4-FFF2-40B4-BE49-F238E27FC236}">
+                  <a16:creationId xmlns:a16="http://schemas.microsoft.com/office/drawing/2014/main" id="{CD66A1E6-19D6-53DB-D157-E76530CA8757}"/>
+                </a:ext>
+              </a:extLst>
+            </p:cNvPr>
+            <p:cNvCxnSpPr>
+              <a:cxnSpLocks/>
+              <a:stCxn id="16" idx="4"/>
+              <a:endCxn id="6" idx="0"/>
+            </p:cNvCxnSpPr>
+            <p:nvPr/>
+          </p:nvCxnSpPr>
+          <p:spPr>
+            <a:xfrm>
+              <a:off x="4706822" y="4151297"/>
+              <a:ext cx="882852" cy="201605"/>
+            </a:xfrm>
+            <a:prstGeom prst="straightConnector1">
+              <a:avLst/>
+            </a:prstGeom>
+            <a:ln>
+              <a:tailEnd type="triangle"/>
+            </a:ln>
+          </p:spPr>
+          <p:style>
+            <a:lnRef idx="2">
+              <a:schemeClr val="dk1"/>
+            </a:lnRef>
+            <a:fillRef idx="0">
+              <a:schemeClr val="dk1"/>
+            </a:fillRef>
+            <a:effectRef idx="1">
+              <a:schemeClr val="dk1"/>
+            </a:effectRef>
+            <a:fontRef idx="minor">
+              <a:schemeClr val="tx1"/>
+            </a:fontRef>
+          </p:style>
+        </p:cxnSp>
+        <p:sp>
+          <p:nvSpPr>
+            <p:cNvPr id="5" name="타원 4">
+              <a:extLst>
+                <a:ext uri="{FF2B5EF4-FFF2-40B4-BE49-F238E27FC236}">
+                  <a16:creationId xmlns:a16="http://schemas.microsoft.com/office/drawing/2014/main" id="{C8B371AE-0A20-A688-6DCD-8FFF25DFB81E}"/>
+                </a:ext>
+              </a:extLst>
+            </p:cNvPr>
+            <p:cNvSpPr/>
+            <p:nvPr/>
+          </p:nvSpPr>
+          <p:spPr>
+            <a:xfrm>
+              <a:off x="6031100" y="3268445"/>
+              <a:ext cx="882852" cy="882852"/>
+            </a:xfrm>
+            <a:prstGeom prst="ellipse">
+              <a:avLst/>
+            </a:prstGeom>
+          </p:spPr>
+          <p:style>
+            <a:lnRef idx="2">
+              <a:schemeClr val="dk1"/>
+            </a:lnRef>
+            <a:fillRef idx="1">
+              <a:schemeClr val="lt1"/>
+            </a:fillRef>
+            <a:effectRef idx="0">
+              <a:schemeClr val="dk1"/>
+            </a:effectRef>
+            <a:fontRef idx="minor">
+              <a:schemeClr val="dk1"/>
+            </a:fontRef>
+          </p:style>
+          <p:txBody>
+            <a:bodyPr rtlCol="0" anchor="ctr"/>
+            <a:lstStyle/>
+            <a:p>
+              <a:pPr algn="ctr">
+                <a:lnSpc>
+                  <a:spcPct val="120000"/>
+                </a:lnSpc>
+              </a:pPr>
+              <a:r>
+                <a:rPr lang="en-US" altLang="ko-KR" sz="1200">
+                  <a:latin typeface="나눔바른고딕" panose="020B0603020101020101" pitchFamily="50" charset="-127"/>
+                  <a:ea typeface="나눔바른고딕" panose="020B0603020101020101" pitchFamily="50" charset="-127"/>
+                </a:rPr>
+                <a:t>(6, 11)</a:t>
+              </a:r>
+              <a:endParaRPr lang="ko-KR" altLang="en-US" sz="1200">
+                <a:latin typeface="나눔바른고딕" panose="020B0603020101020101" pitchFamily="50" charset="-127"/>
+                <a:ea typeface="나눔바른고딕" panose="020B0603020101020101" pitchFamily="50" charset="-127"/>
+              </a:endParaRPr>
+            </a:p>
+          </p:txBody>
+        </p:sp>
+        <p:sp>
+          <p:nvSpPr>
+            <p:cNvPr id="6" name="타원 5">
+              <a:extLst>
+                <a:ext uri="{FF2B5EF4-FFF2-40B4-BE49-F238E27FC236}">
+                  <a16:creationId xmlns:a16="http://schemas.microsoft.com/office/drawing/2014/main" id="{5BD6F24E-9051-980B-B4DC-E8858CCD2F68}"/>
+                </a:ext>
+              </a:extLst>
+            </p:cNvPr>
+            <p:cNvSpPr/>
+            <p:nvPr/>
+          </p:nvSpPr>
+          <p:spPr>
+            <a:xfrm>
+              <a:off x="5148248" y="4352902"/>
+              <a:ext cx="882852" cy="882852"/>
+            </a:xfrm>
+            <a:prstGeom prst="ellipse">
+              <a:avLst/>
+            </a:prstGeom>
+          </p:spPr>
+          <p:style>
+            <a:lnRef idx="2">
+              <a:schemeClr val="dk1"/>
+            </a:lnRef>
+            <a:fillRef idx="1">
+              <a:schemeClr val="lt1"/>
+            </a:fillRef>
+            <a:effectRef idx="0">
+              <a:schemeClr val="dk1"/>
+            </a:effectRef>
+            <a:fontRef idx="minor">
+              <a:schemeClr val="dk1"/>
+            </a:fontRef>
+          </p:style>
+          <p:txBody>
+            <a:bodyPr rtlCol="0" anchor="ctr"/>
+            <a:lstStyle/>
+            <a:p>
+              <a:pPr algn="ctr">
+                <a:lnSpc>
+                  <a:spcPct val="120000"/>
+                </a:lnSpc>
+              </a:pPr>
+              <a:r>
+                <a:rPr lang="en-US" altLang="ko-KR" sz="1100">
+                  <a:latin typeface="나눔바른고딕" panose="020B0603020101020101" pitchFamily="50" charset="-127"/>
+                  <a:ea typeface="나눔바른고딕" panose="020B0603020101020101" pitchFamily="50" charset="-127"/>
+                </a:rPr>
+                <a:t>(7, 6.5)</a:t>
+              </a:r>
+              <a:endParaRPr lang="ko-KR" altLang="en-US" sz="1100">
+                <a:latin typeface="나눔바른고딕" panose="020B0603020101020101" pitchFamily="50" charset="-127"/>
+                <a:ea typeface="나눔바른고딕" panose="020B0603020101020101" pitchFamily="50" charset="-127"/>
+              </a:endParaRPr>
+            </a:p>
+          </p:txBody>
+        </p:sp>
+        <p:sp>
+          <p:nvSpPr>
+            <p:cNvPr id="16" name="타원 15">
+              <a:extLst>
+                <a:ext uri="{FF2B5EF4-FFF2-40B4-BE49-F238E27FC236}">
+                  <a16:creationId xmlns:a16="http://schemas.microsoft.com/office/drawing/2014/main" id="{5798E5B1-B4D7-E505-570F-A9757C542ED6}"/>
+                </a:ext>
+              </a:extLst>
+            </p:cNvPr>
+            <p:cNvSpPr/>
+            <p:nvPr/>
+          </p:nvSpPr>
+          <p:spPr>
+            <a:xfrm>
+              <a:off x="4265396" y="3268445"/>
+              <a:ext cx="882852" cy="882852"/>
+            </a:xfrm>
+            <a:prstGeom prst="ellipse">
+              <a:avLst/>
+            </a:prstGeom>
+            <a:ln>
+              <a:solidFill>
+                <a:srgbClr val="0000FF"/>
+              </a:solidFill>
+            </a:ln>
+          </p:spPr>
+          <p:style>
+            <a:lnRef idx="2">
+              <a:schemeClr val="accent4"/>
+            </a:lnRef>
+            <a:fillRef idx="1">
+              <a:schemeClr val="lt1"/>
+            </a:fillRef>
+            <a:effectRef idx="0">
+              <a:schemeClr val="accent4"/>
+            </a:effectRef>
+            <a:fontRef idx="minor">
+              <a:schemeClr val="dk1"/>
+            </a:fontRef>
+          </p:style>
+          <p:txBody>
+            <a:bodyPr rtlCol="0" anchor="ctr"/>
+            <a:lstStyle/>
+            <a:p>
+              <a:pPr algn="ctr">
+                <a:lnSpc>
+                  <a:spcPct val="120000"/>
+                </a:lnSpc>
+              </a:pPr>
+              <a:r>
+                <a:rPr lang="en-US" altLang="ko-KR" sz="1200">
+                  <a:latin typeface="나눔바른고딕" panose="020B0603020101020101" pitchFamily="50" charset="-127"/>
+                  <a:ea typeface="나눔바른고딕" panose="020B0603020101020101" pitchFamily="50" charset="-127"/>
+                </a:rPr>
+                <a:t>(5, 8)</a:t>
+              </a:r>
+              <a:endParaRPr lang="ko-KR" altLang="en-US" sz="1200">
+                <a:latin typeface="나눔바른고딕" panose="020B0603020101020101" pitchFamily="50" charset="-127"/>
+                <a:ea typeface="나눔바른고딕" panose="020B0603020101020101" pitchFamily="50" charset="-127"/>
+              </a:endParaRPr>
+            </a:p>
+          </p:txBody>
+        </p:sp>
+        <p:sp>
+          <p:nvSpPr>
+            <p:cNvPr id="12" name="타원 11">
+              <a:extLst>
+                <a:ext uri="{FF2B5EF4-FFF2-40B4-BE49-F238E27FC236}">
+                  <a16:creationId xmlns:a16="http://schemas.microsoft.com/office/drawing/2014/main" id="{452BCB1A-CBFC-1BCD-F702-950AC335FA2F}"/>
+                </a:ext>
+              </a:extLst>
+            </p:cNvPr>
+            <p:cNvSpPr/>
+            <p:nvPr/>
+          </p:nvSpPr>
+          <p:spPr>
+            <a:xfrm>
+              <a:off x="5148248" y="2182772"/>
+              <a:ext cx="882852" cy="882852"/>
+            </a:xfrm>
+            <a:prstGeom prst="ellipse">
+              <a:avLst/>
+            </a:prstGeom>
+            <a:ln>
+              <a:solidFill>
+                <a:srgbClr val="FF0000"/>
+              </a:solidFill>
+            </a:ln>
+          </p:spPr>
+          <p:style>
+            <a:lnRef idx="2">
+              <a:schemeClr val="accent2"/>
+            </a:lnRef>
+            <a:fillRef idx="1">
+              <a:schemeClr val="lt1"/>
+            </a:fillRef>
+            <a:effectRef idx="0">
+              <a:schemeClr val="accent2"/>
+            </a:effectRef>
+            <a:fontRef idx="minor">
+              <a:schemeClr val="dk1"/>
+            </a:fontRef>
+          </p:style>
+          <p:txBody>
+            <a:bodyPr rtlCol="0" anchor="ctr"/>
+            <a:lstStyle/>
+            <a:p>
+              <a:pPr algn="ctr">
+                <a:lnSpc>
+                  <a:spcPct val="120000"/>
+                </a:lnSpc>
+              </a:pPr>
+              <a:r>
+                <a:rPr lang="en-US" altLang="ko-KR" sz="1200">
+                  <a:latin typeface="나눔바른고딕" panose="020B0603020101020101" pitchFamily="50" charset="-127"/>
+                  <a:ea typeface="나눔바른고딕" panose="020B0603020101020101" pitchFamily="50" charset="-127"/>
+                </a:rPr>
+                <a:t>(6, 10)</a:t>
+              </a:r>
+              <a:endParaRPr lang="ko-KR" altLang="en-US" sz="1200">
+                <a:latin typeface="나눔바른고딕" panose="020B0603020101020101" pitchFamily="50" charset="-127"/>
+                <a:ea typeface="나눔바른고딕" panose="020B0603020101020101" pitchFamily="50" charset="-127"/>
+              </a:endParaRPr>
+            </a:p>
+          </p:txBody>
+        </p:sp>
+        <p:cxnSp>
+          <p:nvCxnSpPr>
+            <p:cNvPr id="30" name="직선 화살표 연결선 29">
+              <a:extLst>
+                <a:ext uri="{FF2B5EF4-FFF2-40B4-BE49-F238E27FC236}">
+                  <a16:creationId xmlns:a16="http://schemas.microsoft.com/office/drawing/2014/main" id="{4CCF3D49-BDC5-7BA4-ABCD-35533FA482B3}"/>
+                </a:ext>
+              </a:extLst>
+            </p:cNvPr>
+            <p:cNvCxnSpPr>
+              <a:cxnSpLocks/>
+              <a:stCxn id="12" idx="4"/>
+              <a:endCxn id="5" idx="0"/>
+            </p:cNvCxnSpPr>
+            <p:nvPr/>
+          </p:nvCxnSpPr>
+          <p:spPr>
+            <a:xfrm>
+              <a:off x="5589674" y="3065624"/>
+              <a:ext cx="882852" cy="202821"/>
+            </a:xfrm>
+            <a:prstGeom prst="straightConnector1">
+              <a:avLst/>
+            </a:prstGeom>
+            <a:ln>
+              <a:tailEnd type="triangle"/>
+            </a:ln>
+          </p:spPr>
+          <p:style>
+            <a:lnRef idx="2">
+              <a:schemeClr val="dk1"/>
+            </a:lnRef>
+            <a:fillRef idx="0">
+              <a:schemeClr val="dk1"/>
+            </a:fillRef>
+            <a:effectRef idx="1">
+              <a:schemeClr val="dk1"/>
+            </a:effectRef>
+            <a:fontRef idx="minor">
+              <a:schemeClr val="tx1"/>
+            </a:fontRef>
+          </p:style>
+        </p:cxnSp>
+        <p:cxnSp>
+          <p:nvCxnSpPr>
+            <p:cNvPr id="35" name="직선 화살표 연결선 34">
+              <a:extLst>
+                <a:ext uri="{FF2B5EF4-FFF2-40B4-BE49-F238E27FC236}">
+                  <a16:creationId xmlns:a16="http://schemas.microsoft.com/office/drawing/2014/main" id="{15C3ED58-A5F6-2015-1D45-471257D5EFFC}"/>
+                </a:ext>
+              </a:extLst>
+            </p:cNvPr>
+            <p:cNvCxnSpPr>
+              <a:cxnSpLocks/>
+              <a:stCxn id="12" idx="4"/>
+              <a:endCxn id="16" idx="0"/>
+            </p:cNvCxnSpPr>
+            <p:nvPr/>
+          </p:nvCxnSpPr>
+          <p:spPr>
+            <a:xfrm flipH="1">
+              <a:off x="4706822" y="3065624"/>
+              <a:ext cx="882852" cy="202821"/>
+            </a:xfrm>
+            <a:prstGeom prst="straightConnector1">
+              <a:avLst/>
+            </a:prstGeom>
+            <a:ln>
+              <a:tailEnd type="triangle"/>
+            </a:ln>
+          </p:spPr>
+          <p:style>
+            <a:lnRef idx="2">
+              <a:schemeClr val="dk1"/>
+            </a:lnRef>
+            <a:fillRef idx="0">
+              <a:schemeClr val="dk1"/>
+            </a:fillRef>
+            <a:effectRef idx="1">
+              <a:schemeClr val="dk1"/>
+            </a:effectRef>
+            <a:fontRef idx="minor">
+              <a:schemeClr val="tx1"/>
+            </a:fontRef>
+          </p:style>
+        </p:cxnSp>
+        <p:sp>
+          <p:nvSpPr>
+            <p:cNvPr id="10" name="타원 9">
+              <a:extLst>
+                <a:ext uri="{FF2B5EF4-FFF2-40B4-BE49-F238E27FC236}">
+                  <a16:creationId xmlns:a16="http://schemas.microsoft.com/office/drawing/2014/main" id="{2ED638B3-89CC-BD51-C337-7B33BADD8E59}"/>
+                </a:ext>
+              </a:extLst>
+            </p:cNvPr>
+            <p:cNvSpPr/>
+            <p:nvPr/>
+          </p:nvSpPr>
+          <p:spPr>
+            <a:xfrm>
+              <a:off x="1822730" y="2182164"/>
+              <a:ext cx="882852" cy="882852"/>
+            </a:xfrm>
+            <a:prstGeom prst="ellipse">
+              <a:avLst/>
+            </a:prstGeom>
+            <a:ln>
+              <a:solidFill>
+                <a:srgbClr val="0000FF"/>
+              </a:solidFill>
+            </a:ln>
+          </p:spPr>
+          <p:style>
+            <a:lnRef idx="2">
+              <a:schemeClr val="accent4"/>
+            </a:lnRef>
+            <a:fillRef idx="1">
+              <a:schemeClr val="lt1"/>
+            </a:fillRef>
+            <a:effectRef idx="0">
+              <a:schemeClr val="accent4"/>
+            </a:effectRef>
+            <a:fontRef idx="minor">
+              <a:schemeClr val="dk1"/>
+            </a:fontRef>
+          </p:style>
+          <p:txBody>
+            <a:bodyPr rtlCol="0" anchor="ctr"/>
+            <a:lstStyle/>
+            <a:p>
+              <a:pPr algn="ctr">
+                <a:lnSpc>
+                  <a:spcPct val="120000"/>
+                </a:lnSpc>
+              </a:pPr>
+              <a:r>
+                <a:rPr lang="en-US" altLang="ko-KR" sz="1200">
+                  <a:latin typeface="나눔바른고딕" panose="020B0603020101020101" pitchFamily="50" charset="-127"/>
+                  <a:ea typeface="나눔바른고딕" panose="020B0603020101020101" pitchFamily="50" charset="-127"/>
+                </a:rPr>
+                <a:t>(4, 4)</a:t>
+              </a:r>
+              <a:endParaRPr lang="ko-KR" altLang="en-US" sz="1200">
+                <a:latin typeface="나눔바른고딕" panose="020B0603020101020101" pitchFamily="50" charset="-127"/>
+                <a:ea typeface="나눔바른고딕" panose="020B0603020101020101" pitchFamily="50" charset="-127"/>
+              </a:endParaRPr>
+            </a:p>
+          </p:txBody>
+        </p:sp>
+        <p:sp>
+          <p:nvSpPr>
+            <p:cNvPr id="11" name="타원 10">
+              <a:extLst>
+                <a:ext uri="{FF2B5EF4-FFF2-40B4-BE49-F238E27FC236}">
+                  <a16:creationId xmlns:a16="http://schemas.microsoft.com/office/drawing/2014/main" id="{BB3BE9FE-D8B8-3FA5-02A2-446EB7091386}"/>
+                </a:ext>
+              </a:extLst>
+            </p:cNvPr>
+            <p:cNvSpPr/>
+            <p:nvPr/>
+          </p:nvSpPr>
+          <p:spPr>
+            <a:xfrm>
+              <a:off x="969220" y="3267837"/>
+              <a:ext cx="882852" cy="882852"/>
+            </a:xfrm>
+            <a:prstGeom prst="ellipse">
+              <a:avLst/>
+            </a:prstGeom>
+            <a:ln>
+              <a:solidFill>
+                <a:srgbClr val="FF0000"/>
+              </a:solidFill>
+            </a:ln>
+          </p:spPr>
+          <p:style>
+            <a:lnRef idx="2">
+              <a:schemeClr val="accent2"/>
+            </a:lnRef>
+            <a:fillRef idx="1">
+              <a:schemeClr val="lt1"/>
+            </a:fillRef>
+            <a:effectRef idx="0">
+              <a:schemeClr val="accent2"/>
+            </a:effectRef>
+            <a:fontRef idx="minor">
+              <a:schemeClr val="dk1"/>
+            </a:fontRef>
+          </p:style>
+          <p:txBody>
+            <a:bodyPr rtlCol="0" anchor="ctr"/>
+            <a:lstStyle/>
+            <a:p>
+              <a:pPr algn="ctr">
+                <a:lnSpc>
+                  <a:spcPct val="120000"/>
+                </a:lnSpc>
+              </a:pPr>
+              <a:r>
+                <a:rPr lang="en-US" altLang="ko-KR" sz="1200">
+                  <a:latin typeface="나눔바른고딕" panose="020B0603020101020101" pitchFamily="50" charset="-127"/>
+                  <a:ea typeface="나눔바른고딕" panose="020B0603020101020101" pitchFamily="50" charset="-127"/>
+                </a:rPr>
+                <a:t>(3, 1)</a:t>
+              </a:r>
+              <a:endParaRPr lang="ko-KR" altLang="en-US" sz="1200">
+                <a:latin typeface="나눔바른고딕" panose="020B0603020101020101" pitchFamily="50" charset="-127"/>
+                <a:ea typeface="나눔바른고딕" panose="020B0603020101020101" pitchFamily="50" charset="-127"/>
+              </a:endParaRPr>
+            </a:p>
+          </p:txBody>
+        </p:sp>
+        <p:sp>
+          <p:nvSpPr>
+            <p:cNvPr id="15" name="타원 14">
+              <a:extLst>
+                <a:ext uri="{FF2B5EF4-FFF2-40B4-BE49-F238E27FC236}">
+                  <a16:creationId xmlns:a16="http://schemas.microsoft.com/office/drawing/2014/main" id="{68BA076F-EEB3-0F4F-D202-1DDFAE3AE3F2}"/>
+                </a:ext>
+              </a:extLst>
+            </p:cNvPr>
+            <p:cNvSpPr/>
+            <p:nvPr/>
+          </p:nvSpPr>
+          <p:spPr>
+            <a:xfrm>
+              <a:off x="2552080" y="3267837"/>
+              <a:ext cx="882852" cy="882852"/>
+            </a:xfrm>
+            <a:prstGeom prst="ellipse">
+              <a:avLst/>
+            </a:prstGeom>
+            <a:ln>
+              <a:solidFill>
+                <a:srgbClr val="FF0000"/>
+              </a:solidFill>
+            </a:ln>
+          </p:spPr>
+          <p:style>
+            <a:lnRef idx="2">
+              <a:schemeClr val="accent2"/>
+            </a:lnRef>
+            <a:fillRef idx="1">
+              <a:schemeClr val="lt1"/>
+            </a:fillRef>
+            <a:effectRef idx="0">
+              <a:schemeClr val="accent2"/>
+            </a:effectRef>
+            <a:fontRef idx="minor">
+              <a:schemeClr val="dk1"/>
+            </a:fontRef>
+          </p:style>
+          <p:txBody>
+            <a:bodyPr rtlCol="0" anchor="ctr"/>
+            <a:lstStyle/>
+            <a:p>
+              <a:pPr algn="ctr">
+                <a:lnSpc>
+                  <a:spcPct val="120000"/>
+                </a:lnSpc>
+              </a:pPr>
+              <a:r>
+                <a:rPr lang="en-US" altLang="ko-KR" sz="1200">
+                  <a:latin typeface="나눔바른고딕" panose="020B0603020101020101" pitchFamily="50" charset="-127"/>
+                  <a:ea typeface="나눔바른고딕" panose="020B0603020101020101" pitchFamily="50" charset="-127"/>
+                </a:rPr>
+                <a:t>(6, 2)</a:t>
+              </a:r>
+              <a:endParaRPr lang="ko-KR" altLang="en-US" sz="1200">
+                <a:latin typeface="나눔바른고딕" panose="020B0603020101020101" pitchFamily="50" charset="-127"/>
+                <a:ea typeface="나눔바른고딕" panose="020B0603020101020101" pitchFamily="50" charset="-127"/>
+              </a:endParaRPr>
+            </a:p>
+          </p:txBody>
+        </p:sp>
+        <p:cxnSp>
+          <p:nvCxnSpPr>
+            <p:cNvPr id="20" name="직선 화살표 연결선 19">
+              <a:extLst>
+                <a:ext uri="{FF2B5EF4-FFF2-40B4-BE49-F238E27FC236}">
+                  <a16:creationId xmlns:a16="http://schemas.microsoft.com/office/drawing/2014/main" id="{99BA1045-1D87-F627-B75B-9319B0288A19}"/>
+                </a:ext>
+              </a:extLst>
+            </p:cNvPr>
+            <p:cNvCxnSpPr>
+              <a:cxnSpLocks/>
+              <a:stCxn id="10" idx="4"/>
+              <a:endCxn id="15" idx="0"/>
+            </p:cNvCxnSpPr>
+            <p:nvPr/>
+          </p:nvCxnSpPr>
+          <p:spPr>
+            <a:xfrm>
+              <a:off x="2264156" y="3065016"/>
+              <a:ext cx="729350" cy="202821"/>
+            </a:xfrm>
+            <a:prstGeom prst="straightConnector1">
+              <a:avLst/>
+            </a:prstGeom>
+            <a:ln>
+              <a:tailEnd type="triangle"/>
+            </a:ln>
+          </p:spPr>
+          <p:style>
+            <a:lnRef idx="2">
+              <a:schemeClr val="dk1"/>
+            </a:lnRef>
+            <a:fillRef idx="0">
+              <a:schemeClr val="dk1"/>
+            </a:fillRef>
+            <a:effectRef idx="1">
+              <a:schemeClr val="dk1"/>
+            </a:effectRef>
+            <a:fontRef idx="minor">
+              <a:schemeClr val="tx1"/>
+            </a:fontRef>
+          </p:style>
+        </p:cxnSp>
+        <p:cxnSp>
+          <p:nvCxnSpPr>
+            <p:cNvPr id="41" name="직선 화살표 연결선 40">
+              <a:extLst>
+                <a:ext uri="{FF2B5EF4-FFF2-40B4-BE49-F238E27FC236}">
+                  <a16:creationId xmlns:a16="http://schemas.microsoft.com/office/drawing/2014/main" id="{F4CFEA39-0444-6401-E356-14AE81D85607}"/>
+                </a:ext>
+              </a:extLst>
+            </p:cNvPr>
+            <p:cNvCxnSpPr>
+              <a:cxnSpLocks/>
+              <a:stCxn id="10" idx="4"/>
+              <a:endCxn id="11" idx="0"/>
+            </p:cNvCxnSpPr>
+            <p:nvPr/>
+          </p:nvCxnSpPr>
+          <p:spPr>
+            <a:xfrm flipH="1">
+              <a:off x="1410646" y="3065016"/>
+              <a:ext cx="853510" cy="202821"/>
+            </a:xfrm>
+            <a:prstGeom prst="straightConnector1">
+              <a:avLst/>
+            </a:prstGeom>
+            <a:ln>
+              <a:tailEnd type="triangle"/>
+            </a:ln>
+          </p:spPr>
+          <p:style>
+            <a:lnRef idx="2">
+              <a:schemeClr val="dk1"/>
+            </a:lnRef>
+            <a:fillRef idx="0">
+              <a:schemeClr val="dk1"/>
+            </a:fillRef>
+            <a:effectRef idx="1">
+              <a:schemeClr val="dk1"/>
+            </a:effectRef>
+            <a:fontRef idx="minor">
+              <a:schemeClr val="tx1"/>
+            </a:fontRef>
+          </p:style>
+        </p:cxnSp>
+        <p:sp>
+          <p:nvSpPr>
+            <p:cNvPr id="45" name="타원 44">
+              <a:extLst>
+                <a:ext uri="{FF2B5EF4-FFF2-40B4-BE49-F238E27FC236}">
+                  <a16:creationId xmlns:a16="http://schemas.microsoft.com/office/drawing/2014/main" id="{85BFAE4F-FEA2-D6F0-1B67-26A8DE1FC62F}"/>
+                </a:ext>
+              </a:extLst>
+            </p:cNvPr>
+            <p:cNvSpPr/>
+            <p:nvPr/>
+          </p:nvSpPr>
+          <p:spPr>
+            <a:xfrm>
+              <a:off x="1760650" y="4352294"/>
+              <a:ext cx="882852" cy="882852"/>
+            </a:xfrm>
+            <a:prstGeom prst="ellipse">
+              <a:avLst/>
+            </a:prstGeom>
+          </p:spPr>
+          <p:style>
+            <a:lnRef idx="2">
+              <a:schemeClr val="dk1"/>
+            </a:lnRef>
+            <a:fillRef idx="1">
+              <a:schemeClr val="lt1"/>
+            </a:fillRef>
+            <a:effectRef idx="0">
+              <a:schemeClr val="dk1"/>
+            </a:effectRef>
+            <a:fontRef idx="minor">
+              <a:schemeClr val="dk1"/>
+            </a:fontRef>
+          </p:style>
+          <p:txBody>
+            <a:bodyPr rtlCol="0" anchor="ctr"/>
+            <a:lstStyle/>
+            <a:p>
+              <a:pPr algn="ctr">
+                <a:lnSpc>
+                  <a:spcPct val="120000"/>
+                </a:lnSpc>
+              </a:pPr>
+              <a:r>
+                <a:rPr lang="en-US" altLang="ko-KR" sz="1200">
+                  <a:latin typeface="나눔바른고딕" panose="020B0603020101020101" pitchFamily="50" charset="-127"/>
+                  <a:ea typeface="나눔바른고딕" panose="020B0603020101020101" pitchFamily="50" charset="-127"/>
+                </a:rPr>
+                <a:t>(2, 3)</a:t>
+              </a:r>
+              <a:endParaRPr lang="ko-KR" altLang="en-US" sz="1200">
+                <a:latin typeface="나눔바른고딕" panose="020B0603020101020101" pitchFamily="50" charset="-127"/>
+                <a:ea typeface="나눔바른고딕" panose="020B0603020101020101" pitchFamily="50" charset="-127"/>
+              </a:endParaRPr>
+            </a:p>
+          </p:txBody>
+        </p:sp>
+        <p:cxnSp>
+          <p:nvCxnSpPr>
+            <p:cNvPr id="46" name="직선 화살표 연결선 45">
+              <a:extLst>
+                <a:ext uri="{FF2B5EF4-FFF2-40B4-BE49-F238E27FC236}">
+                  <a16:creationId xmlns:a16="http://schemas.microsoft.com/office/drawing/2014/main" id="{E0D46AF2-0259-663C-431F-7FD6568B7854}"/>
+                </a:ext>
+              </a:extLst>
+            </p:cNvPr>
+            <p:cNvCxnSpPr>
+              <a:cxnSpLocks/>
+              <a:stCxn id="11" idx="4"/>
+              <a:endCxn id="45" idx="0"/>
+            </p:cNvCxnSpPr>
+            <p:nvPr/>
+          </p:nvCxnSpPr>
+          <p:spPr>
+            <a:xfrm>
+              <a:off x="1410646" y="4150689"/>
+              <a:ext cx="791430" cy="201605"/>
+            </a:xfrm>
+            <a:prstGeom prst="straightConnector1">
+              <a:avLst/>
+            </a:prstGeom>
+            <a:ln>
+              <a:tailEnd type="triangle"/>
+            </a:ln>
+          </p:spPr>
+          <p:style>
+            <a:lnRef idx="2">
+              <a:schemeClr val="dk1"/>
+            </a:lnRef>
+            <a:fillRef idx="0">
+              <a:schemeClr val="dk1"/>
+            </a:fillRef>
+            <a:effectRef idx="1">
+              <a:schemeClr val="dk1"/>
+            </a:effectRef>
+            <a:fontRef idx="minor">
+              <a:schemeClr val="tx1"/>
+            </a:fontRef>
+          </p:style>
+        </p:cxnSp>
+        <p:cxnSp>
+          <p:nvCxnSpPr>
+            <p:cNvPr id="51" name="직선 화살표 연결선 50">
+              <a:extLst>
+                <a:ext uri="{FF2B5EF4-FFF2-40B4-BE49-F238E27FC236}">
+                  <a16:creationId xmlns:a16="http://schemas.microsoft.com/office/drawing/2014/main" id="{B8D7885A-5279-BEAE-DAE4-8CB55951CD89}"/>
+                </a:ext>
+              </a:extLst>
+            </p:cNvPr>
+            <p:cNvCxnSpPr>
+              <a:cxnSpLocks/>
+              <a:stCxn id="17" idx="4"/>
+              <a:endCxn id="12" idx="0"/>
+            </p:cNvCxnSpPr>
+            <p:nvPr/>
+          </p:nvCxnSpPr>
+          <p:spPr>
+            <a:xfrm>
+              <a:off x="3823970" y="1942216"/>
+              <a:ext cx="1765704" cy="240556"/>
+            </a:xfrm>
+            <a:prstGeom prst="straightConnector1">
+              <a:avLst/>
+            </a:prstGeom>
+            <a:ln>
+              <a:tailEnd type="triangle"/>
+            </a:ln>
+          </p:spPr>
+          <p:style>
+            <a:lnRef idx="2">
+              <a:schemeClr val="dk1"/>
+            </a:lnRef>
+            <a:fillRef idx="0">
+              <a:schemeClr val="dk1"/>
+            </a:fillRef>
+            <a:effectRef idx="1">
+              <a:schemeClr val="dk1"/>
+            </a:effectRef>
+            <a:fontRef idx="minor">
+              <a:schemeClr val="tx1"/>
+            </a:fontRef>
+          </p:style>
+        </p:cxnSp>
+        <p:sp>
+          <p:nvSpPr>
+            <p:cNvPr id="58" name="TextBox 57">
+              <a:extLst>
+                <a:ext uri="{FF2B5EF4-FFF2-40B4-BE49-F238E27FC236}">
+                  <a16:creationId xmlns:a16="http://schemas.microsoft.com/office/drawing/2014/main" id="{18A3AC2B-32FF-39F3-83EC-58926DD25B9C}"/>
+                </a:ext>
+              </a:extLst>
+            </p:cNvPr>
+            <p:cNvSpPr txBox="1"/>
+            <p:nvPr/>
+          </p:nvSpPr>
+          <p:spPr>
+            <a:xfrm>
+              <a:off x="969220" y="5576323"/>
+              <a:ext cx="5789983" cy="743280"/>
+            </a:xfrm>
+            <a:prstGeom prst="rect">
+              <a:avLst/>
+            </a:prstGeom>
+            <a:noFill/>
+          </p:spPr>
+          <p:txBody>
+            <a:bodyPr wrap="none" rtlCol="0">
+              <a:spAutoFit/>
+            </a:bodyPr>
+            <a:lstStyle/>
+            <a:p>
+              <a:pPr>
+                <a:lnSpc>
+                  <a:spcPct val="120000"/>
+                </a:lnSpc>
+              </a:pPr>
+              <a:r>
+                <a:rPr lang="ko-KR" altLang="en-US">
+                  <a:solidFill>
+                    <a:srgbClr val="0000FF"/>
+                  </a:solidFill>
+                  <a:latin typeface="나눔바른고딕" panose="020B0603020101020101" pitchFamily="50" charset="-127"/>
+                  <a:ea typeface="나눔바른고딕" panose="020B0603020101020101" pitchFamily="50" charset="-127"/>
+                </a:rPr>
+                <a:t>파란색</a:t>
+              </a:r>
+              <a:r>
+                <a:rPr lang="ko-KR" altLang="en-US">
+                  <a:latin typeface="나눔바른고딕" panose="020B0603020101020101" pitchFamily="50" charset="-127"/>
+                  <a:ea typeface="나눔바른고딕" panose="020B0603020101020101" pitchFamily="50" charset="-127"/>
+                </a:rPr>
+                <a:t> 노드 </a:t>
+              </a:r>
+              <a:r>
+                <a:rPr lang="en-US" altLang="ko-KR">
+                  <a:latin typeface="나눔바른고딕" panose="020B0603020101020101" pitchFamily="50" charset="-127"/>
+                  <a:ea typeface="나눔바른고딕" panose="020B0603020101020101" pitchFamily="50" charset="-127"/>
+                </a:rPr>
+                <a:t>: 1</a:t>
+              </a:r>
+              <a:r>
+                <a:rPr lang="ko-KR" altLang="en-US">
+                  <a:latin typeface="나눔바른고딕" panose="020B0603020101020101" pitchFamily="50" charset="-127"/>
+                  <a:ea typeface="나눔바른고딕" panose="020B0603020101020101" pitchFamily="50" charset="-127"/>
+                </a:rPr>
+                <a:t>번째 차원 선택 </a:t>
+              </a:r>
+              <a:r>
+                <a:rPr lang="en-US" altLang="ko-KR">
+                  <a:latin typeface="나눔바른고딕" panose="020B0603020101020101" pitchFamily="50" charset="-127"/>
+                  <a:ea typeface="나눔바른고딕" panose="020B0603020101020101" pitchFamily="50" charset="-127"/>
+                </a:rPr>
+                <a:t>(1</a:t>
+              </a:r>
+              <a:r>
+                <a:rPr lang="ko-KR" altLang="en-US">
+                  <a:latin typeface="나눔바른고딕" panose="020B0603020101020101" pitchFamily="50" charset="-127"/>
+                  <a:ea typeface="나눔바른고딕" panose="020B0603020101020101" pitchFamily="50" charset="-127"/>
+                </a:rPr>
+                <a:t>번째 차원의 </a:t>
+              </a:r>
+              <a:r>
+                <a:rPr lang="en-US" altLang="ko-KR">
+                  <a:latin typeface="나눔바른고딕" panose="020B0603020101020101" pitchFamily="50" charset="-127"/>
+                  <a:ea typeface="나눔바른고딕" panose="020B0603020101020101" pitchFamily="50" charset="-127"/>
+                </a:rPr>
+                <a:t>Variance</a:t>
+              </a:r>
+              <a:r>
+                <a:rPr lang="ko-KR" altLang="en-US">
+                  <a:latin typeface="나눔바른고딕" panose="020B0603020101020101" pitchFamily="50" charset="-127"/>
+                  <a:ea typeface="나눔바른고딕" panose="020B0603020101020101" pitchFamily="50" charset="-127"/>
+                </a:rPr>
+                <a:t>가 큼</a:t>
+              </a:r>
+              <a:r>
+                <a:rPr lang="en-US" altLang="ko-KR">
+                  <a:latin typeface="나눔바른고딕" panose="020B0603020101020101" pitchFamily="50" charset="-127"/>
+                  <a:ea typeface="나눔바른고딕" panose="020B0603020101020101" pitchFamily="50" charset="-127"/>
+                </a:rPr>
+                <a:t>)</a:t>
+              </a:r>
+            </a:p>
+            <a:p>
+              <a:pPr>
+                <a:lnSpc>
+                  <a:spcPct val="120000"/>
+                </a:lnSpc>
+              </a:pPr>
+              <a:r>
+                <a:rPr lang="ko-KR" altLang="en-US">
+                  <a:solidFill>
+                    <a:srgbClr val="FF0000"/>
+                  </a:solidFill>
+                  <a:latin typeface="나눔바른고딕" panose="020B0603020101020101" pitchFamily="50" charset="-127"/>
+                  <a:ea typeface="나눔바른고딕" panose="020B0603020101020101" pitchFamily="50" charset="-127"/>
+                </a:rPr>
+                <a:t>빨간색</a:t>
+              </a:r>
+              <a:r>
+                <a:rPr lang="ko-KR" altLang="en-US">
+                  <a:latin typeface="나눔바른고딕" panose="020B0603020101020101" pitchFamily="50" charset="-127"/>
+                  <a:ea typeface="나눔바른고딕" panose="020B0603020101020101" pitchFamily="50" charset="-127"/>
+                </a:rPr>
+                <a:t> 노드 </a:t>
+              </a:r>
+              <a:r>
+                <a:rPr lang="en-US" altLang="ko-KR">
+                  <a:latin typeface="나눔바른고딕" panose="020B0603020101020101" pitchFamily="50" charset="-127"/>
+                  <a:ea typeface="나눔바른고딕" panose="020B0603020101020101" pitchFamily="50" charset="-127"/>
+                </a:rPr>
+                <a:t>: 2</a:t>
+              </a:r>
+              <a:r>
+                <a:rPr lang="ko-KR" altLang="en-US">
+                  <a:latin typeface="나눔바른고딕" panose="020B0603020101020101" pitchFamily="50" charset="-127"/>
+                  <a:ea typeface="나눔바른고딕" panose="020B0603020101020101" pitchFamily="50" charset="-127"/>
+                </a:rPr>
+                <a:t>번째 차원 선택 </a:t>
+              </a:r>
+              <a:r>
+                <a:rPr lang="en-US" altLang="ko-KR">
+                  <a:latin typeface="나눔바른고딕" panose="020B0603020101020101" pitchFamily="50" charset="-127"/>
+                  <a:ea typeface="나눔바른고딕" panose="020B0603020101020101" pitchFamily="50" charset="-127"/>
+                </a:rPr>
+                <a:t>(2</a:t>
+              </a:r>
+              <a:r>
+                <a:rPr lang="ko-KR" altLang="en-US">
+                  <a:latin typeface="나눔바른고딕" panose="020B0603020101020101" pitchFamily="50" charset="-127"/>
+                  <a:ea typeface="나눔바른고딕" panose="020B0603020101020101" pitchFamily="50" charset="-127"/>
+                </a:rPr>
+                <a:t>번째 차원의 </a:t>
+              </a:r>
+              <a:r>
+                <a:rPr lang="en-US" altLang="ko-KR">
+                  <a:latin typeface="나눔바른고딕" panose="020B0603020101020101" pitchFamily="50" charset="-127"/>
+                  <a:ea typeface="나눔바른고딕" panose="020B0603020101020101" pitchFamily="50" charset="-127"/>
+                </a:rPr>
+                <a:t>Variance</a:t>
+              </a:r>
+              <a:r>
+                <a:rPr lang="ko-KR" altLang="en-US">
+                  <a:latin typeface="나눔바른고딕" panose="020B0603020101020101" pitchFamily="50" charset="-127"/>
+                  <a:ea typeface="나눔바른고딕" panose="020B0603020101020101" pitchFamily="50" charset="-127"/>
+                </a:rPr>
+                <a:t>가 큼</a:t>
+              </a:r>
+              <a:r>
+                <a:rPr lang="en-US" altLang="ko-KR">
+                  <a:latin typeface="나눔바른고딕" panose="020B0603020101020101" pitchFamily="50" charset="-127"/>
+                  <a:ea typeface="나눔바른고딕" panose="020B0603020101020101" pitchFamily="50" charset="-127"/>
+                </a:rPr>
+                <a:t>)</a:t>
+              </a:r>
+              <a:endParaRPr lang="ko-KR" altLang="en-US">
+                <a:latin typeface="나눔바른고딕" panose="020B0603020101020101" pitchFamily="50" charset="-127"/>
+                <a:ea typeface="나눔바른고딕" panose="020B0603020101020101" pitchFamily="50" charset="-127"/>
+              </a:endParaRPr>
+            </a:p>
+          </p:txBody>
+        </p:sp>
+        <mc:AlternateContent xmlns:mc="http://schemas.openxmlformats.org/markup-compatibility/2006">
+          <mc:Choice xmlns:a14="http://schemas.microsoft.com/office/drawing/2010/main" Requires="a14">
+            <p:sp>
+              <p:nvSpPr>
+                <p:cNvPr id="59" name="TextBox 58">
+                  <a:extLst>
+                    <a:ext uri="{FF2B5EF4-FFF2-40B4-BE49-F238E27FC236}">
+                      <a16:creationId xmlns:a16="http://schemas.microsoft.com/office/drawing/2014/main" id="{BBB18791-2623-3622-9FD8-346C518E8FD9}"/>
+                    </a:ext>
+                  </a:extLst>
+                </p:cNvPr>
+                <p:cNvSpPr txBox="1"/>
+                <p:nvPr/>
+              </p:nvSpPr>
+              <p:spPr>
+                <a:xfrm>
+                  <a:off x="3106893" y="952400"/>
+                  <a:ext cx="328039" cy="276999"/>
+                </a:xfrm>
+                <a:prstGeom prst="rect">
+                  <a:avLst/>
+                </a:prstGeom>
+                <a:noFill/>
+              </p:spPr>
+              <p:txBody>
+                <a:bodyPr wrap="none" lIns="0" tIns="0" rIns="0" bIns="0" rtlCol="0">
+                  <a:spAutoFit/>
+                </a:bodyPr>
+                <a:lstStyle/>
+                <a:p>
+                  <a14:m>
+                    <m:oMathPara xmlns:m="http://schemas.openxmlformats.org/officeDocument/2006/math">
+                      <m:oMathParaPr>
+                        <m:jc m:val="centerGroup"/>
+                      </m:oMathParaPr>
+                      <m:oMath xmlns:m="http://schemas.openxmlformats.org/officeDocument/2006/math">
+                        <m:sSub>
+                          <m:sSubPr>
+                            <m:ctrlPr>
+                              <a:rPr lang="en-US" altLang="ko-KR" b="0" i="1" smtClean="0">
+                                <a:latin typeface="Cambria Math" panose="02040503050406030204" pitchFamily="18" charset="0"/>
+                              </a:rPr>
+                            </m:ctrlPr>
+                          </m:sSubPr>
+                          <m:e>
+                            <m:r>
+                              <a:rPr lang="en-US" altLang="ko-KR" b="0" i="1" smtClean="0">
+                                <a:latin typeface="Cambria Math" panose="02040503050406030204" pitchFamily="18" charset="0"/>
+                              </a:rPr>
+                              <m:t>𝑋</m:t>
+                            </m:r>
+                          </m:e>
+                          <m:sub>
+                            <m:r>
+                              <a:rPr lang="en-US" altLang="ko-KR" b="0" i="1" smtClean="0">
+                                <a:latin typeface="Cambria Math" panose="02040503050406030204" pitchFamily="18" charset="0"/>
+                              </a:rPr>
+                              <m:t>5</m:t>
+                            </m:r>
+                          </m:sub>
+                        </m:sSub>
+                      </m:oMath>
+                    </m:oMathPara>
+                  </a14:m>
+                  <a:endParaRPr lang="ko-KR" altLang="en-US"/>
+                </a:p>
+              </p:txBody>
+            </p:sp>
+          </mc:Choice>
+          <mc:Fallback>
+            <p:sp>
+              <p:nvSpPr>
+                <p:cNvPr id="59" name="TextBox 58">
+                  <a:extLst>
+                    <a:ext uri="{FF2B5EF4-FFF2-40B4-BE49-F238E27FC236}">
+                      <a16:creationId xmlns:a16="http://schemas.microsoft.com/office/drawing/2014/main" id="{BBB18791-2623-3622-9FD8-346C518E8FD9}"/>
+                    </a:ext>
+                  </a:extLst>
+                </p:cNvPr>
+                <p:cNvSpPr txBox="1">
+                  <a:spLocks noRot="1" noChangeAspect="1" noMove="1" noResize="1" noEditPoints="1" noAdjustHandles="1" noChangeArrowheads="1" noChangeShapeType="1" noTextEdit="1"/>
+                </p:cNvSpPr>
+                <p:nvPr/>
+              </p:nvSpPr>
+              <p:spPr>
+                <a:xfrm>
+                  <a:off x="3106893" y="952400"/>
+                  <a:ext cx="328039" cy="276999"/>
+                </a:xfrm>
+                <a:prstGeom prst="rect">
+                  <a:avLst/>
+                </a:prstGeom>
+                <a:blipFill>
+                  <a:blip r:embed="rId2"/>
+                  <a:stretch>
+                    <a:fillRect l="-13208" r="-5660" b="-19565"/>
+                  </a:stretch>
+                </a:blipFill>
+              </p:spPr>
+              <p:txBody>
+                <a:bodyPr/>
+                <a:lstStyle/>
+                <a:p>
+                  <a:r>
+                    <a:rPr lang="ko-KR" altLang="en-US">
+                      <a:noFill/>
+                    </a:rPr>
+                    <a:t> </a:t>
+                  </a:r>
+                </a:p>
+              </p:txBody>
+            </p:sp>
+          </mc:Fallback>
+        </mc:AlternateContent>
+        <mc:AlternateContent xmlns:mc="http://schemas.openxmlformats.org/markup-compatibility/2006">
+          <mc:Choice xmlns:a14="http://schemas.microsoft.com/office/drawing/2010/main" Requires="a14">
+            <p:sp>
+              <p:nvSpPr>
+                <p:cNvPr id="60" name="TextBox 59">
+                  <a:extLst>
+                    <a:ext uri="{FF2B5EF4-FFF2-40B4-BE49-F238E27FC236}">
+                      <a16:creationId xmlns:a16="http://schemas.microsoft.com/office/drawing/2014/main" id="{15F29F1A-FA6E-D6C3-13C4-93C27DAC2E8B}"/>
+                    </a:ext>
+                  </a:extLst>
+                </p:cNvPr>
+                <p:cNvSpPr txBox="1"/>
+                <p:nvPr/>
+              </p:nvSpPr>
+              <p:spPr>
+                <a:xfrm>
+                  <a:off x="1551835" y="2107289"/>
+                  <a:ext cx="328039" cy="276999"/>
+                </a:xfrm>
+                <a:prstGeom prst="rect">
+                  <a:avLst/>
+                </a:prstGeom>
+                <a:noFill/>
+              </p:spPr>
+              <p:txBody>
+                <a:bodyPr wrap="none" lIns="0" tIns="0" rIns="0" bIns="0" rtlCol="0">
+                  <a:spAutoFit/>
+                </a:bodyPr>
+                <a:lstStyle/>
+                <a:p>
+                  <a14:m>
+                    <m:oMathPara xmlns:m="http://schemas.openxmlformats.org/officeDocument/2006/math">
+                      <m:oMathParaPr>
+                        <m:jc m:val="centerGroup"/>
+                      </m:oMathParaPr>
+                      <m:oMath xmlns:m="http://schemas.openxmlformats.org/officeDocument/2006/math">
+                        <m:sSub>
+                          <m:sSubPr>
+                            <m:ctrlPr>
+                              <a:rPr lang="en-US" altLang="ko-KR" b="0" i="1" smtClean="0">
+                                <a:latin typeface="Cambria Math" panose="02040503050406030204" pitchFamily="18" charset="0"/>
+                              </a:rPr>
+                            </m:ctrlPr>
+                          </m:sSubPr>
+                          <m:e>
+                            <m:r>
+                              <a:rPr lang="en-US" altLang="ko-KR" b="0" i="1" smtClean="0">
+                                <a:latin typeface="Cambria Math" panose="02040503050406030204" pitchFamily="18" charset="0"/>
+                              </a:rPr>
+                              <m:t>𝑋</m:t>
+                            </m:r>
+                          </m:e>
+                          <m:sub>
+                            <m:r>
+                              <a:rPr lang="en-US" altLang="ko-KR" b="0" i="1" smtClean="0">
+                                <a:latin typeface="Cambria Math" panose="02040503050406030204" pitchFamily="18" charset="0"/>
+                              </a:rPr>
+                              <m:t>4</m:t>
+                            </m:r>
+                          </m:sub>
+                        </m:sSub>
+                      </m:oMath>
+                    </m:oMathPara>
+                  </a14:m>
+                  <a:endParaRPr lang="ko-KR" altLang="en-US"/>
+                </a:p>
+              </p:txBody>
+            </p:sp>
+          </mc:Choice>
+          <mc:Fallback>
+            <p:sp>
+              <p:nvSpPr>
+                <p:cNvPr id="60" name="TextBox 59">
+                  <a:extLst>
+                    <a:ext uri="{FF2B5EF4-FFF2-40B4-BE49-F238E27FC236}">
+                      <a16:creationId xmlns:a16="http://schemas.microsoft.com/office/drawing/2014/main" id="{15F29F1A-FA6E-D6C3-13C4-93C27DAC2E8B}"/>
+                    </a:ext>
+                  </a:extLst>
+                </p:cNvPr>
+                <p:cNvSpPr txBox="1">
+                  <a:spLocks noRot="1" noChangeAspect="1" noMove="1" noResize="1" noEditPoints="1" noAdjustHandles="1" noChangeArrowheads="1" noChangeShapeType="1" noTextEdit="1"/>
+                </p:cNvSpPr>
+                <p:nvPr/>
+              </p:nvSpPr>
+              <p:spPr>
+                <a:xfrm>
+                  <a:off x="1551835" y="2107289"/>
+                  <a:ext cx="328039" cy="276999"/>
+                </a:xfrm>
+                <a:prstGeom prst="rect">
+                  <a:avLst/>
+                </a:prstGeom>
+                <a:blipFill>
+                  <a:blip r:embed="rId3"/>
+                  <a:stretch>
+                    <a:fillRect l="-11111" r="-3704" b="-20000"/>
+                  </a:stretch>
+                </a:blipFill>
+              </p:spPr>
+              <p:txBody>
+                <a:bodyPr/>
+                <a:lstStyle/>
+                <a:p>
+                  <a:r>
+                    <a:rPr lang="ko-KR" altLang="en-US">
+                      <a:noFill/>
+                    </a:rPr>
+                    <a:t> </a:t>
+                  </a:r>
+                </a:p>
+              </p:txBody>
+            </p:sp>
+          </mc:Fallback>
+        </mc:AlternateContent>
+        <mc:AlternateContent xmlns:mc="http://schemas.openxmlformats.org/markup-compatibility/2006">
+          <mc:Choice xmlns:a14="http://schemas.microsoft.com/office/drawing/2010/main" Requires="a14">
+            <p:sp>
+              <p:nvSpPr>
+                <p:cNvPr id="61" name="TextBox 60">
+                  <a:extLst>
+                    <a:ext uri="{FF2B5EF4-FFF2-40B4-BE49-F238E27FC236}">
+                      <a16:creationId xmlns:a16="http://schemas.microsoft.com/office/drawing/2014/main" id="{B408F653-3C7F-6B86-11AE-9C6D6645BE7B}"/>
+                    </a:ext>
+                  </a:extLst>
+                </p:cNvPr>
+                <p:cNvSpPr txBox="1"/>
+                <p:nvPr/>
+              </p:nvSpPr>
+              <p:spPr>
+                <a:xfrm>
+                  <a:off x="697875" y="3152001"/>
+                  <a:ext cx="322716" cy="276999"/>
+                </a:xfrm>
+                <a:prstGeom prst="rect">
+                  <a:avLst/>
+                </a:prstGeom>
+                <a:noFill/>
+              </p:spPr>
+              <p:txBody>
+                <a:bodyPr wrap="none" lIns="0" tIns="0" rIns="0" bIns="0" rtlCol="0">
+                  <a:spAutoFit/>
+                </a:bodyPr>
+                <a:lstStyle/>
+                <a:p>
+                  <a14:m>
+                    <m:oMathPara xmlns:m="http://schemas.openxmlformats.org/officeDocument/2006/math">
+                      <m:oMathParaPr>
+                        <m:jc m:val="centerGroup"/>
+                      </m:oMathParaPr>
+                      <m:oMath xmlns:m="http://schemas.openxmlformats.org/officeDocument/2006/math">
+                        <m:sSub>
+                          <m:sSubPr>
+                            <m:ctrlPr>
+                              <a:rPr lang="en-US" altLang="ko-KR" b="0" i="1" smtClean="0">
+                                <a:latin typeface="Cambria Math" panose="02040503050406030204" pitchFamily="18" charset="0"/>
+                              </a:rPr>
+                            </m:ctrlPr>
+                          </m:sSubPr>
+                          <m:e>
+                            <m:r>
+                              <a:rPr lang="en-US" altLang="ko-KR" b="0" i="1" smtClean="0">
+                                <a:latin typeface="Cambria Math" panose="02040503050406030204" pitchFamily="18" charset="0"/>
+                              </a:rPr>
+                              <m:t>𝑋</m:t>
+                            </m:r>
+                          </m:e>
+                          <m:sub>
+                            <m:r>
+                              <a:rPr lang="en-US" altLang="ko-KR" b="0" i="1" smtClean="0">
+                                <a:latin typeface="Cambria Math" panose="02040503050406030204" pitchFamily="18" charset="0"/>
+                              </a:rPr>
+                              <m:t>1</m:t>
+                            </m:r>
+                          </m:sub>
+                        </m:sSub>
+                      </m:oMath>
+                    </m:oMathPara>
+                  </a14:m>
+                  <a:endParaRPr lang="ko-KR" altLang="en-US"/>
+                </a:p>
+              </p:txBody>
+            </p:sp>
+          </mc:Choice>
+          <mc:Fallback>
+            <p:sp>
+              <p:nvSpPr>
+                <p:cNvPr id="61" name="TextBox 60">
+                  <a:extLst>
+                    <a:ext uri="{FF2B5EF4-FFF2-40B4-BE49-F238E27FC236}">
+                      <a16:creationId xmlns:a16="http://schemas.microsoft.com/office/drawing/2014/main" id="{B408F653-3C7F-6B86-11AE-9C6D6645BE7B}"/>
+                    </a:ext>
+                  </a:extLst>
+                </p:cNvPr>
+                <p:cNvSpPr txBox="1">
+                  <a:spLocks noRot="1" noChangeAspect="1" noMove="1" noResize="1" noEditPoints="1" noAdjustHandles="1" noChangeArrowheads="1" noChangeShapeType="1" noTextEdit="1"/>
+                </p:cNvSpPr>
+                <p:nvPr/>
+              </p:nvSpPr>
+              <p:spPr>
+                <a:xfrm>
+                  <a:off x="697875" y="3152001"/>
+                  <a:ext cx="322716" cy="276999"/>
+                </a:xfrm>
+                <a:prstGeom prst="rect">
+                  <a:avLst/>
+                </a:prstGeom>
+                <a:blipFill>
+                  <a:blip r:embed="rId4"/>
+                  <a:stretch>
+                    <a:fillRect l="-11321" r="-3774" b="-19565"/>
+                  </a:stretch>
+                </a:blipFill>
+              </p:spPr>
+              <p:txBody>
+                <a:bodyPr/>
+                <a:lstStyle/>
+                <a:p>
+                  <a:r>
+                    <a:rPr lang="ko-KR" altLang="en-US">
+                      <a:noFill/>
+                    </a:rPr>
+                    <a:t> </a:t>
+                  </a:r>
+                </a:p>
+              </p:txBody>
+            </p:sp>
+          </mc:Fallback>
+        </mc:AlternateContent>
+        <mc:AlternateContent xmlns:mc="http://schemas.openxmlformats.org/markup-compatibility/2006">
+          <mc:Choice xmlns:a14="http://schemas.microsoft.com/office/drawing/2010/main" Requires="a14">
+            <p:sp>
+              <p:nvSpPr>
+                <p:cNvPr id="62" name="TextBox 61">
+                  <a:extLst>
+                    <a:ext uri="{FF2B5EF4-FFF2-40B4-BE49-F238E27FC236}">
+                      <a16:creationId xmlns:a16="http://schemas.microsoft.com/office/drawing/2014/main" id="{78F1710D-3CE0-DB60-DE03-93A843EDB1A3}"/>
+                    </a:ext>
+                  </a:extLst>
+                </p:cNvPr>
+                <p:cNvSpPr txBox="1"/>
+                <p:nvPr/>
+              </p:nvSpPr>
+              <p:spPr>
+                <a:xfrm>
+                  <a:off x="3306735" y="3152000"/>
+                  <a:ext cx="328039" cy="276999"/>
+                </a:xfrm>
+                <a:prstGeom prst="rect">
+                  <a:avLst/>
+                </a:prstGeom>
+                <a:noFill/>
+              </p:spPr>
+              <p:txBody>
+                <a:bodyPr wrap="none" lIns="0" tIns="0" rIns="0" bIns="0" rtlCol="0">
+                  <a:spAutoFit/>
+                </a:bodyPr>
+                <a:lstStyle/>
+                <a:p>
+                  <a14:m>
+                    <m:oMathPara xmlns:m="http://schemas.openxmlformats.org/officeDocument/2006/math">
+                      <m:oMathParaPr>
+                        <m:jc m:val="centerGroup"/>
+                      </m:oMathParaPr>
+                      <m:oMath xmlns:m="http://schemas.openxmlformats.org/officeDocument/2006/math">
+                        <m:sSub>
+                          <m:sSubPr>
+                            <m:ctrlPr>
+                              <a:rPr lang="en-US" altLang="ko-KR" b="0" i="1" smtClean="0">
+                                <a:latin typeface="Cambria Math" panose="02040503050406030204" pitchFamily="18" charset="0"/>
+                              </a:rPr>
+                            </m:ctrlPr>
+                          </m:sSubPr>
+                          <m:e>
+                            <m:r>
+                              <a:rPr lang="en-US" altLang="ko-KR" b="0" i="1" smtClean="0">
+                                <a:latin typeface="Cambria Math" panose="02040503050406030204" pitchFamily="18" charset="0"/>
+                              </a:rPr>
+                              <m:t>𝑋</m:t>
+                            </m:r>
+                          </m:e>
+                          <m:sub>
+                            <m:r>
+                              <a:rPr lang="en-US" altLang="ko-KR" b="0" i="1" smtClean="0">
+                                <a:latin typeface="Cambria Math" panose="02040503050406030204" pitchFamily="18" charset="0"/>
+                              </a:rPr>
+                              <m:t>3</m:t>
+                            </m:r>
+                          </m:sub>
+                        </m:sSub>
+                      </m:oMath>
+                    </m:oMathPara>
+                  </a14:m>
+                  <a:endParaRPr lang="ko-KR" altLang="en-US"/>
+                </a:p>
+              </p:txBody>
+            </p:sp>
+          </mc:Choice>
+          <mc:Fallback>
+            <p:sp>
+              <p:nvSpPr>
+                <p:cNvPr id="62" name="TextBox 61">
+                  <a:extLst>
+                    <a:ext uri="{FF2B5EF4-FFF2-40B4-BE49-F238E27FC236}">
+                      <a16:creationId xmlns:a16="http://schemas.microsoft.com/office/drawing/2014/main" id="{78F1710D-3CE0-DB60-DE03-93A843EDB1A3}"/>
+                    </a:ext>
+                  </a:extLst>
+                </p:cNvPr>
+                <p:cNvSpPr txBox="1">
+                  <a:spLocks noRot="1" noChangeAspect="1" noMove="1" noResize="1" noEditPoints="1" noAdjustHandles="1" noChangeArrowheads="1" noChangeShapeType="1" noTextEdit="1"/>
+                </p:cNvSpPr>
+                <p:nvPr/>
+              </p:nvSpPr>
+              <p:spPr>
+                <a:xfrm>
+                  <a:off x="3306735" y="3152000"/>
+                  <a:ext cx="328039" cy="276999"/>
+                </a:xfrm>
+                <a:prstGeom prst="rect">
+                  <a:avLst/>
+                </a:prstGeom>
+                <a:blipFill>
+                  <a:blip r:embed="rId5"/>
+                  <a:stretch>
+                    <a:fillRect l="-11111" r="-3704" b="-19565"/>
+                  </a:stretch>
+                </a:blipFill>
+              </p:spPr>
+              <p:txBody>
+                <a:bodyPr/>
+                <a:lstStyle/>
+                <a:p>
+                  <a:r>
+                    <a:rPr lang="ko-KR" altLang="en-US">
+                      <a:noFill/>
+                    </a:rPr>
+                    <a:t> </a:t>
+                  </a:r>
+                </a:p>
+              </p:txBody>
+            </p:sp>
+          </mc:Fallback>
+        </mc:AlternateContent>
+        <mc:AlternateContent xmlns:mc="http://schemas.openxmlformats.org/markup-compatibility/2006">
+          <mc:Choice xmlns:a14="http://schemas.microsoft.com/office/drawing/2010/main" Requires="a14">
+            <p:sp>
+              <p:nvSpPr>
+                <p:cNvPr id="63" name="TextBox 62">
+                  <a:extLst>
+                    <a:ext uri="{FF2B5EF4-FFF2-40B4-BE49-F238E27FC236}">
+                      <a16:creationId xmlns:a16="http://schemas.microsoft.com/office/drawing/2014/main" id="{4BC639A6-E4CB-7EB9-D7E2-5C4BAD3032B9}"/>
+                    </a:ext>
+                  </a:extLst>
+                </p:cNvPr>
+                <p:cNvSpPr txBox="1"/>
+                <p:nvPr/>
+              </p:nvSpPr>
+              <p:spPr>
+                <a:xfrm>
+                  <a:off x="1432611" y="4347205"/>
+                  <a:ext cx="328039" cy="276999"/>
+                </a:xfrm>
+                <a:prstGeom prst="rect">
+                  <a:avLst/>
+                </a:prstGeom>
+                <a:noFill/>
+              </p:spPr>
+              <p:txBody>
+                <a:bodyPr wrap="none" lIns="0" tIns="0" rIns="0" bIns="0" rtlCol="0">
+                  <a:spAutoFit/>
+                </a:bodyPr>
+                <a:lstStyle/>
+                <a:p>
+                  <a14:m>
+                    <m:oMathPara xmlns:m="http://schemas.openxmlformats.org/officeDocument/2006/math">
+                      <m:oMathParaPr>
+                        <m:jc m:val="centerGroup"/>
+                      </m:oMathParaPr>
+                      <m:oMath xmlns:m="http://schemas.openxmlformats.org/officeDocument/2006/math">
+                        <m:sSub>
+                          <m:sSubPr>
+                            <m:ctrlPr>
+                              <a:rPr lang="en-US" altLang="ko-KR" b="0" i="1" smtClean="0">
+                                <a:latin typeface="Cambria Math" panose="02040503050406030204" pitchFamily="18" charset="0"/>
+                              </a:rPr>
+                            </m:ctrlPr>
+                          </m:sSubPr>
+                          <m:e>
+                            <m:r>
+                              <a:rPr lang="en-US" altLang="ko-KR" b="0" i="1" smtClean="0">
+                                <a:latin typeface="Cambria Math" panose="02040503050406030204" pitchFamily="18" charset="0"/>
+                              </a:rPr>
+                              <m:t>𝑋</m:t>
+                            </m:r>
+                          </m:e>
+                          <m:sub>
+                            <m:r>
+                              <a:rPr lang="en-US" altLang="ko-KR" b="0" i="1" smtClean="0">
+                                <a:latin typeface="Cambria Math" panose="02040503050406030204" pitchFamily="18" charset="0"/>
+                              </a:rPr>
+                              <m:t>2</m:t>
+                            </m:r>
+                          </m:sub>
+                        </m:sSub>
+                      </m:oMath>
+                    </m:oMathPara>
+                  </a14:m>
+                  <a:endParaRPr lang="ko-KR" altLang="en-US"/>
+                </a:p>
+              </p:txBody>
+            </p:sp>
+          </mc:Choice>
+          <mc:Fallback>
+            <p:sp>
+              <p:nvSpPr>
+                <p:cNvPr id="63" name="TextBox 62">
+                  <a:extLst>
+                    <a:ext uri="{FF2B5EF4-FFF2-40B4-BE49-F238E27FC236}">
+                      <a16:creationId xmlns:a16="http://schemas.microsoft.com/office/drawing/2014/main" id="{4BC639A6-E4CB-7EB9-D7E2-5C4BAD3032B9}"/>
+                    </a:ext>
+                  </a:extLst>
+                </p:cNvPr>
+                <p:cNvSpPr txBox="1">
+                  <a:spLocks noRot="1" noChangeAspect="1" noMove="1" noResize="1" noEditPoints="1" noAdjustHandles="1" noChangeArrowheads="1" noChangeShapeType="1" noTextEdit="1"/>
+                </p:cNvSpPr>
+                <p:nvPr/>
+              </p:nvSpPr>
+              <p:spPr>
+                <a:xfrm>
+                  <a:off x="1432611" y="4347205"/>
+                  <a:ext cx="328039" cy="276999"/>
+                </a:xfrm>
+                <a:prstGeom prst="rect">
+                  <a:avLst/>
+                </a:prstGeom>
+                <a:blipFill>
+                  <a:blip r:embed="rId6"/>
+                  <a:stretch>
+                    <a:fillRect l="-12963" r="-1852" b="-19565"/>
+                  </a:stretch>
+                </a:blipFill>
+              </p:spPr>
+              <p:txBody>
+                <a:bodyPr/>
+                <a:lstStyle/>
+                <a:p>
+                  <a:r>
+                    <a:rPr lang="ko-KR" altLang="en-US">
+                      <a:noFill/>
+                    </a:rPr>
+                    <a:t> </a:t>
+                  </a:r>
+                </a:p>
+              </p:txBody>
+            </p:sp>
+          </mc:Fallback>
+        </mc:AlternateContent>
+        <mc:AlternateContent xmlns:mc="http://schemas.openxmlformats.org/markup-compatibility/2006">
+          <mc:Choice xmlns:a14="http://schemas.microsoft.com/office/drawing/2010/main" Requires="a14">
+            <p:sp>
+              <p:nvSpPr>
+                <p:cNvPr id="64" name="TextBox 63">
+                  <a:extLst>
+                    <a:ext uri="{FF2B5EF4-FFF2-40B4-BE49-F238E27FC236}">
+                      <a16:creationId xmlns:a16="http://schemas.microsoft.com/office/drawing/2014/main" id="{1E38D765-7A8A-9585-5835-E1B0F58BABA4}"/>
+                    </a:ext>
+                  </a:extLst>
+                </p:cNvPr>
+                <p:cNvSpPr txBox="1"/>
+                <p:nvPr/>
+              </p:nvSpPr>
+              <p:spPr>
+                <a:xfrm>
+                  <a:off x="4840065" y="2182164"/>
+                  <a:ext cx="323229" cy="276999"/>
+                </a:xfrm>
+                <a:prstGeom prst="rect">
+                  <a:avLst/>
+                </a:prstGeom>
+                <a:noFill/>
+              </p:spPr>
+              <p:txBody>
+                <a:bodyPr wrap="none" lIns="0" tIns="0" rIns="0" bIns="0" rtlCol="0">
+                  <a:spAutoFit/>
+                </a:bodyPr>
+                <a:lstStyle/>
+                <a:p>
+                  <a14:m>
+                    <m:oMathPara xmlns:m="http://schemas.openxmlformats.org/officeDocument/2006/math">
+                      <m:oMathParaPr>
+                        <m:jc m:val="centerGroup"/>
+                      </m:oMathParaPr>
+                      <m:oMath xmlns:m="http://schemas.openxmlformats.org/officeDocument/2006/math">
+                        <m:sSub>
+                          <m:sSubPr>
+                            <m:ctrlPr>
+                              <a:rPr lang="en-US" altLang="ko-KR" b="0" i="1" smtClean="0">
+                                <a:latin typeface="Cambria Math" panose="02040503050406030204" pitchFamily="18" charset="0"/>
+                              </a:rPr>
+                            </m:ctrlPr>
+                          </m:sSubPr>
+                          <m:e>
+                            <m:r>
+                              <a:rPr lang="en-US" altLang="ko-KR" b="0" i="1" smtClean="0">
+                                <a:latin typeface="Cambria Math" panose="02040503050406030204" pitchFamily="18" charset="0"/>
+                              </a:rPr>
+                              <m:t>𝑋</m:t>
+                            </m:r>
+                          </m:e>
+                          <m:sub>
+                            <m:r>
+                              <a:rPr lang="en-US" altLang="ko-KR" b="0" i="1" smtClean="0">
+                                <a:latin typeface="Cambria Math" panose="02040503050406030204" pitchFamily="18" charset="0"/>
+                              </a:rPr>
+                              <m:t>9</m:t>
+                            </m:r>
+                          </m:sub>
+                        </m:sSub>
+                      </m:oMath>
+                    </m:oMathPara>
+                  </a14:m>
+                  <a:endParaRPr lang="ko-KR" altLang="en-US"/>
+                </a:p>
+              </p:txBody>
+            </p:sp>
+          </mc:Choice>
+          <mc:Fallback>
+            <p:sp>
+              <p:nvSpPr>
+                <p:cNvPr id="64" name="TextBox 63">
+                  <a:extLst>
+                    <a:ext uri="{FF2B5EF4-FFF2-40B4-BE49-F238E27FC236}">
+                      <a16:creationId xmlns:a16="http://schemas.microsoft.com/office/drawing/2014/main" id="{1E38D765-7A8A-9585-5835-E1B0F58BABA4}"/>
+                    </a:ext>
+                  </a:extLst>
+                </p:cNvPr>
+                <p:cNvSpPr txBox="1">
+                  <a:spLocks noRot="1" noChangeAspect="1" noMove="1" noResize="1" noEditPoints="1" noAdjustHandles="1" noChangeArrowheads="1" noChangeShapeType="1" noTextEdit="1"/>
+                </p:cNvSpPr>
+                <p:nvPr/>
+              </p:nvSpPr>
+              <p:spPr>
+                <a:xfrm>
+                  <a:off x="4840065" y="2182164"/>
+                  <a:ext cx="323229" cy="276999"/>
+                </a:xfrm>
+                <a:prstGeom prst="rect">
+                  <a:avLst/>
+                </a:prstGeom>
+                <a:blipFill>
+                  <a:blip r:embed="rId7"/>
+                  <a:stretch>
+                    <a:fillRect l="-13208" r="-1887" b="-19565"/>
+                  </a:stretch>
+                </a:blipFill>
+              </p:spPr>
+              <p:txBody>
+                <a:bodyPr/>
+                <a:lstStyle/>
+                <a:p>
+                  <a:r>
+                    <a:rPr lang="ko-KR" altLang="en-US">
+                      <a:noFill/>
+                    </a:rPr>
+                    <a:t> </a:t>
+                  </a:r>
+                </a:p>
+              </p:txBody>
+            </p:sp>
+          </mc:Fallback>
+        </mc:AlternateContent>
+        <mc:AlternateContent xmlns:mc="http://schemas.openxmlformats.org/markup-compatibility/2006">
+          <mc:Choice xmlns:a14="http://schemas.microsoft.com/office/drawing/2010/main" Requires="a14">
+            <p:sp>
+              <p:nvSpPr>
+                <p:cNvPr id="65" name="TextBox 64">
+                  <a:extLst>
+                    <a:ext uri="{FF2B5EF4-FFF2-40B4-BE49-F238E27FC236}">
+                      <a16:creationId xmlns:a16="http://schemas.microsoft.com/office/drawing/2014/main" id="{001BBD27-A3AD-2B44-BCBB-924F13CB107F}"/>
+                    </a:ext>
+                  </a:extLst>
+                </p:cNvPr>
+                <p:cNvSpPr txBox="1"/>
+                <p:nvPr/>
+              </p:nvSpPr>
+              <p:spPr>
+                <a:xfrm>
+                  <a:off x="4006778" y="3165637"/>
+                  <a:ext cx="328039" cy="276999"/>
+                </a:xfrm>
+                <a:prstGeom prst="rect">
+                  <a:avLst/>
+                </a:prstGeom>
+                <a:noFill/>
+              </p:spPr>
+              <p:txBody>
+                <a:bodyPr wrap="none" lIns="0" tIns="0" rIns="0" bIns="0" rtlCol="0">
+                  <a:spAutoFit/>
+                </a:bodyPr>
+                <a:lstStyle/>
+                <a:p>
+                  <a14:m>
+                    <m:oMathPara xmlns:m="http://schemas.openxmlformats.org/officeDocument/2006/math">
+                      <m:oMathParaPr>
+                        <m:jc m:val="centerGroup"/>
+                      </m:oMathParaPr>
+                      <m:oMath xmlns:m="http://schemas.openxmlformats.org/officeDocument/2006/math">
+                        <m:sSub>
+                          <m:sSubPr>
+                            <m:ctrlPr>
+                              <a:rPr lang="en-US" altLang="ko-KR" b="0" i="1" smtClean="0">
+                                <a:latin typeface="Cambria Math" panose="02040503050406030204" pitchFamily="18" charset="0"/>
+                              </a:rPr>
+                            </m:ctrlPr>
+                          </m:sSubPr>
+                          <m:e>
+                            <m:r>
+                              <a:rPr lang="en-US" altLang="ko-KR" b="0" i="1" smtClean="0">
+                                <a:latin typeface="Cambria Math" panose="02040503050406030204" pitchFamily="18" charset="0"/>
+                              </a:rPr>
+                              <m:t>𝑋</m:t>
+                            </m:r>
+                          </m:e>
+                          <m:sub>
+                            <m:r>
+                              <a:rPr lang="en-US" altLang="ko-KR" b="0" i="1" smtClean="0">
+                                <a:latin typeface="Cambria Math" panose="02040503050406030204" pitchFamily="18" charset="0"/>
+                              </a:rPr>
+                              <m:t>6</m:t>
+                            </m:r>
+                          </m:sub>
+                        </m:sSub>
+                      </m:oMath>
+                    </m:oMathPara>
+                  </a14:m>
+                  <a:endParaRPr lang="ko-KR" altLang="en-US"/>
+                </a:p>
+              </p:txBody>
+            </p:sp>
+          </mc:Choice>
+          <mc:Fallback>
+            <p:sp>
+              <p:nvSpPr>
+                <p:cNvPr id="65" name="TextBox 64">
+                  <a:extLst>
+                    <a:ext uri="{FF2B5EF4-FFF2-40B4-BE49-F238E27FC236}">
+                      <a16:creationId xmlns:a16="http://schemas.microsoft.com/office/drawing/2014/main" id="{001BBD27-A3AD-2B44-BCBB-924F13CB107F}"/>
+                    </a:ext>
+                  </a:extLst>
+                </p:cNvPr>
+                <p:cNvSpPr txBox="1">
+                  <a:spLocks noRot="1" noChangeAspect="1" noMove="1" noResize="1" noEditPoints="1" noAdjustHandles="1" noChangeArrowheads="1" noChangeShapeType="1" noTextEdit="1"/>
+                </p:cNvSpPr>
+                <p:nvPr/>
+              </p:nvSpPr>
+              <p:spPr>
+                <a:xfrm>
+                  <a:off x="4006778" y="3165637"/>
+                  <a:ext cx="328039" cy="276999"/>
+                </a:xfrm>
+                <a:prstGeom prst="rect">
+                  <a:avLst/>
+                </a:prstGeom>
+                <a:blipFill>
+                  <a:blip r:embed="rId8"/>
+                  <a:stretch>
+                    <a:fillRect l="-11111" r="-3704" b="-19565"/>
+                  </a:stretch>
+                </a:blipFill>
+              </p:spPr>
+              <p:txBody>
+                <a:bodyPr/>
+                <a:lstStyle/>
+                <a:p>
+                  <a:r>
+                    <a:rPr lang="ko-KR" altLang="en-US">
+                      <a:noFill/>
+                    </a:rPr>
+                    <a:t> </a:t>
+                  </a:r>
+                </a:p>
+              </p:txBody>
+            </p:sp>
+          </mc:Fallback>
+        </mc:AlternateContent>
+        <mc:AlternateContent xmlns:mc="http://schemas.openxmlformats.org/markup-compatibility/2006">
+          <mc:Choice xmlns:a14="http://schemas.microsoft.com/office/drawing/2010/main" Requires="a14">
+            <p:sp>
+              <p:nvSpPr>
+                <p:cNvPr id="66" name="TextBox 65">
+                  <a:extLst>
+                    <a:ext uri="{FF2B5EF4-FFF2-40B4-BE49-F238E27FC236}">
+                      <a16:creationId xmlns:a16="http://schemas.microsoft.com/office/drawing/2014/main" id="{23F09F46-71F1-E6D2-679D-185F8A41F3D2}"/>
+                    </a:ext>
+                  </a:extLst>
+                </p:cNvPr>
+                <p:cNvSpPr txBox="1"/>
+                <p:nvPr/>
+              </p:nvSpPr>
+              <p:spPr>
+                <a:xfrm>
+                  <a:off x="5675500" y="3187335"/>
+                  <a:ext cx="420500" cy="276999"/>
+                </a:xfrm>
+                <a:prstGeom prst="rect">
+                  <a:avLst/>
+                </a:prstGeom>
+                <a:noFill/>
+              </p:spPr>
+              <p:txBody>
+                <a:bodyPr wrap="none" lIns="0" tIns="0" rIns="0" bIns="0" rtlCol="0">
+                  <a:spAutoFit/>
+                </a:bodyPr>
+                <a:lstStyle/>
+                <a:p>
+                  <a14:m>
+                    <m:oMathPara xmlns:m="http://schemas.openxmlformats.org/officeDocument/2006/math">
+                      <m:oMathParaPr>
+                        <m:jc m:val="centerGroup"/>
+                      </m:oMathParaPr>
+                      <m:oMath xmlns:m="http://schemas.openxmlformats.org/officeDocument/2006/math">
+                        <m:sSub>
+                          <m:sSubPr>
+                            <m:ctrlPr>
+                              <a:rPr lang="en-US" altLang="ko-KR" b="0" i="1" smtClean="0">
+                                <a:latin typeface="Cambria Math" panose="02040503050406030204" pitchFamily="18" charset="0"/>
+                              </a:rPr>
+                            </m:ctrlPr>
+                          </m:sSubPr>
+                          <m:e>
+                            <m:r>
+                              <a:rPr lang="en-US" altLang="ko-KR" b="0" i="1" smtClean="0">
+                                <a:latin typeface="Cambria Math" panose="02040503050406030204" pitchFamily="18" charset="0"/>
+                              </a:rPr>
+                              <m:t>𝑋</m:t>
+                            </m:r>
+                          </m:e>
+                          <m:sub>
+                            <m:r>
+                              <a:rPr lang="en-US" altLang="ko-KR" b="0" i="1" smtClean="0">
+                                <a:latin typeface="Cambria Math" panose="02040503050406030204" pitchFamily="18" charset="0"/>
+                              </a:rPr>
+                              <m:t>10</m:t>
+                            </m:r>
+                          </m:sub>
+                        </m:sSub>
+                      </m:oMath>
+                    </m:oMathPara>
+                  </a14:m>
+                  <a:endParaRPr lang="ko-KR" altLang="en-US"/>
+                </a:p>
+              </p:txBody>
+            </p:sp>
+          </mc:Choice>
+          <mc:Fallback>
+            <p:sp>
+              <p:nvSpPr>
+                <p:cNvPr id="66" name="TextBox 65">
+                  <a:extLst>
+                    <a:ext uri="{FF2B5EF4-FFF2-40B4-BE49-F238E27FC236}">
+                      <a16:creationId xmlns:a16="http://schemas.microsoft.com/office/drawing/2014/main" id="{23F09F46-71F1-E6D2-679D-185F8A41F3D2}"/>
+                    </a:ext>
+                  </a:extLst>
+                </p:cNvPr>
+                <p:cNvSpPr txBox="1">
+                  <a:spLocks noRot="1" noChangeAspect="1" noMove="1" noResize="1" noEditPoints="1" noAdjustHandles="1" noChangeArrowheads="1" noChangeShapeType="1" noTextEdit="1"/>
+                </p:cNvSpPr>
+                <p:nvPr/>
+              </p:nvSpPr>
+              <p:spPr>
+                <a:xfrm>
+                  <a:off x="5675500" y="3187335"/>
+                  <a:ext cx="420500" cy="276999"/>
+                </a:xfrm>
+                <a:prstGeom prst="rect">
+                  <a:avLst/>
+                </a:prstGeom>
+                <a:blipFill>
+                  <a:blip r:embed="rId9"/>
+                  <a:stretch>
+                    <a:fillRect l="-10145" r="-1449" b="-22222"/>
+                  </a:stretch>
+                </a:blipFill>
+              </p:spPr>
+              <p:txBody>
+                <a:bodyPr/>
+                <a:lstStyle/>
+                <a:p>
+                  <a:r>
+                    <a:rPr lang="ko-KR" altLang="en-US">
+                      <a:noFill/>
+                    </a:rPr>
+                    <a:t> </a:t>
+                  </a:r>
+                </a:p>
+              </p:txBody>
+            </p:sp>
+          </mc:Fallback>
+        </mc:AlternateContent>
+        <mc:AlternateContent xmlns:mc="http://schemas.openxmlformats.org/markup-compatibility/2006">
+          <mc:Choice xmlns:a14="http://schemas.microsoft.com/office/drawing/2010/main" Requires="a14">
+            <p:sp>
+              <p:nvSpPr>
+                <p:cNvPr id="67" name="TextBox 66">
+                  <a:extLst>
+                    <a:ext uri="{FF2B5EF4-FFF2-40B4-BE49-F238E27FC236}">
+                      <a16:creationId xmlns:a16="http://schemas.microsoft.com/office/drawing/2014/main" id="{025DA29B-D13B-8124-901E-59B76ABE9AD1}"/>
+                    </a:ext>
+                  </a:extLst>
+                </p:cNvPr>
+                <p:cNvSpPr txBox="1"/>
+                <p:nvPr/>
+              </p:nvSpPr>
+              <p:spPr>
+                <a:xfrm>
+                  <a:off x="4797412" y="4349920"/>
+                  <a:ext cx="328039" cy="276999"/>
+                </a:xfrm>
+                <a:prstGeom prst="rect">
+                  <a:avLst/>
+                </a:prstGeom>
+                <a:noFill/>
+              </p:spPr>
+              <p:txBody>
+                <a:bodyPr wrap="none" lIns="0" tIns="0" rIns="0" bIns="0" rtlCol="0">
+                  <a:spAutoFit/>
+                </a:bodyPr>
+                <a:lstStyle/>
+                <a:p>
+                  <a14:m>
+                    <m:oMathPara xmlns:m="http://schemas.openxmlformats.org/officeDocument/2006/math">
+                      <m:oMathParaPr>
+                        <m:jc m:val="centerGroup"/>
+                      </m:oMathParaPr>
+                      <m:oMath xmlns:m="http://schemas.openxmlformats.org/officeDocument/2006/math">
+                        <m:sSub>
+                          <m:sSubPr>
+                            <m:ctrlPr>
+                              <a:rPr lang="en-US" altLang="ko-KR" b="0" i="1" smtClean="0">
+                                <a:latin typeface="Cambria Math" panose="02040503050406030204" pitchFamily="18" charset="0"/>
+                              </a:rPr>
+                            </m:ctrlPr>
+                          </m:sSubPr>
+                          <m:e>
+                            <m:r>
+                              <a:rPr lang="en-US" altLang="ko-KR" b="0" i="1" smtClean="0">
+                                <a:latin typeface="Cambria Math" panose="02040503050406030204" pitchFamily="18" charset="0"/>
+                              </a:rPr>
+                              <m:t>𝑋</m:t>
+                            </m:r>
+                          </m:e>
+                          <m:sub>
+                            <m:r>
+                              <a:rPr lang="en-US" altLang="ko-KR" b="0" i="1" smtClean="0">
+                                <a:latin typeface="Cambria Math" panose="02040503050406030204" pitchFamily="18" charset="0"/>
+                              </a:rPr>
+                              <m:t>7</m:t>
+                            </m:r>
+                          </m:sub>
+                        </m:sSub>
+                      </m:oMath>
+                    </m:oMathPara>
+                  </a14:m>
+                  <a:endParaRPr lang="ko-KR" altLang="en-US"/>
+                </a:p>
+              </p:txBody>
+            </p:sp>
+          </mc:Choice>
+          <mc:Fallback>
+            <p:sp>
+              <p:nvSpPr>
+                <p:cNvPr id="67" name="TextBox 66">
+                  <a:extLst>
+                    <a:ext uri="{FF2B5EF4-FFF2-40B4-BE49-F238E27FC236}">
+                      <a16:creationId xmlns:a16="http://schemas.microsoft.com/office/drawing/2014/main" id="{025DA29B-D13B-8124-901E-59B76ABE9AD1}"/>
+                    </a:ext>
+                  </a:extLst>
+                </p:cNvPr>
+                <p:cNvSpPr txBox="1">
+                  <a:spLocks noRot="1" noChangeAspect="1" noMove="1" noResize="1" noEditPoints="1" noAdjustHandles="1" noChangeArrowheads="1" noChangeShapeType="1" noTextEdit="1"/>
+                </p:cNvSpPr>
+                <p:nvPr/>
+              </p:nvSpPr>
+              <p:spPr>
+                <a:xfrm>
+                  <a:off x="4797412" y="4349920"/>
+                  <a:ext cx="328039" cy="276999"/>
+                </a:xfrm>
+                <a:prstGeom prst="rect">
+                  <a:avLst/>
+                </a:prstGeom>
+                <a:blipFill>
+                  <a:blip r:embed="rId10"/>
+                  <a:stretch>
+                    <a:fillRect l="-12963" r="-1852" b="-20000"/>
+                  </a:stretch>
+                </a:blipFill>
+              </p:spPr>
+              <p:txBody>
+                <a:bodyPr/>
+                <a:lstStyle/>
+                <a:p>
+                  <a:r>
+                    <a:rPr lang="ko-KR" altLang="en-US">
+                      <a:noFill/>
+                    </a:rPr>
+                    <a:t> </a:t>
+                  </a:r>
+                </a:p>
+              </p:txBody>
+            </p:sp>
+          </mc:Fallback>
+        </mc:AlternateContent>
+      </p:grpSp>
+    </p:spTree>
+    <p:extLst>
+      <p:ext uri="{BB962C8B-B14F-4D97-AF65-F5344CB8AC3E}">
+        <p14:creationId xmlns:p14="http://schemas.microsoft.com/office/powerpoint/2010/main" val="3801479278"/>
+      </p:ext>
+    </p:extLst>
+  </p:cSld>
+  <p:clrMapOvr>
+    <a:masterClrMapping/>
+  </p:clrMapOvr>
+</p:sld>
+</file>
+
+<file path=ppt/slides/slide3.xml><?xml version="1.0" encoding="utf-8"?>
+<p:sld xmlns:a="http://schemas.openxmlformats.org/drawingml/2006/main" xmlns:r="http://schemas.openxmlformats.org/officeDocument/2006/relationships" xmlns:p="http://schemas.openxmlformats.org/presentationml/2006/main">
+  <p:cSld>
+    <p:spTree>
+      <p:nvGrpSpPr>
+        <p:cNvPr id="1" name=""/>
+        <p:cNvGrpSpPr/>
+        <p:nvPr/>
+      </p:nvGrpSpPr>
+      <p:grpSpPr>
+        <a:xfrm>
+          <a:off x="0" y="0"/>
+          <a:ext cx="0" cy="0"/>
+          <a:chOff x="0" y="0"/>
+          <a:chExt cx="0" cy="0"/>
+        </a:xfrm>
+      </p:grpSpPr>
+      <p:graphicFrame>
+        <p:nvGraphicFramePr>
+          <p:cNvPr id="4" name="표 3">
+            <a:extLst>
+              <a:ext uri="{FF2B5EF4-FFF2-40B4-BE49-F238E27FC236}">
+                <a16:creationId xmlns:a16="http://schemas.microsoft.com/office/drawing/2014/main" id="{629B69E2-8344-7B94-0389-5FC907A1B6B9}"/>
+              </a:ext>
+            </a:extLst>
+          </p:cNvPr>
+          <p:cNvGraphicFramePr>
+            <a:graphicFrameLocks noGrp="1"/>
+          </p:cNvGraphicFramePr>
+          <p:nvPr>
+            <p:extLst>
+              <p:ext uri="{D42A27DB-BD31-4B8C-83A1-F6EECF244321}">
+                <p14:modId xmlns:p14="http://schemas.microsoft.com/office/powerpoint/2010/main" val="461790286"/>
+              </p:ext>
+            </p:extLst>
+          </p:nvPr>
+        </p:nvGraphicFramePr>
+        <p:xfrm>
+          <a:off x="1810057" y="630889"/>
+          <a:ext cx="5947095" cy="5400000"/>
+        </p:xfrm>
+        <a:graphic>
+          <a:graphicData uri="http://schemas.openxmlformats.org/drawingml/2006/table">
+            <a:tbl>
+              <a:tblPr firstRow="1" bandRow="1">
+                <a:tableStyleId>{5940675A-B579-460E-94D1-54222C63F5DA}</a:tableStyleId>
+              </a:tblPr>
+              <a:tblGrid>
+                <a:gridCol w="540645">
+                  <a:extLst>
+                    <a:ext uri="{9D8B030D-6E8A-4147-A177-3AD203B41FA5}">
+                      <a16:colId xmlns:a16="http://schemas.microsoft.com/office/drawing/2014/main" val="1393048392"/>
+                    </a:ext>
+                  </a:extLst>
+                </a:gridCol>
+                <a:gridCol w="540645">
+                  <a:extLst>
+                    <a:ext uri="{9D8B030D-6E8A-4147-A177-3AD203B41FA5}">
+                      <a16:colId xmlns:a16="http://schemas.microsoft.com/office/drawing/2014/main" val="2957218787"/>
+                    </a:ext>
+                  </a:extLst>
+                </a:gridCol>
+                <a:gridCol w="540645">
+                  <a:extLst>
+                    <a:ext uri="{9D8B030D-6E8A-4147-A177-3AD203B41FA5}">
+                      <a16:colId xmlns:a16="http://schemas.microsoft.com/office/drawing/2014/main" val="2925192227"/>
+                    </a:ext>
+                  </a:extLst>
+                </a:gridCol>
+                <a:gridCol w="540645">
+                  <a:extLst>
+                    <a:ext uri="{9D8B030D-6E8A-4147-A177-3AD203B41FA5}">
+                      <a16:colId xmlns:a16="http://schemas.microsoft.com/office/drawing/2014/main" val="2958631538"/>
+                    </a:ext>
+                  </a:extLst>
+                </a:gridCol>
+                <a:gridCol w="540645">
+                  <a:extLst>
+                    <a:ext uri="{9D8B030D-6E8A-4147-A177-3AD203B41FA5}">
+                      <a16:colId xmlns:a16="http://schemas.microsoft.com/office/drawing/2014/main" val="1708813326"/>
+                    </a:ext>
+                  </a:extLst>
+                </a:gridCol>
+                <a:gridCol w="540645">
+                  <a:extLst>
+                    <a:ext uri="{9D8B030D-6E8A-4147-A177-3AD203B41FA5}">
+                      <a16:colId xmlns:a16="http://schemas.microsoft.com/office/drawing/2014/main" val="1907154431"/>
+                    </a:ext>
+                  </a:extLst>
+                </a:gridCol>
+                <a:gridCol w="540645">
+                  <a:extLst>
+                    <a:ext uri="{9D8B030D-6E8A-4147-A177-3AD203B41FA5}">
+                      <a16:colId xmlns:a16="http://schemas.microsoft.com/office/drawing/2014/main" val="2234763645"/>
+                    </a:ext>
+                  </a:extLst>
+                </a:gridCol>
+                <a:gridCol w="540645">
+                  <a:extLst>
+                    <a:ext uri="{9D8B030D-6E8A-4147-A177-3AD203B41FA5}">
+                      <a16:colId xmlns:a16="http://schemas.microsoft.com/office/drawing/2014/main" val="244266684"/>
+                    </a:ext>
+                  </a:extLst>
+                </a:gridCol>
+                <a:gridCol w="540645">
+                  <a:extLst>
+                    <a:ext uri="{9D8B030D-6E8A-4147-A177-3AD203B41FA5}">
+                      <a16:colId xmlns:a16="http://schemas.microsoft.com/office/drawing/2014/main" val="1233484291"/>
+                    </a:ext>
+                  </a:extLst>
+                </a:gridCol>
+                <a:gridCol w="540645">
+                  <a:extLst>
+                    <a:ext uri="{9D8B030D-6E8A-4147-A177-3AD203B41FA5}">
+                      <a16:colId xmlns:a16="http://schemas.microsoft.com/office/drawing/2014/main" val="1788924587"/>
+                    </a:ext>
+                  </a:extLst>
+                </a:gridCol>
+                <a:gridCol w="540645">
+                  <a:extLst>
+                    <a:ext uri="{9D8B030D-6E8A-4147-A177-3AD203B41FA5}">
+                      <a16:colId xmlns:a16="http://schemas.microsoft.com/office/drawing/2014/main" val="4201055028"/>
+                    </a:ext>
+                  </a:extLst>
+                </a:gridCol>
+              </a:tblGrid>
+              <a:tr h="540000">
+                <a:tc>
+                  <a:txBody>
+                    <a:bodyPr/>
+                    <a:lstStyle/>
+                    <a:p>
+                      <a:pPr latinLnBrk="1"/>
+                      <a:endParaRPr lang="ko-KR" altLang="en-US"/>
+                    </a:p>
+                  </a:txBody>
+                  <a:tcPr/>
+                </a:tc>
+                <a:tc>
+                  <a:txBody>
+                    <a:bodyPr/>
+                    <a:lstStyle/>
+                    <a:p>
+                      <a:pPr latinLnBrk="1"/>
+                      <a:endParaRPr lang="ko-KR" altLang="en-US"/>
+                    </a:p>
+                  </a:txBody>
+                  <a:tcPr/>
+                </a:tc>
+                <a:tc>
+                  <a:txBody>
+                    <a:bodyPr/>
+                    <a:lstStyle/>
+                    <a:p>
+                      <a:pPr latinLnBrk="1"/>
+                      <a:endParaRPr lang="ko-KR" altLang="en-US"/>
+                    </a:p>
+                  </a:txBody>
+                  <a:tcPr/>
+                </a:tc>
+                <a:tc>
+                  <a:txBody>
+                    <a:bodyPr/>
+                    <a:lstStyle/>
+                    <a:p>
+                      <a:pPr latinLnBrk="1"/>
+                      <a:endParaRPr lang="ko-KR" altLang="en-US"/>
+                    </a:p>
+                  </a:txBody>
+                  <a:tcPr/>
+                </a:tc>
+                <a:tc>
+                  <a:txBody>
+                    <a:bodyPr/>
+                    <a:lstStyle/>
+                    <a:p>
+                      <a:pPr latinLnBrk="1"/>
+                      <a:endParaRPr lang="ko-KR" altLang="en-US"/>
+                    </a:p>
+                  </a:txBody>
+                  <a:tcPr/>
+                </a:tc>
+                <a:tc>
+                  <a:txBody>
+                    <a:bodyPr/>
+                    <a:lstStyle/>
+                    <a:p>
+                      <a:pPr latinLnBrk="1"/>
+                      <a:endParaRPr lang="ko-KR" altLang="en-US"/>
+                    </a:p>
+                  </a:txBody>
+                  <a:tcPr/>
+                </a:tc>
+                <a:tc>
+                  <a:txBody>
+                    <a:bodyPr/>
+                    <a:lstStyle/>
+                    <a:p>
+                      <a:pPr latinLnBrk="1"/>
+                      <a:endParaRPr lang="ko-KR" altLang="en-US"/>
+                    </a:p>
+                  </a:txBody>
+                  <a:tcPr/>
+                </a:tc>
+                <a:tc>
+                  <a:txBody>
+                    <a:bodyPr/>
+                    <a:lstStyle/>
+                    <a:p>
+                      <a:pPr latinLnBrk="1"/>
+                      <a:endParaRPr lang="ko-KR" altLang="en-US"/>
+                    </a:p>
+                  </a:txBody>
+                  <a:tcPr/>
+                </a:tc>
+                <a:tc>
+                  <a:txBody>
+                    <a:bodyPr/>
+                    <a:lstStyle/>
+                    <a:p>
+                      <a:pPr latinLnBrk="1"/>
+                      <a:endParaRPr lang="ko-KR" altLang="en-US"/>
+                    </a:p>
+                  </a:txBody>
+                  <a:tcPr/>
+                </a:tc>
+                <a:tc>
+                  <a:txBody>
+                    <a:bodyPr/>
+                    <a:lstStyle/>
+                    <a:p>
+                      <a:pPr latinLnBrk="1"/>
+                      <a:endParaRPr lang="ko-KR" altLang="en-US"/>
+                    </a:p>
+                  </a:txBody>
+                  <a:tcPr/>
+                </a:tc>
+                <a:tc>
+                  <a:txBody>
+                    <a:bodyPr/>
+                    <a:lstStyle/>
+                    <a:p>
+                      <a:pPr latinLnBrk="1"/>
+                      <a:endParaRPr lang="ko-KR" altLang="en-US"/>
+                    </a:p>
+                  </a:txBody>
+                  <a:tcPr/>
+                </a:tc>
+                <a:extLst>
+                  <a:ext uri="{0D108BD9-81ED-4DB2-BD59-A6C34878D82A}">
+                    <a16:rowId xmlns:a16="http://schemas.microsoft.com/office/drawing/2014/main" val="4086405090"/>
+                  </a:ext>
+                </a:extLst>
+              </a:tr>
+              <a:tr h="540000">
+                <a:tc>
+                  <a:txBody>
+                    <a:bodyPr/>
+                    <a:lstStyle/>
+                    <a:p>
+                      <a:pPr latinLnBrk="1"/>
+                      <a:endParaRPr lang="ko-KR" altLang="en-US"/>
+                    </a:p>
+                  </a:txBody>
+                  <a:tcPr/>
+                </a:tc>
+                <a:tc>
+                  <a:txBody>
+                    <a:bodyPr/>
+                    <a:lstStyle/>
+                    <a:p>
+                      <a:pPr latinLnBrk="1"/>
+                      <a:endParaRPr lang="ko-KR" altLang="en-US"/>
+                    </a:p>
+                  </a:txBody>
+                  <a:tcPr/>
+                </a:tc>
+                <a:tc>
+                  <a:txBody>
+                    <a:bodyPr/>
+                    <a:lstStyle/>
+                    <a:p>
+                      <a:pPr latinLnBrk="1"/>
+                      <a:endParaRPr lang="ko-KR" altLang="en-US"/>
+                    </a:p>
+                  </a:txBody>
+                  <a:tcPr/>
+                </a:tc>
+                <a:tc>
+                  <a:txBody>
+                    <a:bodyPr/>
+                    <a:lstStyle/>
+                    <a:p>
+                      <a:pPr latinLnBrk="1"/>
+                      <a:endParaRPr lang="ko-KR" altLang="en-US"/>
+                    </a:p>
+                  </a:txBody>
+                  <a:tcPr/>
+                </a:tc>
+                <a:tc>
+                  <a:txBody>
+                    <a:bodyPr/>
+                    <a:lstStyle/>
+                    <a:p>
+                      <a:pPr latinLnBrk="1"/>
+                      <a:endParaRPr lang="ko-KR" altLang="en-US"/>
+                    </a:p>
+                  </a:txBody>
+                  <a:tcPr/>
+                </a:tc>
+                <a:tc>
+                  <a:txBody>
+                    <a:bodyPr/>
+                    <a:lstStyle/>
+                    <a:p>
+                      <a:pPr latinLnBrk="1"/>
+                      <a:endParaRPr lang="ko-KR" altLang="en-US"/>
+                    </a:p>
+                  </a:txBody>
+                  <a:tcPr/>
+                </a:tc>
+                <a:tc>
+                  <a:txBody>
+                    <a:bodyPr/>
+                    <a:lstStyle/>
+                    <a:p>
+                      <a:pPr latinLnBrk="1"/>
+                      <a:endParaRPr lang="ko-KR" altLang="en-US"/>
+                    </a:p>
+                  </a:txBody>
+                  <a:tcPr/>
+                </a:tc>
+                <a:tc>
+                  <a:txBody>
+                    <a:bodyPr/>
+                    <a:lstStyle/>
+                    <a:p>
+                      <a:pPr latinLnBrk="1"/>
+                      <a:endParaRPr lang="ko-KR" altLang="en-US"/>
+                    </a:p>
+                  </a:txBody>
+                  <a:tcPr/>
+                </a:tc>
+                <a:tc>
+                  <a:txBody>
+                    <a:bodyPr/>
+                    <a:lstStyle/>
+                    <a:p>
+                      <a:pPr latinLnBrk="1"/>
+                      <a:endParaRPr lang="ko-KR" altLang="en-US"/>
+                    </a:p>
+                  </a:txBody>
+                  <a:tcPr/>
+                </a:tc>
+                <a:tc>
+                  <a:txBody>
+                    <a:bodyPr/>
+                    <a:lstStyle/>
+                    <a:p>
+                      <a:pPr latinLnBrk="1"/>
+                      <a:endParaRPr lang="ko-KR" altLang="en-US"/>
+                    </a:p>
+                  </a:txBody>
+                  <a:tcPr/>
+                </a:tc>
+                <a:tc>
+                  <a:txBody>
+                    <a:bodyPr/>
+                    <a:lstStyle/>
+                    <a:p>
+                      <a:pPr latinLnBrk="1"/>
+                      <a:endParaRPr lang="ko-KR" altLang="en-US"/>
+                    </a:p>
+                  </a:txBody>
+                  <a:tcPr/>
+                </a:tc>
+                <a:extLst>
+                  <a:ext uri="{0D108BD9-81ED-4DB2-BD59-A6C34878D82A}">
+                    <a16:rowId xmlns:a16="http://schemas.microsoft.com/office/drawing/2014/main" val="567549510"/>
+                  </a:ext>
+                </a:extLst>
+              </a:tr>
+              <a:tr h="540000">
+                <a:tc>
+                  <a:txBody>
+                    <a:bodyPr/>
+                    <a:lstStyle/>
+                    <a:p>
+                      <a:pPr latinLnBrk="1"/>
+                      <a:endParaRPr lang="ko-KR" altLang="en-US"/>
+                    </a:p>
+                  </a:txBody>
+                  <a:tcPr/>
+                </a:tc>
+                <a:tc>
+                  <a:txBody>
+                    <a:bodyPr/>
+                    <a:lstStyle/>
+                    <a:p>
+                      <a:pPr latinLnBrk="1"/>
+                      <a:endParaRPr lang="ko-KR" altLang="en-US"/>
+                    </a:p>
+                  </a:txBody>
+                  <a:tcPr/>
+                </a:tc>
+                <a:tc>
+                  <a:txBody>
+                    <a:bodyPr/>
+                    <a:lstStyle/>
+                    <a:p>
+                      <a:pPr latinLnBrk="1"/>
+                      <a:endParaRPr lang="ko-KR" altLang="en-US"/>
+                    </a:p>
+                  </a:txBody>
+                  <a:tcPr/>
+                </a:tc>
+                <a:tc>
+                  <a:txBody>
+                    <a:bodyPr/>
+                    <a:lstStyle/>
+                    <a:p>
+                      <a:pPr latinLnBrk="1"/>
+                      <a:endParaRPr lang="ko-KR" altLang="en-US"/>
+                    </a:p>
+                  </a:txBody>
+                  <a:tcPr/>
+                </a:tc>
+                <a:tc>
+                  <a:txBody>
+                    <a:bodyPr/>
+                    <a:lstStyle/>
+                    <a:p>
+                      <a:pPr latinLnBrk="1"/>
+                      <a:endParaRPr lang="ko-KR" altLang="en-US"/>
+                    </a:p>
+                  </a:txBody>
+                  <a:tcPr/>
+                </a:tc>
+                <a:tc>
+                  <a:txBody>
+                    <a:bodyPr/>
+                    <a:lstStyle/>
+                    <a:p>
+                      <a:pPr latinLnBrk="1"/>
+                      <a:endParaRPr lang="ko-KR" altLang="en-US"/>
+                    </a:p>
+                  </a:txBody>
+                  <a:tcPr/>
+                </a:tc>
+                <a:tc>
+                  <a:txBody>
+                    <a:bodyPr/>
+                    <a:lstStyle/>
+                    <a:p>
+                      <a:pPr latinLnBrk="1"/>
+                      <a:endParaRPr lang="ko-KR" altLang="en-US"/>
+                    </a:p>
+                  </a:txBody>
+                  <a:tcPr/>
+                </a:tc>
+                <a:tc>
+                  <a:txBody>
+                    <a:bodyPr/>
+                    <a:lstStyle/>
+                    <a:p>
+                      <a:pPr latinLnBrk="1"/>
+                      <a:endParaRPr lang="ko-KR" altLang="en-US"/>
+                    </a:p>
+                  </a:txBody>
+                  <a:tcPr/>
+                </a:tc>
+                <a:tc>
+                  <a:txBody>
+                    <a:bodyPr/>
+                    <a:lstStyle/>
+                    <a:p>
+                      <a:pPr latinLnBrk="1"/>
+                      <a:endParaRPr lang="ko-KR" altLang="en-US"/>
+                    </a:p>
+                  </a:txBody>
+                  <a:tcPr/>
+                </a:tc>
+                <a:tc>
+                  <a:txBody>
+                    <a:bodyPr/>
+                    <a:lstStyle/>
+                    <a:p>
+                      <a:pPr latinLnBrk="1"/>
+                      <a:endParaRPr lang="ko-KR" altLang="en-US"/>
+                    </a:p>
+                  </a:txBody>
+                  <a:tcPr/>
+                </a:tc>
+                <a:tc>
+                  <a:txBody>
+                    <a:bodyPr/>
+                    <a:lstStyle/>
+                    <a:p>
+                      <a:pPr latinLnBrk="1"/>
+                      <a:endParaRPr lang="ko-KR" altLang="en-US"/>
+                    </a:p>
+                  </a:txBody>
+                  <a:tcPr/>
+                </a:tc>
+                <a:extLst>
+                  <a:ext uri="{0D108BD9-81ED-4DB2-BD59-A6C34878D82A}">
+                    <a16:rowId xmlns:a16="http://schemas.microsoft.com/office/drawing/2014/main" val="392987875"/>
+                  </a:ext>
+                </a:extLst>
+              </a:tr>
+              <a:tr h="540000">
+                <a:tc>
+                  <a:txBody>
+                    <a:bodyPr/>
+                    <a:lstStyle/>
+                    <a:p>
+                      <a:pPr latinLnBrk="1"/>
+                      <a:endParaRPr lang="ko-KR" altLang="en-US"/>
+                    </a:p>
+                  </a:txBody>
+                  <a:tcPr/>
+                </a:tc>
+                <a:tc>
+                  <a:txBody>
+                    <a:bodyPr/>
+                    <a:lstStyle/>
+                    <a:p>
+                      <a:pPr latinLnBrk="1"/>
+                      <a:endParaRPr lang="ko-KR" altLang="en-US"/>
+                    </a:p>
+                  </a:txBody>
+                  <a:tcPr/>
+                </a:tc>
+                <a:tc>
+                  <a:txBody>
+                    <a:bodyPr/>
+                    <a:lstStyle/>
+                    <a:p>
+                      <a:pPr latinLnBrk="1"/>
+                      <a:endParaRPr lang="ko-KR" altLang="en-US"/>
+                    </a:p>
+                  </a:txBody>
+                  <a:tcPr/>
+                </a:tc>
+                <a:tc>
+                  <a:txBody>
+                    <a:bodyPr/>
+                    <a:lstStyle/>
+                    <a:p>
+                      <a:pPr latinLnBrk="1"/>
+                      <a:endParaRPr lang="ko-KR" altLang="en-US"/>
+                    </a:p>
+                  </a:txBody>
+                  <a:tcPr/>
+                </a:tc>
+                <a:tc>
+                  <a:txBody>
+                    <a:bodyPr/>
+                    <a:lstStyle/>
+                    <a:p>
+                      <a:pPr latinLnBrk="1"/>
+                      <a:endParaRPr lang="ko-KR" altLang="en-US"/>
+                    </a:p>
+                  </a:txBody>
+                  <a:tcPr/>
+                </a:tc>
+                <a:tc>
+                  <a:txBody>
+                    <a:bodyPr/>
+                    <a:lstStyle/>
+                    <a:p>
+                      <a:pPr latinLnBrk="1"/>
+                      <a:endParaRPr lang="ko-KR" altLang="en-US"/>
+                    </a:p>
+                  </a:txBody>
+                  <a:tcPr/>
+                </a:tc>
+                <a:tc>
+                  <a:txBody>
+                    <a:bodyPr/>
+                    <a:lstStyle/>
+                    <a:p>
+                      <a:pPr latinLnBrk="1"/>
+                      <a:endParaRPr lang="ko-KR" altLang="en-US"/>
+                    </a:p>
+                  </a:txBody>
+                  <a:tcPr/>
+                </a:tc>
+                <a:tc>
+                  <a:txBody>
+                    <a:bodyPr/>
+                    <a:lstStyle/>
+                    <a:p>
+                      <a:pPr latinLnBrk="1"/>
+                      <a:endParaRPr lang="ko-KR" altLang="en-US"/>
+                    </a:p>
+                  </a:txBody>
+                  <a:tcPr/>
+                </a:tc>
+                <a:tc>
+                  <a:txBody>
+                    <a:bodyPr/>
+                    <a:lstStyle/>
+                    <a:p>
+                      <a:pPr latinLnBrk="1"/>
+                      <a:endParaRPr lang="ko-KR" altLang="en-US"/>
+                    </a:p>
+                  </a:txBody>
+                  <a:tcPr/>
+                </a:tc>
+                <a:tc>
+                  <a:txBody>
+                    <a:bodyPr/>
+                    <a:lstStyle/>
+                    <a:p>
+                      <a:pPr latinLnBrk="1"/>
+                      <a:endParaRPr lang="ko-KR" altLang="en-US"/>
+                    </a:p>
+                  </a:txBody>
+                  <a:tcPr/>
+                </a:tc>
+                <a:tc>
+                  <a:txBody>
+                    <a:bodyPr/>
+                    <a:lstStyle/>
+                    <a:p>
+                      <a:pPr latinLnBrk="1"/>
+                      <a:endParaRPr lang="ko-KR" altLang="en-US"/>
+                    </a:p>
+                  </a:txBody>
+                  <a:tcPr/>
+                </a:tc>
+                <a:extLst>
+                  <a:ext uri="{0D108BD9-81ED-4DB2-BD59-A6C34878D82A}">
+                    <a16:rowId xmlns:a16="http://schemas.microsoft.com/office/drawing/2014/main" val="61334975"/>
+                  </a:ext>
+                </a:extLst>
+              </a:tr>
+              <a:tr h="540000">
+                <a:tc>
+                  <a:txBody>
+                    <a:bodyPr/>
+                    <a:lstStyle/>
+                    <a:p>
+                      <a:pPr latinLnBrk="1"/>
+                      <a:endParaRPr lang="ko-KR" altLang="en-US"/>
+                    </a:p>
+                  </a:txBody>
+                  <a:tcPr/>
+                </a:tc>
+                <a:tc>
+                  <a:txBody>
+                    <a:bodyPr/>
+                    <a:lstStyle/>
+                    <a:p>
+                      <a:pPr latinLnBrk="1"/>
+                      <a:endParaRPr lang="ko-KR" altLang="en-US"/>
+                    </a:p>
+                  </a:txBody>
+                  <a:tcPr/>
+                </a:tc>
+                <a:tc>
+                  <a:txBody>
+                    <a:bodyPr/>
+                    <a:lstStyle/>
+                    <a:p>
+                      <a:pPr latinLnBrk="1"/>
+                      <a:endParaRPr lang="ko-KR" altLang="en-US"/>
+                    </a:p>
+                  </a:txBody>
+                  <a:tcPr/>
+                </a:tc>
+                <a:tc>
+                  <a:txBody>
+                    <a:bodyPr/>
+                    <a:lstStyle/>
+                    <a:p>
+                      <a:pPr latinLnBrk="1"/>
+                      <a:endParaRPr lang="ko-KR" altLang="en-US"/>
+                    </a:p>
+                  </a:txBody>
+                  <a:tcPr/>
+                </a:tc>
+                <a:tc>
+                  <a:txBody>
+                    <a:bodyPr/>
+                    <a:lstStyle/>
+                    <a:p>
+                      <a:pPr latinLnBrk="1"/>
+                      <a:endParaRPr lang="ko-KR" altLang="en-US"/>
+                    </a:p>
+                  </a:txBody>
+                  <a:tcPr/>
+                </a:tc>
+                <a:tc>
+                  <a:txBody>
+                    <a:bodyPr/>
+                    <a:lstStyle/>
+                    <a:p>
+                      <a:pPr latinLnBrk="1"/>
+                      <a:endParaRPr lang="ko-KR" altLang="en-US"/>
+                    </a:p>
+                  </a:txBody>
+                  <a:tcPr/>
+                </a:tc>
+                <a:tc>
+                  <a:txBody>
+                    <a:bodyPr/>
+                    <a:lstStyle/>
+                    <a:p>
+                      <a:pPr latinLnBrk="1"/>
+                      <a:endParaRPr lang="ko-KR" altLang="en-US"/>
+                    </a:p>
+                  </a:txBody>
+                  <a:tcPr/>
+                </a:tc>
+                <a:tc>
+                  <a:txBody>
+                    <a:bodyPr/>
+                    <a:lstStyle/>
+                    <a:p>
+                      <a:pPr latinLnBrk="1"/>
+                      <a:endParaRPr lang="ko-KR" altLang="en-US"/>
+                    </a:p>
+                  </a:txBody>
+                  <a:tcPr/>
+                </a:tc>
+                <a:tc>
+                  <a:txBody>
+                    <a:bodyPr/>
+                    <a:lstStyle/>
+                    <a:p>
+                      <a:pPr latinLnBrk="1"/>
+                      <a:endParaRPr lang="ko-KR" altLang="en-US"/>
+                    </a:p>
+                  </a:txBody>
+                  <a:tcPr/>
+                </a:tc>
+                <a:tc>
+                  <a:txBody>
+                    <a:bodyPr/>
+                    <a:lstStyle/>
+                    <a:p>
+                      <a:pPr latinLnBrk="1"/>
+                      <a:endParaRPr lang="ko-KR" altLang="en-US"/>
+                    </a:p>
+                  </a:txBody>
+                  <a:tcPr/>
+                </a:tc>
+                <a:tc>
+                  <a:txBody>
+                    <a:bodyPr/>
+                    <a:lstStyle/>
+                    <a:p>
+                      <a:pPr latinLnBrk="1"/>
+                      <a:endParaRPr lang="ko-KR" altLang="en-US"/>
+                    </a:p>
+                  </a:txBody>
+                  <a:tcPr/>
+                </a:tc>
+                <a:extLst>
+                  <a:ext uri="{0D108BD9-81ED-4DB2-BD59-A6C34878D82A}">
+                    <a16:rowId xmlns:a16="http://schemas.microsoft.com/office/drawing/2014/main" val="2035835781"/>
+                  </a:ext>
+                </a:extLst>
+              </a:tr>
+              <a:tr h="540000">
+                <a:tc>
+                  <a:txBody>
+                    <a:bodyPr/>
+                    <a:lstStyle/>
+                    <a:p>
+                      <a:pPr latinLnBrk="1"/>
+                      <a:endParaRPr lang="ko-KR" altLang="en-US"/>
+                    </a:p>
+                  </a:txBody>
+                  <a:tcPr/>
+                </a:tc>
+                <a:tc>
+                  <a:txBody>
+                    <a:bodyPr/>
+                    <a:lstStyle/>
+                    <a:p>
+                      <a:pPr latinLnBrk="1"/>
+                      <a:endParaRPr lang="ko-KR" altLang="en-US"/>
+                    </a:p>
+                  </a:txBody>
+                  <a:tcPr/>
+                </a:tc>
+                <a:tc>
+                  <a:txBody>
+                    <a:bodyPr/>
+                    <a:lstStyle/>
+                    <a:p>
+                      <a:pPr latinLnBrk="1"/>
+                      <a:endParaRPr lang="ko-KR" altLang="en-US"/>
+                    </a:p>
+                  </a:txBody>
+                  <a:tcPr/>
+                </a:tc>
+                <a:tc>
+                  <a:txBody>
+                    <a:bodyPr/>
+                    <a:lstStyle/>
+                    <a:p>
+                      <a:pPr latinLnBrk="1"/>
+                      <a:endParaRPr lang="ko-KR" altLang="en-US"/>
+                    </a:p>
+                  </a:txBody>
+                  <a:tcPr/>
+                </a:tc>
+                <a:tc>
+                  <a:txBody>
+                    <a:bodyPr/>
+                    <a:lstStyle/>
+                    <a:p>
+                      <a:pPr latinLnBrk="1"/>
+                      <a:endParaRPr lang="ko-KR" altLang="en-US"/>
+                    </a:p>
+                  </a:txBody>
+                  <a:tcPr/>
+                </a:tc>
+                <a:tc>
+                  <a:txBody>
+                    <a:bodyPr/>
+                    <a:lstStyle/>
+                    <a:p>
+                      <a:pPr latinLnBrk="1"/>
+                      <a:endParaRPr lang="ko-KR" altLang="en-US"/>
+                    </a:p>
+                  </a:txBody>
+                  <a:tcPr/>
+                </a:tc>
+                <a:tc>
+                  <a:txBody>
+                    <a:bodyPr/>
+                    <a:lstStyle/>
+                    <a:p>
+                      <a:pPr latinLnBrk="1"/>
+                      <a:endParaRPr lang="ko-KR" altLang="en-US"/>
+                    </a:p>
+                  </a:txBody>
+                  <a:tcPr/>
+                </a:tc>
+                <a:tc>
+                  <a:txBody>
+                    <a:bodyPr/>
+                    <a:lstStyle/>
+                    <a:p>
+                      <a:pPr latinLnBrk="1"/>
+                      <a:endParaRPr lang="ko-KR" altLang="en-US"/>
+                    </a:p>
+                  </a:txBody>
+                  <a:tcPr/>
+                </a:tc>
+                <a:tc>
+                  <a:txBody>
+                    <a:bodyPr/>
+                    <a:lstStyle/>
+                    <a:p>
+                      <a:pPr latinLnBrk="1"/>
+                      <a:endParaRPr lang="ko-KR" altLang="en-US"/>
+                    </a:p>
+                  </a:txBody>
+                  <a:tcPr/>
+                </a:tc>
+                <a:tc>
+                  <a:txBody>
+                    <a:bodyPr/>
+                    <a:lstStyle/>
+                    <a:p>
+                      <a:pPr latinLnBrk="1"/>
+                      <a:endParaRPr lang="ko-KR" altLang="en-US"/>
+                    </a:p>
+                  </a:txBody>
+                  <a:tcPr/>
+                </a:tc>
+                <a:tc>
+                  <a:txBody>
+                    <a:bodyPr/>
+                    <a:lstStyle/>
+                    <a:p>
+                      <a:pPr latinLnBrk="1"/>
+                      <a:endParaRPr lang="ko-KR" altLang="en-US"/>
+                    </a:p>
+                  </a:txBody>
+                  <a:tcPr/>
+                </a:tc>
+                <a:extLst>
+                  <a:ext uri="{0D108BD9-81ED-4DB2-BD59-A6C34878D82A}">
+                    <a16:rowId xmlns:a16="http://schemas.microsoft.com/office/drawing/2014/main" val="2537768518"/>
+                  </a:ext>
+                </a:extLst>
+              </a:tr>
+              <a:tr h="540000">
+                <a:tc>
+                  <a:txBody>
+                    <a:bodyPr/>
+                    <a:lstStyle/>
+                    <a:p>
+                      <a:pPr latinLnBrk="1"/>
+                      <a:endParaRPr lang="ko-KR" altLang="en-US"/>
+                    </a:p>
+                  </a:txBody>
+                  <a:tcPr/>
+                </a:tc>
+                <a:tc>
+                  <a:txBody>
+                    <a:bodyPr/>
+                    <a:lstStyle/>
+                    <a:p>
+                      <a:pPr latinLnBrk="1"/>
+                      <a:endParaRPr lang="ko-KR" altLang="en-US"/>
+                    </a:p>
+                  </a:txBody>
+                  <a:tcPr/>
+                </a:tc>
+                <a:tc>
+                  <a:txBody>
+                    <a:bodyPr/>
+                    <a:lstStyle/>
+                    <a:p>
+                      <a:pPr latinLnBrk="1"/>
+                      <a:endParaRPr lang="ko-KR" altLang="en-US"/>
+                    </a:p>
+                  </a:txBody>
+                  <a:tcPr/>
+                </a:tc>
+                <a:tc>
+                  <a:txBody>
+                    <a:bodyPr/>
+                    <a:lstStyle/>
+                    <a:p>
+                      <a:pPr latinLnBrk="1"/>
+                      <a:endParaRPr lang="ko-KR" altLang="en-US"/>
+                    </a:p>
+                  </a:txBody>
+                  <a:tcPr/>
+                </a:tc>
+                <a:tc>
+                  <a:txBody>
+                    <a:bodyPr/>
+                    <a:lstStyle/>
+                    <a:p>
+                      <a:pPr latinLnBrk="1"/>
+                      <a:endParaRPr lang="ko-KR" altLang="en-US"/>
+                    </a:p>
+                  </a:txBody>
+                  <a:tcPr/>
+                </a:tc>
+                <a:tc>
+                  <a:txBody>
+                    <a:bodyPr/>
+                    <a:lstStyle/>
+                    <a:p>
+                      <a:pPr latinLnBrk="1"/>
+                      <a:endParaRPr lang="ko-KR" altLang="en-US"/>
+                    </a:p>
+                  </a:txBody>
+                  <a:tcPr/>
+                </a:tc>
+                <a:tc>
+                  <a:txBody>
+                    <a:bodyPr/>
+                    <a:lstStyle/>
+                    <a:p>
+                      <a:pPr latinLnBrk="1"/>
+                      <a:endParaRPr lang="ko-KR" altLang="en-US"/>
+                    </a:p>
+                  </a:txBody>
+                  <a:tcPr/>
+                </a:tc>
+                <a:tc>
+                  <a:txBody>
+                    <a:bodyPr/>
+                    <a:lstStyle/>
+                    <a:p>
+                      <a:pPr latinLnBrk="1"/>
+                      <a:endParaRPr lang="ko-KR" altLang="en-US"/>
+                    </a:p>
+                  </a:txBody>
+                  <a:tcPr/>
+                </a:tc>
+                <a:tc>
+                  <a:txBody>
+                    <a:bodyPr/>
+                    <a:lstStyle/>
+                    <a:p>
+                      <a:pPr latinLnBrk="1"/>
+                      <a:endParaRPr lang="ko-KR" altLang="en-US"/>
+                    </a:p>
+                  </a:txBody>
+                  <a:tcPr/>
+                </a:tc>
+                <a:tc>
+                  <a:txBody>
+                    <a:bodyPr/>
+                    <a:lstStyle/>
+                    <a:p>
+                      <a:pPr latinLnBrk="1"/>
+                      <a:endParaRPr lang="ko-KR" altLang="en-US"/>
+                    </a:p>
+                  </a:txBody>
+                  <a:tcPr/>
+                </a:tc>
+                <a:tc>
+                  <a:txBody>
+                    <a:bodyPr/>
+                    <a:lstStyle/>
+                    <a:p>
+                      <a:pPr latinLnBrk="1"/>
+                      <a:endParaRPr lang="ko-KR" altLang="en-US"/>
+                    </a:p>
+                  </a:txBody>
+                  <a:tcPr/>
+                </a:tc>
+                <a:extLst>
+                  <a:ext uri="{0D108BD9-81ED-4DB2-BD59-A6C34878D82A}">
+                    <a16:rowId xmlns:a16="http://schemas.microsoft.com/office/drawing/2014/main" val="2561500359"/>
+                  </a:ext>
+                </a:extLst>
+              </a:tr>
+              <a:tr h="540000">
+                <a:tc>
+                  <a:txBody>
+                    <a:bodyPr/>
+                    <a:lstStyle/>
+                    <a:p>
+                      <a:pPr latinLnBrk="1"/>
+                      <a:endParaRPr lang="ko-KR" altLang="en-US"/>
+                    </a:p>
+                  </a:txBody>
+                  <a:tcPr/>
+                </a:tc>
+                <a:tc>
+                  <a:txBody>
+                    <a:bodyPr/>
+                    <a:lstStyle/>
+                    <a:p>
+                      <a:pPr latinLnBrk="1"/>
+                      <a:endParaRPr lang="ko-KR" altLang="en-US"/>
+                    </a:p>
+                  </a:txBody>
+                  <a:tcPr/>
+                </a:tc>
+                <a:tc>
+                  <a:txBody>
+                    <a:bodyPr/>
+                    <a:lstStyle/>
+                    <a:p>
+                      <a:pPr latinLnBrk="1"/>
+                      <a:endParaRPr lang="ko-KR" altLang="en-US"/>
+                    </a:p>
+                  </a:txBody>
+                  <a:tcPr/>
+                </a:tc>
+                <a:tc>
+                  <a:txBody>
+                    <a:bodyPr/>
+                    <a:lstStyle/>
+                    <a:p>
+                      <a:pPr latinLnBrk="1"/>
+                      <a:endParaRPr lang="ko-KR" altLang="en-US"/>
+                    </a:p>
+                  </a:txBody>
+                  <a:tcPr/>
+                </a:tc>
+                <a:tc>
+                  <a:txBody>
+                    <a:bodyPr/>
+                    <a:lstStyle/>
+                    <a:p>
+                      <a:pPr latinLnBrk="1"/>
+                      <a:endParaRPr lang="ko-KR" altLang="en-US"/>
+                    </a:p>
+                  </a:txBody>
+                  <a:tcPr/>
+                </a:tc>
+                <a:tc>
+                  <a:txBody>
+                    <a:bodyPr/>
+                    <a:lstStyle/>
+                    <a:p>
+                      <a:pPr latinLnBrk="1"/>
+                      <a:endParaRPr lang="ko-KR" altLang="en-US"/>
+                    </a:p>
+                  </a:txBody>
+                  <a:tcPr/>
+                </a:tc>
+                <a:tc>
+                  <a:txBody>
+                    <a:bodyPr/>
+                    <a:lstStyle/>
+                    <a:p>
+                      <a:pPr latinLnBrk="1"/>
+                      <a:endParaRPr lang="ko-KR" altLang="en-US"/>
+                    </a:p>
+                  </a:txBody>
+                  <a:tcPr/>
+                </a:tc>
+                <a:tc>
+                  <a:txBody>
+                    <a:bodyPr/>
+                    <a:lstStyle/>
+                    <a:p>
+                      <a:pPr latinLnBrk="1"/>
+                      <a:endParaRPr lang="ko-KR" altLang="en-US"/>
+                    </a:p>
+                  </a:txBody>
+                  <a:tcPr/>
+                </a:tc>
+                <a:tc>
+                  <a:txBody>
+                    <a:bodyPr/>
+                    <a:lstStyle/>
+                    <a:p>
+                      <a:pPr latinLnBrk="1"/>
+                      <a:endParaRPr lang="ko-KR" altLang="en-US"/>
+                    </a:p>
+                  </a:txBody>
+                  <a:tcPr/>
+                </a:tc>
+                <a:tc>
+                  <a:txBody>
+                    <a:bodyPr/>
+                    <a:lstStyle/>
+                    <a:p>
+                      <a:pPr latinLnBrk="1"/>
+                      <a:endParaRPr lang="ko-KR" altLang="en-US"/>
+                    </a:p>
+                  </a:txBody>
+                  <a:tcPr/>
+                </a:tc>
+                <a:tc>
+                  <a:txBody>
+                    <a:bodyPr/>
+                    <a:lstStyle/>
+                    <a:p>
+                      <a:pPr latinLnBrk="1"/>
+                      <a:endParaRPr lang="ko-KR" altLang="en-US"/>
+                    </a:p>
+                  </a:txBody>
+                  <a:tcPr/>
+                </a:tc>
+                <a:extLst>
+                  <a:ext uri="{0D108BD9-81ED-4DB2-BD59-A6C34878D82A}">
+                    <a16:rowId xmlns:a16="http://schemas.microsoft.com/office/drawing/2014/main" val="611785877"/>
+                  </a:ext>
+                </a:extLst>
+              </a:tr>
+              <a:tr h="540000">
+                <a:tc>
+                  <a:txBody>
+                    <a:bodyPr/>
+                    <a:lstStyle/>
+                    <a:p>
+                      <a:pPr latinLnBrk="1"/>
+                      <a:endParaRPr lang="ko-KR" altLang="en-US"/>
+                    </a:p>
+                  </a:txBody>
+                  <a:tcPr/>
+                </a:tc>
+                <a:tc>
+                  <a:txBody>
+                    <a:bodyPr/>
+                    <a:lstStyle/>
+                    <a:p>
+                      <a:pPr latinLnBrk="1"/>
+                      <a:endParaRPr lang="ko-KR" altLang="en-US"/>
+                    </a:p>
+                  </a:txBody>
+                  <a:tcPr/>
+                </a:tc>
+                <a:tc>
+                  <a:txBody>
+                    <a:bodyPr/>
+                    <a:lstStyle/>
+                    <a:p>
+                      <a:pPr latinLnBrk="1"/>
+                      <a:endParaRPr lang="ko-KR" altLang="en-US"/>
+                    </a:p>
+                  </a:txBody>
+                  <a:tcPr/>
+                </a:tc>
+                <a:tc>
+                  <a:txBody>
+                    <a:bodyPr/>
+                    <a:lstStyle/>
+                    <a:p>
+                      <a:pPr latinLnBrk="1"/>
+                      <a:endParaRPr lang="ko-KR" altLang="en-US"/>
+                    </a:p>
+                  </a:txBody>
+                  <a:tcPr/>
+                </a:tc>
+                <a:tc>
+                  <a:txBody>
+                    <a:bodyPr/>
+                    <a:lstStyle/>
+                    <a:p>
+                      <a:pPr latinLnBrk="1"/>
+                      <a:endParaRPr lang="ko-KR" altLang="en-US"/>
+                    </a:p>
+                  </a:txBody>
+                  <a:tcPr/>
+                </a:tc>
+                <a:tc>
+                  <a:txBody>
+                    <a:bodyPr/>
+                    <a:lstStyle/>
+                    <a:p>
+                      <a:pPr latinLnBrk="1"/>
+                      <a:endParaRPr lang="ko-KR" altLang="en-US"/>
+                    </a:p>
+                  </a:txBody>
+                  <a:tcPr/>
+                </a:tc>
+                <a:tc>
+                  <a:txBody>
+                    <a:bodyPr/>
+                    <a:lstStyle/>
+                    <a:p>
+                      <a:pPr latinLnBrk="1"/>
+                      <a:endParaRPr lang="ko-KR" altLang="en-US"/>
+                    </a:p>
+                  </a:txBody>
+                  <a:tcPr/>
+                </a:tc>
+                <a:tc>
+                  <a:txBody>
+                    <a:bodyPr/>
+                    <a:lstStyle/>
+                    <a:p>
+                      <a:pPr latinLnBrk="1"/>
+                      <a:endParaRPr lang="ko-KR" altLang="en-US"/>
+                    </a:p>
+                  </a:txBody>
+                  <a:tcPr/>
+                </a:tc>
+                <a:tc>
+                  <a:txBody>
+                    <a:bodyPr/>
+                    <a:lstStyle/>
+                    <a:p>
+                      <a:pPr latinLnBrk="1"/>
+                      <a:endParaRPr lang="ko-KR" altLang="en-US"/>
+                    </a:p>
+                  </a:txBody>
+                  <a:tcPr/>
+                </a:tc>
+                <a:tc>
+                  <a:txBody>
+                    <a:bodyPr/>
+                    <a:lstStyle/>
+                    <a:p>
+                      <a:pPr latinLnBrk="1"/>
+                      <a:endParaRPr lang="ko-KR" altLang="en-US"/>
+                    </a:p>
+                  </a:txBody>
+                  <a:tcPr/>
+                </a:tc>
+                <a:tc>
+                  <a:txBody>
+                    <a:bodyPr/>
+                    <a:lstStyle/>
+                    <a:p>
+                      <a:pPr latinLnBrk="1"/>
+                      <a:endParaRPr lang="ko-KR" altLang="en-US"/>
+                    </a:p>
+                  </a:txBody>
+                  <a:tcPr/>
+                </a:tc>
+                <a:extLst>
+                  <a:ext uri="{0D108BD9-81ED-4DB2-BD59-A6C34878D82A}">
+                    <a16:rowId xmlns:a16="http://schemas.microsoft.com/office/drawing/2014/main" val="2167398547"/>
+                  </a:ext>
+                </a:extLst>
+              </a:tr>
+              <a:tr h="540000">
+                <a:tc>
+                  <a:txBody>
+                    <a:bodyPr/>
+                    <a:lstStyle/>
+                    <a:p>
+                      <a:pPr latinLnBrk="1"/>
+                      <a:endParaRPr lang="ko-KR" altLang="en-US"/>
+                    </a:p>
+                  </a:txBody>
+                  <a:tcPr/>
+                </a:tc>
+                <a:tc>
+                  <a:txBody>
+                    <a:bodyPr/>
+                    <a:lstStyle/>
+                    <a:p>
+                      <a:pPr latinLnBrk="1"/>
+                      <a:endParaRPr lang="ko-KR" altLang="en-US"/>
+                    </a:p>
+                  </a:txBody>
+                  <a:tcPr/>
+                </a:tc>
+                <a:tc>
+                  <a:txBody>
+                    <a:bodyPr/>
+                    <a:lstStyle/>
+                    <a:p>
+                      <a:pPr latinLnBrk="1"/>
+                      <a:endParaRPr lang="ko-KR" altLang="en-US"/>
+                    </a:p>
+                  </a:txBody>
+                  <a:tcPr/>
+                </a:tc>
+                <a:tc>
+                  <a:txBody>
+                    <a:bodyPr/>
+                    <a:lstStyle/>
+                    <a:p>
+                      <a:pPr latinLnBrk="1"/>
+                      <a:endParaRPr lang="ko-KR" altLang="en-US"/>
+                    </a:p>
+                  </a:txBody>
+                  <a:tcPr/>
+                </a:tc>
+                <a:tc>
+                  <a:txBody>
+                    <a:bodyPr/>
+                    <a:lstStyle/>
+                    <a:p>
+                      <a:pPr latinLnBrk="1"/>
+                      <a:endParaRPr lang="ko-KR" altLang="en-US"/>
+                    </a:p>
+                  </a:txBody>
+                  <a:tcPr/>
+                </a:tc>
+                <a:tc>
+                  <a:txBody>
+                    <a:bodyPr/>
+                    <a:lstStyle/>
+                    <a:p>
+                      <a:pPr latinLnBrk="1"/>
+                      <a:endParaRPr lang="ko-KR" altLang="en-US"/>
+                    </a:p>
+                  </a:txBody>
+                  <a:tcPr/>
+                </a:tc>
+                <a:tc>
+                  <a:txBody>
+                    <a:bodyPr/>
+                    <a:lstStyle/>
+                    <a:p>
+                      <a:pPr latinLnBrk="1"/>
+                      <a:endParaRPr lang="ko-KR" altLang="en-US"/>
+                    </a:p>
+                  </a:txBody>
+                  <a:tcPr/>
+                </a:tc>
+                <a:tc>
+                  <a:txBody>
+                    <a:bodyPr/>
+                    <a:lstStyle/>
+                    <a:p>
+                      <a:pPr latinLnBrk="1"/>
+                      <a:endParaRPr lang="ko-KR" altLang="en-US"/>
+                    </a:p>
+                  </a:txBody>
+                  <a:tcPr/>
+                </a:tc>
+                <a:tc>
+                  <a:txBody>
+                    <a:bodyPr/>
+                    <a:lstStyle/>
+                    <a:p>
+                      <a:pPr latinLnBrk="1"/>
+                      <a:endParaRPr lang="ko-KR" altLang="en-US"/>
+                    </a:p>
+                  </a:txBody>
+                  <a:tcPr/>
+                </a:tc>
+                <a:tc>
+                  <a:txBody>
+                    <a:bodyPr/>
+                    <a:lstStyle/>
+                    <a:p>
+                      <a:pPr latinLnBrk="1"/>
+                      <a:endParaRPr lang="ko-KR" altLang="en-US"/>
+                    </a:p>
+                  </a:txBody>
+                  <a:tcPr/>
+                </a:tc>
+                <a:tc>
+                  <a:txBody>
+                    <a:bodyPr/>
+                    <a:lstStyle/>
+                    <a:p>
+                      <a:pPr latinLnBrk="1"/>
+                      <a:endParaRPr lang="ko-KR" altLang="en-US"/>
+                    </a:p>
+                  </a:txBody>
+                  <a:tcPr/>
+                </a:tc>
+                <a:extLst>
+                  <a:ext uri="{0D108BD9-81ED-4DB2-BD59-A6C34878D82A}">
+                    <a16:rowId xmlns:a16="http://schemas.microsoft.com/office/drawing/2014/main" val="3616043793"/>
+                  </a:ext>
+                </a:extLst>
+              </a:tr>
+            </a:tbl>
+          </a:graphicData>
+        </a:graphic>
+      </p:graphicFrame>
+      <p:cxnSp>
+        <p:nvCxnSpPr>
+          <p:cNvPr id="6" name="직선 화살표 연결선 5">
+            <a:extLst>
+              <a:ext uri="{FF2B5EF4-FFF2-40B4-BE49-F238E27FC236}">
+                <a16:creationId xmlns:a16="http://schemas.microsoft.com/office/drawing/2014/main" id="{66815E72-1439-CC43-80CE-642AB228E991}"/>
+              </a:ext>
+            </a:extLst>
+          </p:cNvPr>
+          <p:cNvCxnSpPr/>
+          <p:nvPr/>
+        </p:nvCxnSpPr>
+        <p:spPr>
+          <a:xfrm>
+            <a:off x="1810058" y="630889"/>
+            <a:ext cx="0" cy="5707767"/>
+          </a:xfrm>
+          <a:prstGeom prst="straightConnector1">
+            <a:avLst/>
+          </a:prstGeom>
+          <a:ln>
+            <a:tailEnd type="triangle"/>
+          </a:ln>
+        </p:spPr>
+        <p:style>
+          <a:lnRef idx="2">
+            <a:schemeClr val="dk1"/>
+          </a:lnRef>
+          <a:fillRef idx="0">
+            <a:schemeClr val="dk1"/>
+          </a:fillRef>
+          <a:effectRef idx="1">
+            <a:schemeClr val="dk1"/>
+          </a:effectRef>
+          <a:fontRef idx="minor">
+            <a:schemeClr val="tx1"/>
+          </a:fontRef>
+        </p:style>
+      </p:cxnSp>
+      <p:cxnSp>
+        <p:nvCxnSpPr>
+          <p:cNvPr id="7" name="직선 화살표 연결선 6">
+            <a:extLst>
+              <a:ext uri="{FF2B5EF4-FFF2-40B4-BE49-F238E27FC236}">
+                <a16:creationId xmlns:a16="http://schemas.microsoft.com/office/drawing/2014/main" id="{806A2501-C8F3-5F7F-6252-3F41183CB0A9}"/>
+              </a:ext>
+            </a:extLst>
+          </p:cNvPr>
+          <p:cNvCxnSpPr>
+            <a:cxnSpLocks/>
+          </p:cNvCxnSpPr>
+          <p:nvPr/>
+        </p:nvCxnSpPr>
+        <p:spPr>
+          <a:xfrm>
+            <a:off x="1810058" y="630889"/>
+            <a:ext cx="6290002" cy="0"/>
+          </a:xfrm>
+          <a:prstGeom prst="straightConnector1">
+            <a:avLst/>
+          </a:prstGeom>
+          <a:ln>
+            <a:tailEnd type="triangle"/>
+          </a:ln>
+        </p:spPr>
+        <p:style>
+          <a:lnRef idx="2">
+            <a:schemeClr val="dk1"/>
+          </a:lnRef>
+          <a:fillRef idx="0">
+            <a:schemeClr val="dk1"/>
+          </a:fillRef>
+          <a:effectRef idx="1">
+            <a:schemeClr val="dk1"/>
+          </a:effectRef>
+          <a:fontRef idx="minor">
+            <a:schemeClr val="tx1"/>
+          </a:fontRef>
+        </p:style>
+      </p:cxnSp>
+      <p:sp>
+        <p:nvSpPr>
+          <p:cNvPr id="10" name="TextBox 9">
+            <a:extLst>
+              <a:ext uri="{FF2B5EF4-FFF2-40B4-BE49-F238E27FC236}">
+                <a16:creationId xmlns:a16="http://schemas.microsoft.com/office/drawing/2014/main" id="{6403861E-ED71-2A26-D59C-8A58D249C742}"/>
+              </a:ext>
+            </a:extLst>
+          </p:cNvPr>
+          <p:cNvSpPr txBox="1"/>
+          <p:nvPr/>
+        </p:nvSpPr>
+        <p:spPr>
+          <a:xfrm rot="16200000">
+            <a:off x="404551" y="3146222"/>
+            <a:ext cx="1500732" cy="369332"/>
+          </a:xfrm>
+          <a:prstGeom prst="rect">
+            <a:avLst/>
+          </a:prstGeom>
+          <a:noFill/>
+        </p:spPr>
+        <p:txBody>
+          <a:bodyPr wrap="none" rtlCol="0">
+            <a:spAutoFit/>
+          </a:bodyPr>
+          <a:lstStyle/>
+          <a:p>
+            <a:r>
+              <a:rPr lang="en-US" altLang="ko-KR">
+                <a:latin typeface="나눔바른고딕" panose="020B0603020101020101" pitchFamily="50" charset="-127"/>
+                <a:ea typeface="나눔바른고딕" panose="020B0603020101020101" pitchFamily="50" charset="-127"/>
+              </a:rPr>
+              <a:t>Dimension 1</a:t>
+            </a:r>
+            <a:endParaRPr lang="ko-KR" altLang="en-US">
+              <a:latin typeface="나눔바른고딕" panose="020B0603020101020101" pitchFamily="50" charset="-127"/>
+              <a:ea typeface="나눔바른고딕" panose="020B0603020101020101" pitchFamily="50" charset="-127"/>
+            </a:endParaRPr>
+          </a:p>
+        </p:txBody>
+      </p:sp>
+      <p:sp>
+        <p:nvSpPr>
+          <p:cNvPr id="11" name="TextBox 10">
+            <a:extLst>
+              <a:ext uri="{FF2B5EF4-FFF2-40B4-BE49-F238E27FC236}">
+                <a16:creationId xmlns:a16="http://schemas.microsoft.com/office/drawing/2014/main" id="{93209400-002A-A151-BB9D-DFAB24686FC9}"/>
+              </a:ext>
+            </a:extLst>
+          </p:cNvPr>
+          <p:cNvSpPr txBox="1"/>
+          <p:nvPr/>
+        </p:nvSpPr>
+        <p:spPr>
+          <a:xfrm>
+            <a:off x="4033238" y="-46210"/>
+            <a:ext cx="1500732" cy="369332"/>
+          </a:xfrm>
+          <a:prstGeom prst="rect">
+            <a:avLst/>
+          </a:prstGeom>
+          <a:noFill/>
+        </p:spPr>
+        <p:txBody>
+          <a:bodyPr wrap="none" rtlCol="0">
+            <a:spAutoFit/>
+          </a:bodyPr>
+          <a:lstStyle/>
+          <a:p>
+            <a:r>
+              <a:rPr lang="en-US" altLang="ko-KR">
+                <a:latin typeface="나눔바른고딕" panose="020B0603020101020101" pitchFamily="50" charset="-127"/>
+                <a:ea typeface="나눔바른고딕" panose="020B0603020101020101" pitchFamily="50" charset="-127"/>
+              </a:rPr>
+              <a:t>Dimension 2</a:t>
+            </a:r>
+            <a:endParaRPr lang="ko-KR" altLang="en-US">
+              <a:latin typeface="나눔바른고딕" panose="020B0603020101020101" pitchFamily="50" charset="-127"/>
+              <a:ea typeface="나눔바른고딕" panose="020B0603020101020101" pitchFamily="50" charset="-127"/>
+            </a:endParaRPr>
+          </a:p>
+        </p:txBody>
+      </p:sp>
+      <mc:AlternateContent xmlns:mc="http://schemas.openxmlformats.org/markup-compatibility/2006">
+        <mc:Choice xmlns:a14="http://schemas.microsoft.com/office/drawing/2010/main" Requires="a14">
+          <p:sp>
+            <p:nvSpPr>
+              <p:cNvPr id="12" name="TextBox 11">
+                <a:extLst>
+                  <a:ext uri="{FF2B5EF4-FFF2-40B4-BE49-F238E27FC236}">
+                    <a16:creationId xmlns:a16="http://schemas.microsoft.com/office/drawing/2014/main" id="{B3B3372A-F716-C5FD-91F9-E11765865531}"/>
+                  </a:ext>
+                </a:extLst>
+              </p:cNvPr>
+              <p:cNvSpPr txBox="1"/>
+              <p:nvPr/>
+            </p:nvSpPr>
+            <p:spPr>
+              <a:xfrm>
+                <a:off x="1482974" y="1029810"/>
+                <a:ext cx="209993" cy="276999"/>
+              </a:xfrm>
+              <a:prstGeom prst="rect">
+                <a:avLst/>
+              </a:prstGeom>
+              <a:noFill/>
+            </p:spPr>
+            <p:txBody>
+              <a:bodyPr wrap="none" lIns="0" tIns="0" rIns="0" bIns="0" rtlCol="0">
+                <a:spAutoFit/>
+              </a:bodyPr>
+              <a:lstStyle/>
+              <a:p>
+                <a14:m>
+                  <m:oMathPara xmlns:m="http://schemas.openxmlformats.org/officeDocument/2006/math">
+                    <m:oMathParaPr>
+                      <m:jc m:val="centerGroup"/>
+                    </m:oMathParaPr>
+                    <m:oMath xmlns:m="http://schemas.openxmlformats.org/officeDocument/2006/math">
+                      <m:r>
+                        <a:rPr lang="en-US" altLang="ko-KR" b="0" i="1" smtClean="0">
+                          <a:latin typeface="Cambria Math" panose="02040503050406030204" pitchFamily="18" charset="0"/>
+                        </a:rPr>
+                        <m:t>1</m:t>
+                      </m:r>
+                    </m:oMath>
+                  </m:oMathPara>
+                </a14:m>
+                <a:endParaRPr lang="ko-KR" altLang="en-US"/>
+              </a:p>
+            </p:txBody>
+          </p:sp>
+        </mc:Choice>
+        <mc:Fallback>
+          <p:sp>
+            <p:nvSpPr>
+              <p:cNvPr id="12" name="TextBox 11">
+                <a:extLst>
+                  <a:ext uri="{FF2B5EF4-FFF2-40B4-BE49-F238E27FC236}">
+                    <a16:creationId xmlns:a16="http://schemas.microsoft.com/office/drawing/2014/main" id="{B3B3372A-F716-C5FD-91F9-E11765865531}"/>
+                  </a:ext>
+                </a:extLst>
+              </p:cNvPr>
+              <p:cNvSpPr txBox="1">
+                <a:spLocks noRot="1" noChangeAspect="1" noMove="1" noResize="1" noEditPoints="1" noAdjustHandles="1" noChangeArrowheads="1" noChangeShapeType="1" noTextEdit="1"/>
+              </p:cNvSpPr>
+              <p:nvPr/>
+            </p:nvSpPr>
+            <p:spPr>
+              <a:xfrm>
+                <a:off x="1482974" y="1029810"/>
+                <a:ext cx="209993" cy="276999"/>
+              </a:xfrm>
+              <a:prstGeom prst="rect">
+                <a:avLst/>
+              </a:prstGeom>
+              <a:blipFill>
+                <a:blip r:embed="rId2"/>
+                <a:stretch>
+                  <a:fillRect l="-17143" r="-20000" b="-11111"/>
+                </a:stretch>
+              </a:blipFill>
+            </p:spPr>
+            <p:txBody>
+              <a:bodyPr/>
+              <a:lstStyle/>
+              <a:p>
+                <a:r>
+                  <a:rPr lang="ko-KR" altLang="en-US">
+                    <a:noFill/>
+                  </a:rPr>
+                  <a:t> </a:t>
+                </a:r>
+              </a:p>
+            </p:txBody>
+          </p:sp>
+        </mc:Fallback>
+      </mc:AlternateContent>
+      <mc:AlternateContent xmlns:mc="http://schemas.openxmlformats.org/markup-compatibility/2006">
+        <mc:Choice xmlns:a14="http://schemas.microsoft.com/office/drawing/2010/main" Requires="a14">
+          <p:sp>
+            <p:nvSpPr>
+              <p:cNvPr id="13" name="TextBox 12">
+                <a:extLst>
+                  <a:ext uri="{FF2B5EF4-FFF2-40B4-BE49-F238E27FC236}">
+                    <a16:creationId xmlns:a16="http://schemas.microsoft.com/office/drawing/2014/main" id="{0B059091-29EA-3D49-7959-B47269B65C47}"/>
+                  </a:ext>
+                </a:extLst>
+              </p:cNvPr>
+              <p:cNvSpPr txBox="1"/>
+              <p:nvPr/>
+            </p:nvSpPr>
+            <p:spPr>
+              <a:xfrm>
+                <a:off x="1482974" y="1555975"/>
+                <a:ext cx="209994" cy="276999"/>
+              </a:xfrm>
+              <a:prstGeom prst="rect">
+                <a:avLst/>
+              </a:prstGeom>
+              <a:noFill/>
+            </p:spPr>
+            <p:txBody>
+              <a:bodyPr wrap="none" lIns="0" tIns="0" rIns="0" bIns="0" rtlCol="0">
+                <a:spAutoFit/>
+              </a:bodyPr>
+              <a:lstStyle/>
+              <a:p>
+                <a14:m>
+                  <m:oMathPara xmlns:m="http://schemas.openxmlformats.org/officeDocument/2006/math">
+                    <m:oMathParaPr>
+                      <m:jc m:val="centerGroup"/>
+                    </m:oMathParaPr>
+                    <m:oMath xmlns:m="http://schemas.openxmlformats.org/officeDocument/2006/math">
+                      <m:r>
+                        <a:rPr lang="en-US" altLang="ko-KR" b="0" i="1" smtClean="0">
+                          <a:latin typeface="Cambria Math" panose="02040503050406030204" pitchFamily="18" charset="0"/>
+                        </a:rPr>
+                        <m:t>2</m:t>
+                      </m:r>
+                    </m:oMath>
+                  </m:oMathPara>
+                </a14:m>
+                <a:endParaRPr lang="ko-KR" altLang="en-US"/>
+              </a:p>
+            </p:txBody>
+          </p:sp>
+        </mc:Choice>
+        <mc:Fallback>
+          <p:sp>
+            <p:nvSpPr>
+              <p:cNvPr id="13" name="TextBox 12">
+                <a:extLst>
+                  <a:ext uri="{FF2B5EF4-FFF2-40B4-BE49-F238E27FC236}">
+                    <a16:creationId xmlns:a16="http://schemas.microsoft.com/office/drawing/2014/main" id="{0B059091-29EA-3D49-7959-B47269B65C47}"/>
+                  </a:ext>
+                </a:extLst>
+              </p:cNvPr>
+              <p:cNvSpPr txBox="1">
+                <a:spLocks noRot="1" noChangeAspect="1" noMove="1" noResize="1" noEditPoints="1" noAdjustHandles="1" noChangeArrowheads="1" noChangeShapeType="1" noTextEdit="1"/>
+              </p:cNvSpPr>
+              <p:nvPr/>
+            </p:nvSpPr>
+            <p:spPr>
+              <a:xfrm>
+                <a:off x="1482974" y="1555975"/>
+                <a:ext cx="209994" cy="276999"/>
+              </a:xfrm>
+              <a:prstGeom prst="rect">
+                <a:avLst/>
+              </a:prstGeom>
+              <a:blipFill>
+                <a:blip r:embed="rId3"/>
+                <a:stretch>
+                  <a:fillRect l="-17143" r="-20000" b="-10870"/>
+                </a:stretch>
+              </a:blipFill>
+            </p:spPr>
+            <p:txBody>
+              <a:bodyPr/>
+              <a:lstStyle/>
+              <a:p>
+                <a:r>
+                  <a:rPr lang="ko-KR" altLang="en-US">
+                    <a:noFill/>
+                  </a:rPr>
+                  <a:t> </a:t>
+                </a:r>
+              </a:p>
+            </p:txBody>
+          </p:sp>
+        </mc:Fallback>
+      </mc:AlternateContent>
+      <mc:AlternateContent xmlns:mc="http://schemas.openxmlformats.org/markup-compatibility/2006">
+        <mc:Choice xmlns:a14="http://schemas.microsoft.com/office/drawing/2010/main" Requires="a14">
+          <p:sp>
+            <p:nvSpPr>
+              <p:cNvPr id="14" name="TextBox 13">
+                <a:extLst>
+                  <a:ext uri="{FF2B5EF4-FFF2-40B4-BE49-F238E27FC236}">
+                    <a16:creationId xmlns:a16="http://schemas.microsoft.com/office/drawing/2014/main" id="{AA04F3CF-5064-B423-4E50-73E5FCC609CB}"/>
+                  </a:ext>
+                </a:extLst>
+              </p:cNvPr>
+              <p:cNvSpPr txBox="1"/>
+              <p:nvPr/>
+            </p:nvSpPr>
+            <p:spPr>
+              <a:xfrm>
+                <a:off x="1482974" y="2082140"/>
+                <a:ext cx="209994" cy="276999"/>
+              </a:xfrm>
+              <a:prstGeom prst="rect">
+                <a:avLst/>
+              </a:prstGeom>
+              <a:noFill/>
+            </p:spPr>
+            <p:txBody>
+              <a:bodyPr wrap="none" lIns="0" tIns="0" rIns="0" bIns="0" rtlCol="0">
+                <a:spAutoFit/>
+              </a:bodyPr>
+              <a:lstStyle/>
+              <a:p>
+                <a14:m>
+                  <m:oMathPara xmlns:m="http://schemas.openxmlformats.org/officeDocument/2006/math">
+                    <m:oMathParaPr>
+                      <m:jc m:val="centerGroup"/>
+                    </m:oMathParaPr>
+                    <m:oMath xmlns:m="http://schemas.openxmlformats.org/officeDocument/2006/math">
+                      <m:r>
+                        <a:rPr lang="en-US" altLang="ko-KR" b="0" i="1" smtClean="0">
+                          <a:latin typeface="Cambria Math" panose="02040503050406030204" pitchFamily="18" charset="0"/>
+                        </a:rPr>
+                        <m:t>3</m:t>
+                      </m:r>
+                    </m:oMath>
+                  </m:oMathPara>
+                </a14:m>
+                <a:endParaRPr lang="ko-KR" altLang="en-US"/>
+              </a:p>
+            </p:txBody>
+          </p:sp>
+        </mc:Choice>
+        <mc:Fallback>
+          <p:sp>
+            <p:nvSpPr>
+              <p:cNvPr id="14" name="TextBox 13">
+                <a:extLst>
+                  <a:ext uri="{FF2B5EF4-FFF2-40B4-BE49-F238E27FC236}">
+                    <a16:creationId xmlns:a16="http://schemas.microsoft.com/office/drawing/2014/main" id="{AA04F3CF-5064-B423-4E50-73E5FCC609CB}"/>
+                  </a:ext>
+                </a:extLst>
+              </p:cNvPr>
+              <p:cNvSpPr txBox="1">
+                <a:spLocks noRot="1" noChangeAspect="1" noMove="1" noResize="1" noEditPoints="1" noAdjustHandles="1" noChangeArrowheads="1" noChangeShapeType="1" noTextEdit="1"/>
+              </p:cNvSpPr>
+              <p:nvPr/>
+            </p:nvSpPr>
+            <p:spPr>
+              <a:xfrm>
+                <a:off x="1482974" y="2082140"/>
+                <a:ext cx="209994" cy="276999"/>
+              </a:xfrm>
+              <a:prstGeom prst="rect">
+                <a:avLst/>
+              </a:prstGeom>
+              <a:blipFill>
+                <a:blip r:embed="rId4"/>
+                <a:stretch>
+                  <a:fillRect l="-17143" r="-20000" b="-11111"/>
+                </a:stretch>
+              </a:blipFill>
+            </p:spPr>
+            <p:txBody>
+              <a:bodyPr/>
+              <a:lstStyle/>
+              <a:p>
+                <a:r>
+                  <a:rPr lang="ko-KR" altLang="en-US">
+                    <a:noFill/>
+                  </a:rPr>
+                  <a:t> </a:t>
+                </a:r>
+              </a:p>
+            </p:txBody>
+          </p:sp>
+        </mc:Fallback>
+      </mc:AlternateContent>
+      <mc:AlternateContent xmlns:mc="http://schemas.openxmlformats.org/markup-compatibility/2006">
+        <mc:Choice xmlns:a14="http://schemas.microsoft.com/office/drawing/2010/main" Requires="a14">
+          <p:sp>
+            <p:nvSpPr>
+              <p:cNvPr id="15" name="TextBox 14">
+                <a:extLst>
+                  <a:ext uri="{FF2B5EF4-FFF2-40B4-BE49-F238E27FC236}">
+                    <a16:creationId xmlns:a16="http://schemas.microsoft.com/office/drawing/2014/main" id="{3FEFED64-3618-EA73-07EE-F2B9177FE770}"/>
+                  </a:ext>
+                </a:extLst>
+              </p:cNvPr>
+              <p:cNvSpPr txBox="1"/>
+              <p:nvPr/>
+            </p:nvSpPr>
+            <p:spPr>
+              <a:xfrm>
+                <a:off x="1482974" y="2608305"/>
+                <a:ext cx="209994" cy="276999"/>
+              </a:xfrm>
+              <a:prstGeom prst="rect">
+                <a:avLst/>
+              </a:prstGeom>
+              <a:noFill/>
+            </p:spPr>
+            <p:txBody>
+              <a:bodyPr wrap="none" lIns="0" tIns="0" rIns="0" bIns="0" rtlCol="0">
+                <a:spAutoFit/>
+              </a:bodyPr>
+              <a:lstStyle/>
+              <a:p>
+                <a14:m>
+                  <m:oMathPara xmlns:m="http://schemas.openxmlformats.org/officeDocument/2006/math">
+                    <m:oMathParaPr>
+                      <m:jc m:val="centerGroup"/>
+                    </m:oMathParaPr>
+                    <m:oMath xmlns:m="http://schemas.openxmlformats.org/officeDocument/2006/math">
+                      <m:r>
+                        <a:rPr lang="en-US" altLang="ko-KR" b="0" i="1" smtClean="0">
+                          <a:latin typeface="Cambria Math" panose="02040503050406030204" pitchFamily="18" charset="0"/>
+                        </a:rPr>
+                        <m:t>4</m:t>
+                      </m:r>
+                    </m:oMath>
+                  </m:oMathPara>
+                </a14:m>
+                <a:endParaRPr lang="ko-KR" altLang="en-US"/>
+              </a:p>
+            </p:txBody>
+          </p:sp>
+        </mc:Choice>
+        <mc:Fallback>
+          <p:sp>
+            <p:nvSpPr>
+              <p:cNvPr id="15" name="TextBox 14">
+                <a:extLst>
+                  <a:ext uri="{FF2B5EF4-FFF2-40B4-BE49-F238E27FC236}">
+                    <a16:creationId xmlns:a16="http://schemas.microsoft.com/office/drawing/2014/main" id="{3FEFED64-3618-EA73-07EE-F2B9177FE770}"/>
+                  </a:ext>
+                </a:extLst>
+              </p:cNvPr>
+              <p:cNvSpPr txBox="1">
+                <a:spLocks noRot="1" noChangeAspect="1" noMove="1" noResize="1" noEditPoints="1" noAdjustHandles="1" noChangeArrowheads="1" noChangeShapeType="1" noTextEdit="1"/>
+              </p:cNvSpPr>
+              <p:nvPr/>
+            </p:nvSpPr>
+            <p:spPr>
+              <a:xfrm>
+                <a:off x="1482974" y="2608305"/>
+                <a:ext cx="209994" cy="276999"/>
+              </a:xfrm>
+              <a:prstGeom prst="rect">
+                <a:avLst/>
+              </a:prstGeom>
+              <a:blipFill>
+                <a:blip r:embed="rId5"/>
+                <a:stretch>
+                  <a:fillRect l="-17143" r="-20000" b="-11111"/>
+                </a:stretch>
+              </a:blipFill>
+            </p:spPr>
+            <p:txBody>
+              <a:bodyPr/>
+              <a:lstStyle/>
+              <a:p>
+                <a:r>
+                  <a:rPr lang="ko-KR" altLang="en-US">
+                    <a:noFill/>
+                  </a:rPr>
+                  <a:t> </a:t>
+                </a:r>
+              </a:p>
+            </p:txBody>
+          </p:sp>
+        </mc:Fallback>
+      </mc:AlternateContent>
+      <mc:AlternateContent xmlns:mc="http://schemas.openxmlformats.org/markup-compatibility/2006">
+        <mc:Choice xmlns:a14="http://schemas.microsoft.com/office/drawing/2010/main" Requires="a14">
+          <p:sp>
+            <p:nvSpPr>
+              <p:cNvPr id="16" name="TextBox 15">
+                <a:extLst>
+                  <a:ext uri="{FF2B5EF4-FFF2-40B4-BE49-F238E27FC236}">
+                    <a16:creationId xmlns:a16="http://schemas.microsoft.com/office/drawing/2014/main" id="{7217F277-5B9D-4AB8-5A79-3DC55BD2183A}"/>
+                  </a:ext>
+                </a:extLst>
+              </p:cNvPr>
+              <p:cNvSpPr txBox="1"/>
+              <p:nvPr/>
+            </p:nvSpPr>
+            <p:spPr>
+              <a:xfrm>
+                <a:off x="1482974" y="3192389"/>
+                <a:ext cx="209994" cy="276999"/>
+              </a:xfrm>
+              <a:prstGeom prst="rect">
+                <a:avLst/>
+              </a:prstGeom>
+              <a:noFill/>
+            </p:spPr>
+            <p:txBody>
+              <a:bodyPr wrap="none" lIns="0" tIns="0" rIns="0" bIns="0" rtlCol="0">
+                <a:spAutoFit/>
+              </a:bodyPr>
+              <a:lstStyle/>
+              <a:p>
+                <a14:m>
+                  <m:oMathPara xmlns:m="http://schemas.openxmlformats.org/officeDocument/2006/math">
+                    <m:oMathParaPr>
+                      <m:jc m:val="centerGroup"/>
+                    </m:oMathParaPr>
+                    <m:oMath xmlns:m="http://schemas.openxmlformats.org/officeDocument/2006/math">
+                      <m:r>
+                        <a:rPr lang="en-US" altLang="ko-KR" b="0" i="1" smtClean="0">
+                          <a:latin typeface="Cambria Math" panose="02040503050406030204" pitchFamily="18" charset="0"/>
+                        </a:rPr>
+                        <m:t>5</m:t>
+                      </m:r>
+                    </m:oMath>
+                  </m:oMathPara>
+                </a14:m>
+                <a:endParaRPr lang="ko-KR" altLang="en-US"/>
+              </a:p>
+            </p:txBody>
+          </p:sp>
+        </mc:Choice>
+        <mc:Fallback>
+          <p:sp>
+            <p:nvSpPr>
+              <p:cNvPr id="16" name="TextBox 15">
+                <a:extLst>
+                  <a:ext uri="{FF2B5EF4-FFF2-40B4-BE49-F238E27FC236}">
+                    <a16:creationId xmlns:a16="http://schemas.microsoft.com/office/drawing/2014/main" id="{7217F277-5B9D-4AB8-5A79-3DC55BD2183A}"/>
+                  </a:ext>
+                </a:extLst>
+              </p:cNvPr>
+              <p:cNvSpPr txBox="1">
+                <a:spLocks noRot="1" noChangeAspect="1" noMove="1" noResize="1" noEditPoints="1" noAdjustHandles="1" noChangeArrowheads="1" noChangeShapeType="1" noTextEdit="1"/>
+              </p:cNvSpPr>
+              <p:nvPr/>
+            </p:nvSpPr>
+            <p:spPr>
+              <a:xfrm>
+                <a:off x="1482974" y="3192389"/>
+                <a:ext cx="209994" cy="276999"/>
+              </a:xfrm>
+              <a:prstGeom prst="rect">
+                <a:avLst/>
+              </a:prstGeom>
+              <a:blipFill>
+                <a:blip r:embed="rId6"/>
+                <a:stretch>
+                  <a:fillRect l="-20000" r="-20000" b="-13333"/>
+                </a:stretch>
+              </a:blipFill>
+            </p:spPr>
+            <p:txBody>
+              <a:bodyPr/>
+              <a:lstStyle/>
+              <a:p>
+                <a:r>
+                  <a:rPr lang="ko-KR" altLang="en-US">
+                    <a:noFill/>
+                  </a:rPr>
+                  <a:t> </a:t>
+                </a:r>
+              </a:p>
+            </p:txBody>
+          </p:sp>
+        </mc:Fallback>
+      </mc:AlternateContent>
+      <mc:AlternateContent xmlns:mc="http://schemas.openxmlformats.org/markup-compatibility/2006">
+        <mc:Choice xmlns:a14="http://schemas.microsoft.com/office/drawing/2010/main" Requires="a14">
+          <p:sp>
+            <p:nvSpPr>
+              <p:cNvPr id="17" name="TextBox 16">
+                <a:extLst>
+                  <a:ext uri="{FF2B5EF4-FFF2-40B4-BE49-F238E27FC236}">
+                    <a16:creationId xmlns:a16="http://schemas.microsoft.com/office/drawing/2014/main" id="{2EE6496C-1D00-5BE1-6D41-1F67E2FBBF84}"/>
+                  </a:ext>
+                </a:extLst>
+              </p:cNvPr>
+              <p:cNvSpPr txBox="1"/>
+              <p:nvPr/>
+            </p:nvSpPr>
+            <p:spPr>
+              <a:xfrm>
+                <a:off x="1482974" y="3724183"/>
+                <a:ext cx="209994" cy="276999"/>
+              </a:xfrm>
+              <a:prstGeom prst="rect">
+                <a:avLst/>
+              </a:prstGeom>
+              <a:noFill/>
+            </p:spPr>
+            <p:txBody>
+              <a:bodyPr wrap="none" lIns="0" tIns="0" rIns="0" bIns="0" rtlCol="0">
+                <a:spAutoFit/>
+              </a:bodyPr>
+              <a:lstStyle/>
+              <a:p>
+                <a14:m>
+                  <m:oMathPara xmlns:m="http://schemas.openxmlformats.org/officeDocument/2006/math">
+                    <m:oMathParaPr>
+                      <m:jc m:val="centerGroup"/>
+                    </m:oMathParaPr>
+                    <m:oMath xmlns:m="http://schemas.openxmlformats.org/officeDocument/2006/math">
+                      <m:r>
+                        <a:rPr lang="en-US" altLang="ko-KR" b="0" i="1" smtClean="0">
+                          <a:latin typeface="Cambria Math" panose="02040503050406030204" pitchFamily="18" charset="0"/>
+                        </a:rPr>
+                        <m:t>6</m:t>
+                      </m:r>
+                    </m:oMath>
+                  </m:oMathPara>
+                </a14:m>
+                <a:endParaRPr lang="ko-KR" altLang="en-US"/>
+              </a:p>
+            </p:txBody>
+          </p:sp>
+        </mc:Choice>
+        <mc:Fallback>
+          <p:sp>
+            <p:nvSpPr>
+              <p:cNvPr id="17" name="TextBox 16">
+                <a:extLst>
+                  <a:ext uri="{FF2B5EF4-FFF2-40B4-BE49-F238E27FC236}">
+                    <a16:creationId xmlns:a16="http://schemas.microsoft.com/office/drawing/2014/main" id="{2EE6496C-1D00-5BE1-6D41-1F67E2FBBF84}"/>
+                  </a:ext>
+                </a:extLst>
+              </p:cNvPr>
+              <p:cNvSpPr txBox="1">
+                <a:spLocks noRot="1" noChangeAspect="1" noMove="1" noResize="1" noEditPoints="1" noAdjustHandles="1" noChangeArrowheads="1" noChangeShapeType="1" noTextEdit="1"/>
+              </p:cNvSpPr>
+              <p:nvPr/>
+            </p:nvSpPr>
+            <p:spPr>
+              <a:xfrm>
+                <a:off x="1482974" y="3724183"/>
+                <a:ext cx="209994" cy="276999"/>
+              </a:xfrm>
+              <a:prstGeom prst="rect">
+                <a:avLst/>
+              </a:prstGeom>
+              <a:blipFill>
+                <a:blip r:embed="rId7"/>
+                <a:stretch>
+                  <a:fillRect l="-17143" r="-20000" b="-11111"/>
+                </a:stretch>
+              </a:blipFill>
+            </p:spPr>
+            <p:txBody>
+              <a:bodyPr/>
+              <a:lstStyle/>
+              <a:p>
+                <a:r>
+                  <a:rPr lang="ko-KR" altLang="en-US">
+                    <a:noFill/>
+                  </a:rPr>
+                  <a:t> </a:t>
+                </a:r>
+              </a:p>
+            </p:txBody>
+          </p:sp>
+        </mc:Fallback>
+      </mc:AlternateContent>
+      <mc:AlternateContent xmlns:mc="http://schemas.openxmlformats.org/markup-compatibility/2006">
+        <mc:Choice xmlns:a14="http://schemas.microsoft.com/office/drawing/2010/main" Requires="a14">
+          <p:sp>
+            <p:nvSpPr>
+              <p:cNvPr id="18" name="TextBox 17">
+                <a:extLst>
+                  <a:ext uri="{FF2B5EF4-FFF2-40B4-BE49-F238E27FC236}">
+                    <a16:creationId xmlns:a16="http://schemas.microsoft.com/office/drawing/2014/main" id="{88F9933E-B359-8B5B-3257-BDDFCA57E3E1}"/>
+                  </a:ext>
+                </a:extLst>
+              </p:cNvPr>
+              <p:cNvSpPr txBox="1"/>
+              <p:nvPr/>
+            </p:nvSpPr>
+            <p:spPr>
+              <a:xfrm>
+                <a:off x="1482974" y="4250347"/>
+                <a:ext cx="209994" cy="276999"/>
+              </a:xfrm>
+              <a:prstGeom prst="rect">
+                <a:avLst/>
+              </a:prstGeom>
+              <a:noFill/>
+            </p:spPr>
+            <p:txBody>
+              <a:bodyPr wrap="none" lIns="0" tIns="0" rIns="0" bIns="0" rtlCol="0">
+                <a:spAutoFit/>
+              </a:bodyPr>
+              <a:lstStyle/>
+              <a:p>
+                <a14:m>
+                  <m:oMathPara xmlns:m="http://schemas.openxmlformats.org/officeDocument/2006/math">
+                    <m:oMathParaPr>
+                      <m:jc m:val="centerGroup"/>
+                    </m:oMathParaPr>
+                    <m:oMath xmlns:m="http://schemas.openxmlformats.org/officeDocument/2006/math">
+                      <m:r>
+                        <a:rPr lang="en-US" altLang="ko-KR" b="0" i="1" smtClean="0">
+                          <a:latin typeface="Cambria Math" panose="02040503050406030204" pitchFamily="18" charset="0"/>
+                        </a:rPr>
+                        <m:t>7</m:t>
+                      </m:r>
+                    </m:oMath>
+                  </m:oMathPara>
+                </a14:m>
+                <a:endParaRPr lang="ko-KR" altLang="en-US"/>
+              </a:p>
+            </p:txBody>
+          </p:sp>
+        </mc:Choice>
+        <mc:Fallback>
+          <p:sp>
+            <p:nvSpPr>
+              <p:cNvPr id="18" name="TextBox 17">
+                <a:extLst>
+                  <a:ext uri="{FF2B5EF4-FFF2-40B4-BE49-F238E27FC236}">
+                    <a16:creationId xmlns:a16="http://schemas.microsoft.com/office/drawing/2014/main" id="{88F9933E-B359-8B5B-3257-BDDFCA57E3E1}"/>
+                  </a:ext>
+                </a:extLst>
+              </p:cNvPr>
+              <p:cNvSpPr txBox="1">
+                <a:spLocks noRot="1" noChangeAspect="1" noMove="1" noResize="1" noEditPoints="1" noAdjustHandles="1" noChangeArrowheads="1" noChangeShapeType="1" noTextEdit="1"/>
+              </p:cNvSpPr>
+              <p:nvPr/>
+            </p:nvSpPr>
+            <p:spPr>
+              <a:xfrm>
+                <a:off x="1482974" y="4250347"/>
+                <a:ext cx="209994" cy="276999"/>
+              </a:xfrm>
+              <a:prstGeom prst="rect">
+                <a:avLst/>
+              </a:prstGeom>
+              <a:blipFill>
+                <a:blip r:embed="rId8"/>
+                <a:stretch>
+                  <a:fillRect l="-17143" r="-20000" b="-10870"/>
+                </a:stretch>
+              </a:blipFill>
+            </p:spPr>
+            <p:txBody>
+              <a:bodyPr/>
+              <a:lstStyle/>
+              <a:p>
+                <a:r>
+                  <a:rPr lang="ko-KR" altLang="en-US">
+                    <a:noFill/>
+                  </a:rPr>
+                  <a:t> </a:t>
+                </a:r>
+              </a:p>
+            </p:txBody>
+          </p:sp>
+        </mc:Fallback>
+      </mc:AlternateContent>
+      <mc:AlternateContent xmlns:mc="http://schemas.openxmlformats.org/markup-compatibility/2006">
+        <mc:Choice xmlns:a14="http://schemas.microsoft.com/office/drawing/2010/main" Requires="a14">
+          <p:sp>
+            <p:nvSpPr>
+              <p:cNvPr id="19" name="TextBox 18">
+                <a:extLst>
+                  <a:ext uri="{FF2B5EF4-FFF2-40B4-BE49-F238E27FC236}">
+                    <a16:creationId xmlns:a16="http://schemas.microsoft.com/office/drawing/2014/main" id="{60F6B900-A29B-354E-E2A5-203BF41528E7}"/>
+                  </a:ext>
+                </a:extLst>
+              </p:cNvPr>
+              <p:cNvSpPr txBox="1"/>
+              <p:nvPr/>
+            </p:nvSpPr>
+            <p:spPr>
+              <a:xfrm>
+                <a:off x="1482974" y="4805472"/>
+                <a:ext cx="209994" cy="276999"/>
+              </a:xfrm>
+              <a:prstGeom prst="rect">
+                <a:avLst/>
+              </a:prstGeom>
+              <a:noFill/>
+            </p:spPr>
+            <p:txBody>
+              <a:bodyPr wrap="none" lIns="0" tIns="0" rIns="0" bIns="0" rtlCol="0">
+                <a:spAutoFit/>
+              </a:bodyPr>
+              <a:lstStyle/>
+              <a:p>
+                <a14:m>
+                  <m:oMathPara xmlns:m="http://schemas.openxmlformats.org/officeDocument/2006/math">
+                    <m:oMathParaPr>
+                      <m:jc m:val="centerGroup"/>
+                    </m:oMathParaPr>
+                    <m:oMath xmlns:m="http://schemas.openxmlformats.org/officeDocument/2006/math">
+                      <m:r>
+                        <a:rPr lang="en-US" altLang="ko-KR" b="0" i="1" smtClean="0">
+                          <a:latin typeface="Cambria Math" panose="02040503050406030204" pitchFamily="18" charset="0"/>
+                        </a:rPr>
+                        <m:t>8</m:t>
+                      </m:r>
+                    </m:oMath>
+                  </m:oMathPara>
+                </a14:m>
+                <a:endParaRPr lang="ko-KR" altLang="en-US"/>
+              </a:p>
+            </p:txBody>
+          </p:sp>
+        </mc:Choice>
+        <mc:Fallback>
+          <p:sp>
+            <p:nvSpPr>
+              <p:cNvPr id="19" name="TextBox 18">
+                <a:extLst>
+                  <a:ext uri="{FF2B5EF4-FFF2-40B4-BE49-F238E27FC236}">
+                    <a16:creationId xmlns:a16="http://schemas.microsoft.com/office/drawing/2014/main" id="{60F6B900-A29B-354E-E2A5-203BF41528E7}"/>
+                  </a:ext>
+                </a:extLst>
+              </p:cNvPr>
+              <p:cNvSpPr txBox="1">
+                <a:spLocks noRot="1" noChangeAspect="1" noMove="1" noResize="1" noEditPoints="1" noAdjustHandles="1" noChangeArrowheads="1" noChangeShapeType="1" noTextEdit="1"/>
+              </p:cNvSpPr>
+              <p:nvPr/>
+            </p:nvSpPr>
+            <p:spPr>
+              <a:xfrm>
+                <a:off x="1482974" y="4805472"/>
+                <a:ext cx="209994" cy="276999"/>
+              </a:xfrm>
+              <a:prstGeom prst="rect">
+                <a:avLst/>
+              </a:prstGeom>
+              <a:blipFill>
+                <a:blip r:embed="rId9"/>
+                <a:stretch>
+                  <a:fillRect l="-17143" r="-20000" b="-10870"/>
+                </a:stretch>
+              </a:blipFill>
+            </p:spPr>
+            <p:txBody>
+              <a:bodyPr/>
+              <a:lstStyle/>
+              <a:p>
+                <a:r>
+                  <a:rPr lang="ko-KR" altLang="en-US">
+                    <a:noFill/>
+                  </a:rPr>
+                  <a:t> </a:t>
+                </a:r>
+              </a:p>
+            </p:txBody>
+          </p:sp>
+        </mc:Fallback>
+      </mc:AlternateContent>
+      <mc:AlternateContent xmlns:mc="http://schemas.openxmlformats.org/markup-compatibility/2006">
+        <mc:Choice xmlns:a14="http://schemas.microsoft.com/office/drawing/2010/main" Requires="a14">
+          <p:sp>
+            <p:nvSpPr>
+              <p:cNvPr id="20" name="TextBox 19">
+                <a:extLst>
+                  <a:ext uri="{FF2B5EF4-FFF2-40B4-BE49-F238E27FC236}">
+                    <a16:creationId xmlns:a16="http://schemas.microsoft.com/office/drawing/2014/main" id="{FFA189DD-AB6C-DBD8-7449-A465DDE5E1C0}"/>
+                  </a:ext>
+                </a:extLst>
+              </p:cNvPr>
+              <p:cNvSpPr txBox="1"/>
+              <p:nvPr/>
+            </p:nvSpPr>
+            <p:spPr>
+              <a:xfrm>
+                <a:off x="1482974" y="5360597"/>
+                <a:ext cx="209994" cy="276999"/>
+              </a:xfrm>
+              <a:prstGeom prst="rect">
+                <a:avLst/>
+              </a:prstGeom>
+              <a:noFill/>
+            </p:spPr>
+            <p:txBody>
+              <a:bodyPr wrap="none" lIns="0" tIns="0" rIns="0" bIns="0" rtlCol="0">
+                <a:spAutoFit/>
+              </a:bodyPr>
+              <a:lstStyle/>
+              <a:p>
+                <a14:m>
+                  <m:oMathPara xmlns:m="http://schemas.openxmlformats.org/officeDocument/2006/math">
+                    <m:oMathParaPr>
+                      <m:jc m:val="centerGroup"/>
+                    </m:oMathParaPr>
+                    <m:oMath xmlns:m="http://schemas.openxmlformats.org/officeDocument/2006/math">
+                      <m:r>
+                        <a:rPr lang="en-US" altLang="ko-KR" b="0" i="1" smtClean="0">
+                          <a:latin typeface="Cambria Math" panose="02040503050406030204" pitchFamily="18" charset="0"/>
+                        </a:rPr>
+                        <m:t>9</m:t>
+                      </m:r>
+                    </m:oMath>
+                  </m:oMathPara>
+                </a14:m>
+                <a:endParaRPr lang="ko-KR" altLang="en-US"/>
+              </a:p>
+            </p:txBody>
+          </p:sp>
+        </mc:Choice>
+        <mc:Fallback>
+          <p:sp>
+            <p:nvSpPr>
+              <p:cNvPr id="20" name="TextBox 19">
+                <a:extLst>
+                  <a:ext uri="{FF2B5EF4-FFF2-40B4-BE49-F238E27FC236}">
+                    <a16:creationId xmlns:a16="http://schemas.microsoft.com/office/drawing/2014/main" id="{FFA189DD-AB6C-DBD8-7449-A465DDE5E1C0}"/>
+                  </a:ext>
+                </a:extLst>
+              </p:cNvPr>
+              <p:cNvSpPr txBox="1">
+                <a:spLocks noRot="1" noChangeAspect="1" noMove="1" noResize="1" noEditPoints="1" noAdjustHandles="1" noChangeArrowheads="1" noChangeShapeType="1" noTextEdit="1"/>
+              </p:cNvSpPr>
+              <p:nvPr/>
+            </p:nvSpPr>
+            <p:spPr>
+              <a:xfrm>
+                <a:off x="1482974" y="5360597"/>
+                <a:ext cx="209994" cy="276999"/>
+              </a:xfrm>
+              <a:prstGeom prst="rect">
+                <a:avLst/>
+              </a:prstGeom>
+              <a:blipFill>
+                <a:blip r:embed="rId10"/>
+                <a:stretch>
+                  <a:fillRect l="-17143" r="-20000" b="-10870"/>
+                </a:stretch>
+              </a:blipFill>
+            </p:spPr>
+            <p:txBody>
+              <a:bodyPr/>
+              <a:lstStyle/>
+              <a:p>
+                <a:r>
+                  <a:rPr lang="ko-KR" altLang="en-US">
+                    <a:noFill/>
+                  </a:rPr>
+                  <a:t> </a:t>
+                </a:r>
+              </a:p>
+            </p:txBody>
+          </p:sp>
+        </mc:Fallback>
+      </mc:AlternateContent>
+      <mc:AlternateContent xmlns:mc="http://schemas.openxmlformats.org/markup-compatibility/2006">
+        <mc:Choice xmlns:a14="http://schemas.microsoft.com/office/drawing/2010/main" Requires="a14">
+          <p:sp>
+            <p:nvSpPr>
+              <p:cNvPr id="21" name="TextBox 20">
+                <a:extLst>
+                  <a:ext uri="{FF2B5EF4-FFF2-40B4-BE49-F238E27FC236}">
+                    <a16:creationId xmlns:a16="http://schemas.microsoft.com/office/drawing/2014/main" id="{6D20017F-7815-2735-4D31-5B82177B2025}"/>
+                  </a:ext>
+                </a:extLst>
+              </p:cNvPr>
+              <p:cNvSpPr txBox="1"/>
+              <p:nvPr/>
+            </p:nvSpPr>
+            <p:spPr>
+              <a:xfrm>
+                <a:off x="1413279" y="5886761"/>
+                <a:ext cx="338234" cy="276999"/>
+              </a:xfrm>
+              <a:prstGeom prst="rect">
+                <a:avLst/>
+              </a:prstGeom>
+              <a:noFill/>
+            </p:spPr>
+            <p:txBody>
+              <a:bodyPr wrap="none" lIns="0" tIns="0" rIns="0" bIns="0" rtlCol="0">
+                <a:spAutoFit/>
+              </a:bodyPr>
+              <a:lstStyle/>
+              <a:p>
+                <a14:m>
+                  <m:oMathPara xmlns:m="http://schemas.openxmlformats.org/officeDocument/2006/math">
+                    <m:oMathParaPr>
+                      <m:jc m:val="centerGroup"/>
+                    </m:oMathParaPr>
+                    <m:oMath xmlns:m="http://schemas.openxmlformats.org/officeDocument/2006/math">
+                      <m:r>
+                        <a:rPr lang="en-US" altLang="ko-KR" b="0" i="1" smtClean="0">
+                          <a:latin typeface="Cambria Math" panose="02040503050406030204" pitchFamily="18" charset="0"/>
+                        </a:rPr>
+                        <m:t>10</m:t>
+                      </m:r>
+                    </m:oMath>
+                  </m:oMathPara>
+                </a14:m>
+                <a:endParaRPr lang="ko-KR" altLang="en-US"/>
+              </a:p>
+            </p:txBody>
+          </p:sp>
+        </mc:Choice>
+        <mc:Fallback>
+          <p:sp>
+            <p:nvSpPr>
+              <p:cNvPr id="21" name="TextBox 20">
+                <a:extLst>
+                  <a:ext uri="{FF2B5EF4-FFF2-40B4-BE49-F238E27FC236}">
+                    <a16:creationId xmlns:a16="http://schemas.microsoft.com/office/drawing/2014/main" id="{6D20017F-7815-2735-4D31-5B82177B2025}"/>
+                  </a:ext>
+                </a:extLst>
+              </p:cNvPr>
+              <p:cNvSpPr txBox="1">
+                <a:spLocks noRot="1" noChangeAspect="1" noMove="1" noResize="1" noEditPoints="1" noAdjustHandles="1" noChangeArrowheads="1" noChangeShapeType="1" noTextEdit="1"/>
+              </p:cNvSpPr>
+              <p:nvPr/>
+            </p:nvSpPr>
+            <p:spPr>
+              <a:xfrm>
+                <a:off x="1413279" y="5886761"/>
+                <a:ext cx="338234" cy="276999"/>
+              </a:xfrm>
+              <a:prstGeom prst="rect">
+                <a:avLst/>
+              </a:prstGeom>
+              <a:blipFill>
+                <a:blip r:embed="rId11"/>
+                <a:stretch>
+                  <a:fillRect l="-12727" r="-12727" b="-11111"/>
+                </a:stretch>
+              </a:blipFill>
+            </p:spPr>
+            <p:txBody>
+              <a:bodyPr/>
+              <a:lstStyle/>
+              <a:p>
+                <a:r>
+                  <a:rPr lang="ko-KR" altLang="en-US">
+                    <a:noFill/>
+                  </a:rPr>
+                  <a:t> </a:t>
+                </a:r>
+              </a:p>
+            </p:txBody>
+          </p:sp>
+        </mc:Fallback>
+      </mc:AlternateContent>
+      <mc:AlternateContent xmlns:mc="http://schemas.openxmlformats.org/markup-compatibility/2006">
+        <mc:Choice xmlns:a14="http://schemas.microsoft.com/office/drawing/2010/main" Requires="a14">
+          <p:sp>
+            <p:nvSpPr>
+              <p:cNvPr id="22" name="TextBox 21">
+                <a:extLst>
+                  <a:ext uri="{FF2B5EF4-FFF2-40B4-BE49-F238E27FC236}">
+                    <a16:creationId xmlns:a16="http://schemas.microsoft.com/office/drawing/2014/main" id="{BE45CF3C-EBB6-4F2A-577D-D984C2800CE9}"/>
+                  </a:ext>
+                </a:extLst>
+              </p:cNvPr>
+              <p:cNvSpPr txBox="1"/>
+              <p:nvPr/>
+            </p:nvSpPr>
+            <p:spPr>
+              <a:xfrm>
+                <a:off x="1482974" y="326678"/>
+                <a:ext cx="209993" cy="276999"/>
+              </a:xfrm>
+              <a:prstGeom prst="rect">
+                <a:avLst/>
+              </a:prstGeom>
+              <a:noFill/>
+            </p:spPr>
+            <p:txBody>
+              <a:bodyPr wrap="none" lIns="0" tIns="0" rIns="0" bIns="0" rtlCol="0">
+                <a:spAutoFit/>
+              </a:bodyPr>
+              <a:lstStyle/>
+              <a:p>
+                <a14:m>
+                  <m:oMathPara xmlns:m="http://schemas.openxmlformats.org/officeDocument/2006/math">
+                    <m:oMathParaPr>
+                      <m:jc m:val="centerGroup"/>
+                    </m:oMathParaPr>
+                    <m:oMath xmlns:m="http://schemas.openxmlformats.org/officeDocument/2006/math">
+                      <m:r>
+                        <a:rPr lang="en-US" altLang="ko-KR" b="0" i="1" smtClean="0">
+                          <a:latin typeface="Cambria Math" panose="02040503050406030204" pitchFamily="18" charset="0"/>
+                        </a:rPr>
+                        <m:t>0</m:t>
+                      </m:r>
+                    </m:oMath>
+                  </m:oMathPara>
+                </a14:m>
+                <a:endParaRPr lang="ko-KR" altLang="en-US"/>
+              </a:p>
+            </p:txBody>
+          </p:sp>
+        </mc:Choice>
+        <mc:Fallback>
+          <p:sp>
+            <p:nvSpPr>
+              <p:cNvPr id="22" name="TextBox 21">
+                <a:extLst>
+                  <a:ext uri="{FF2B5EF4-FFF2-40B4-BE49-F238E27FC236}">
+                    <a16:creationId xmlns:a16="http://schemas.microsoft.com/office/drawing/2014/main" id="{BE45CF3C-EBB6-4F2A-577D-D984C2800CE9}"/>
+                  </a:ext>
+                </a:extLst>
+              </p:cNvPr>
+              <p:cNvSpPr txBox="1">
+                <a:spLocks noRot="1" noChangeAspect="1" noMove="1" noResize="1" noEditPoints="1" noAdjustHandles="1" noChangeArrowheads="1" noChangeShapeType="1" noTextEdit="1"/>
+              </p:cNvSpPr>
+              <p:nvPr/>
+            </p:nvSpPr>
+            <p:spPr>
+              <a:xfrm>
+                <a:off x="1482974" y="326678"/>
+                <a:ext cx="209993" cy="276999"/>
+              </a:xfrm>
+              <a:prstGeom prst="rect">
+                <a:avLst/>
+              </a:prstGeom>
+              <a:blipFill>
+                <a:blip r:embed="rId12"/>
+                <a:stretch>
+                  <a:fillRect l="-17143" r="-20000" b="-11111"/>
+                </a:stretch>
+              </a:blipFill>
+            </p:spPr>
+            <p:txBody>
+              <a:bodyPr/>
+              <a:lstStyle/>
+              <a:p>
+                <a:r>
+                  <a:rPr lang="ko-KR" altLang="en-US">
+                    <a:noFill/>
+                  </a:rPr>
+                  <a:t> </a:t>
+                </a:r>
+              </a:p>
+            </p:txBody>
+          </p:sp>
+        </mc:Fallback>
+      </mc:AlternateContent>
+      <mc:AlternateContent xmlns:mc="http://schemas.openxmlformats.org/markup-compatibility/2006">
+        <mc:Choice xmlns:a14="http://schemas.microsoft.com/office/drawing/2010/main" Requires="a14">
+          <p:sp>
+            <p:nvSpPr>
+              <p:cNvPr id="23" name="TextBox 22">
+                <a:extLst>
+                  <a:ext uri="{FF2B5EF4-FFF2-40B4-BE49-F238E27FC236}">
+                    <a16:creationId xmlns:a16="http://schemas.microsoft.com/office/drawing/2014/main" id="{463F43C4-16D7-3A7D-1684-695D5FE6D60A}"/>
+                  </a:ext>
+                </a:extLst>
+              </p:cNvPr>
+              <p:cNvSpPr txBox="1"/>
+              <p:nvPr/>
+            </p:nvSpPr>
+            <p:spPr>
+              <a:xfrm>
+                <a:off x="2219820" y="326678"/>
+                <a:ext cx="209993" cy="276999"/>
+              </a:xfrm>
+              <a:prstGeom prst="rect">
+                <a:avLst/>
+              </a:prstGeom>
+              <a:noFill/>
+            </p:spPr>
+            <p:txBody>
+              <a:bodyPr wrap="none" lIns="0" tIns="0" rIns="0" bIns="0" rtlCol="0">
+                <a:spAutoFit/>
+              </a:bodyPr>
+              <a:lstStyle/>
+              <a:p>
+                <a14:m>
+                  <m:oMathPara xmlns:m="http://schemas.openxmlformats.org/officeDocument/2006/math">
+                    <m:oMathParaPr>
+                      <m:jc m:val="centerGroup"/>
+                    </m:oMathParaPr>
+                    <m:oMath xmlns:m="http://schemas.openxmlformats.org/officeDocument/2006/math">
+                      <m:r>
+                        <a:rPr lang="en-US" altLang="ko-KR" b="0" i="1" smtClean="0">
+                          <a:latin typeface="Cambria Math" panose="02040503050406030204" pitchFamily="18" charset="0"/>
+                        </a:rPr>
+                        <m:t>1</m:t>
+                      </m:r>
+                    </m:oMath>
+                  </m:oMathPara>
+                </a14:m>
+                <a:endParaRPr lang="ko-KR" altLang="en-US"/>
+              </a:p>
+            </p:txBody>
+          </p:sp>
+        </mc:Choice>
+        <mc:Fallback>
+          <p:sp>
+            <p:nvSpPr>
+              <p:cNvPr id="23" name="TextBox 22">
+                <a:extLst>
+                  <a:ext uri="{FF2B5EF4-FFF2-40B4-BE49-F238E27FC236}">
+                    <a16:creationId xmlns:a16="http://schemas.microsoft.com/office/drawing/2014/main" id="{463F43C4-16D7-3A7D-1684-695D5FE6D60A}"/>
+                  </a:ext>
+                </a:extLst>
+              </p:cNvPr>
+              <p:cNvSpPr txBox="1">
+                <a:spLocks noRot="1" noChangeAspect="1" noMove="1" noResize="1" noEditPoints="1" noAdjustHandles="1" noChangeArrowheads="1" noChangeShapeType="1" noTextEdit="1"/>
+              </p:cNvSpPr>
+              <p:nvPr/>
+            </p:nvSpPr>
+            <p:spPr>
+              <a:xfrm>
+                <a:off x="2219820" y="326678"/>
+                <a:ext cx="209993" cy="276999"/>
+              </a:xfrm>
+              <a:prstGeom prst="rect">
+                <a:avLst/>
+              </a:prstGeom>
+              <a:blipFill>
+                <a:blip r:embed="rId13"/>
+                <a:stretch>
+                  <a:fillRect l="-17143" r="-20000" b="-11111"/>
+                </a:stretch>
+              </a:blipFill>
+            </p:spPr>
+            <p:txBody>
+              <a:bodyPr/>
+              <a:lstStyle/>
+              <a:p>
+                <a:r>
+                  <a:rPr lang="ko-KR" altLang="en-US">
+                    <a:noFill/>
+                  </a:rPr>
+                  <a:t> </a:t>
+                </a:r>
+              </a:p>
+            </p:txBody>
+          </p:sp>
+        </mc:Fallback>
+      </mc:AlternateContent>
+      <mc:AlternateContent xmlns:mc="http://schemas.openxmlformats.org/markup-compatibility/2006">
+        <mc:Choice xmlns:a14="http://schemas.microsoft.com/office/drawing/2010/main" Requires="a14">
+          <p:sp>
+            <p:nvSpPr>
+              <p:cNvPr id="24" name="TextBox 23">
+                <a:extLst>
+                  <a:ext uri="{FF2B5EF4-FFF2-40B4-BE49-F238E27FC236}">
+                    <a16:creationId xmlns:a16="http://schemas.microsoft.com/office/drawing/2014/main" id="{3D13E02E-4D5C-B487-C893-23E4B5854840}"/>
+                  </a:ext>
+                </a:extLst>
+              </p:cNvPr>
+              <p:cNvSpPr txBox="1"/>
+              <p:nvPr/>
+            </p:nvSpPr>
+            <p:spPr>
+              <a:xfrm>
+                <a:off x="2782185" y="326678"/>
+                <a:ext cx="209993" cy="276999"/>
+              </a:xfrm>
+              <a:prstGeom prst="rect">
+                <a:avLst/>
+              </a:prstGeom>
+              <a:noFill/>
+            </p:spPr>
+            <p:txBody>
+              <a:bodyPr wrap="none" lIns="0" tIns="0" rIns="0" bIns="0" rtlCol="0">
+                <a:spAutoFit/>
+              </a:bodyPr>
+              <a:lstStyle/>
+              <a:p>
+                <a14:m>
+                  <m:oMathPara xmlns:m="http://schemas.openxmlformats.org/officeDocument/2006/math">
+                    <m:oMathParaPr>
+                      <m:jc m:val="centerGroup"/>
+                    </m:oMathParaPr>
+                    <m:oMath xmlns:m="http://schemas.openxmlformats.org/officeDocument/2006/math">
+                      <m:r>
+                        <a:rPr lang="en-US" altLang="ko-KR" b="0" i="1" smtClean="0">
+                          <a:latin typeface="Cambria Math" panose="02040503050406030204" pitchFamily="18" charset="0"/>
+                        </a:rPr>
+                        <m:t>2</m:t>
+                      </m:r>
+                    </m:oMath>
+                  </m:oMathPara>
+                </a14:m>
+                <a:endParaRPr lang="ko-KR" altLang="en-US"/>
+              </a:p>
+            </p:txBody>
+          </p:sp>
+        </mc:Choice>
+        <mc:Fallback>
+          <p:sp>
+            <p:nvSpPr>
+              <p:cNvPr id="24" name="TextBox 23">
+                <a:extLst>
+                  <a:ext uri="{FF2B5EF4-FFF2-40B4-BE49-F238E27FC236}">
+                    <a16:creationId xmlns:a16="http://schemas.microsoft.com/office/drawing/2014/main" id="{3D13E02E-4D5C-B487-C893-23E4B5854840}"/>
+                  </a:ext>
+                </a:extLst>
+              </p:cNvPr>
+              <p:cNvSpPr txBox="1">
+                <a:spLocks noRot="1" noChangeAspect="1" noMove="1" noResize="1" noEditPoints="1" noAdjustHandles="1" noChangeArrowheads="1" noChangeShapeType="1" noTextEdit="1"/>
+              </p:cNvSpPr>
+              <p:nvPr/>
+            </p:nvSpPr>
+            <p:spPr>
+              <a:xfrm>
+                <a:off x="2782185" y="326678"/>
+                <a:ext cx="209993" cy="276999"/>
+              </a:xfrm>
+              <a:prstGeom prst="rect">
+                <a:avLst/>
+              </a:prstGeom>
+              <a:blipFill>
+                <a:blip r:embed="rId14"/>
+                <a:stretch>
+                  <a:fillRect l="-17143" r="-20000" b="-11111"/>
+                </a:stretch>
+              </a:blipFill>
+            </p:spPr>
+            <p:txBody>
+              <a:bodyPr/>
+              <a:lstStyle/>
+              <a:p>
+                <a:r>
+                  <a:rPr lang="ko-KR" altLang="en-US">
+                    <a:noFill/>
+                  </a:rPr>
+                  <a:t> </a:t>
+                </a:r>
+              </a:p>
+            </p:txBody>
+          </p:sp>
+        </mc:Fallback>
+      </mc:AlternateContent>
+      <mc:AlternateContent xmlns:mc="http://schemas.openxmlformats.org/markup-compatibility/2006">
+        <mc:Choice xmlns:a14="http://schemas.microsoft.com/office/drawing/2010/main" Requires="a14">
+          <p:sp>
+            <p:nvSpPr>
+              <p:cNvPr id="25" name="TextBox 24">
+                <a:extLst>
+                  <a:ext uri="{FF2B5EF4-FFF2-40B4-BE49-F238E27FC236}">
+                    <a16:creationId xmlns:a16="http://schemas.microsoft.com/office/drawing/2014/main" id="{A1983D84-D9F8-C6EC-08E5-3852D577616C}"/>
+                  </a:ext>
+                </a:extLst>
+              </p:cNvPr>
+              <p:cNvSpPr txBox="1"/>
+              <p:nvPr/>
+            </p:nvSpPr>
+            <p:spPr>
+              <a:xfrm>
+                <a:off x="3318876" y="326678"/>
+                <a:ext cx="209993" cy="276999"/>
+              </a:xfrm>
+              <a:prstGeom prst="rect">
+                <a:avLst/>
+              </a:prstGeom>
+              <a:noFill/>
+            </p:spPr>
+            <p:txBody>
+              <a:bodyPr wrap="none" lIns="0" tIns="0" rIns="0" bIns="0" rtlCol="0">
+                <a:spAutoFit/>
+              </a:bodyPr>
+              <a:lstStyle/>
+              <a:p>
+                <a14:m>
+                  <m:oMathPara xmlns:m="http://schemas.openxmlformats.org/officeDocument/2006/math">
+                    <m:oMathParaPr>
+                      <m:jc m:val="centerGroup"/>
+                    </m:oMathParaPr>
+                    <m:oMath xmlns:m="http://schemas.openxmlformats.org/officeDocument/2006/math">
+                      <m:r>
+                        <a:rPr lang="en-US" altLang="ko-KR" b="0" i="1" smtClean="0">
+                          <a:latin typeface="Cambria Math" panose="02040503050406030204" pitchFamily="18" charset="0"/>
+                        </a:rPr>
+                        <m:t>3</m:t>
+                      </m:r>
+                    </m:oMath>
+                  </m:oMathPara>
+                </a14:m>
+                <a:endParaRPr lang="ko-KR" altLang="en-US"/>
+              </a:p>
+            </p:txBody>
+          </p:sp>
+        </mc:Choice>
+        <mc:Fallback>
+          <p:sp>
+            <p:nvSpPr>
+              <p:cNvPr id="25" name="TextBox 24">
+                <a:extLst>
+                  <a:ext uri="{FF2B5EF4-FFF2-40B4-BE49-F238E27FC236}">
+                    <a16:creationId xmlns:a16="http://schemas.microsoft.com/office/drawing/2014/main" id="{A1983D84-D9F8-C6EC-08E5-3852D577616C}"/>
+                  </a:ext>
+                </a:extLst>
+              </p:cNvPr>
+              <p:cNvSpPr txBox="1">
+                <a:spLocks noRot="1" noChangeAspect="1" noMove="1" noResize="1" noEditPoints="1" noAdjustHandles="1" noChangeArrowheads="1" noChangeShapeType="1" noTextEdit="1"/>
+              </p:cNvSpPr>
+              <p:nvPr/>
+            </p:nvSpPr>
+            <p:spPr>
+              <a:xfrm>
+                <a:off x="3318876" y="326678"/>
+                <a:ext cx="209993" cy="276999"/>
+              </a:xfrm>
+              <a:prstGeom prst="rect">
+                <a:avLst/>
+              </a:prstGeom>
+              <a:blipFill>
+                <a:blip r:embed="rId15"/>
+                <a:stretch>
+                  <a:fillRect l="-17143" r="-20000" b="-11111"/>
+                </a:stretch>
+              </a:blipFill>
+            </p:spPr>
+            <p:txBody>
+              <a:bodyPr/>
+              <a:lstStyle/>
+              <a:p>
+                <a:r>
+                  <a:rPr lang="ko-KR" altLang="en-US">
+                    <a:noFill/>
+                  </a:rPr>
+                  <a:t> </a:t>
+                </a:r>
+              </a:p>
+            </p:txBody>
+          </p:sp>
+        </mc:Fallback>
+      </mc:AlternateContent>
+      <mc:AlternateContent xmlns:mc="http://schemas.openxmlformats.org/markup-compatibility/2006">
+        <mc:Choice xmlns:a14="http://schemas.microsoft.com/office/drawing/2010/main" Requires="a14">
+          <p:sp>
+            <p:nvSpPr>
+              <p:cNvPr id="26" name="TextBox 25">
+                <a:extLst>
+                  <a:ext uri="{FF2B5EF4-FFF2-40B4-BE49-F238E27FC236}">
+                    <a16:creationId xmlns:a16="http://schemas.microsoft.com/office/drawing/2014/main" id="{964E3C54-279D-C921-68FA-643BF06BC90F}"/>
+                  </a:ext>
+                </a:extLst>
+              </p:cNvPr>
+              <p:cNvSpPr txBox="1"/>
+              <p:nvPr/>
+            </p:nvSpPr>
+            <p:spPr>
+              <a:xfrm>
+                <a:off x="3855034" y="326678"/>
+                <a:ext cx="209993" cy="276999"/>
+              </a:xfrm>
+              <a:prstGeom prst="rect">
+                <a:avLst/>
+              </a:prstGeom>
+              <a:noFill/>
+            </p:spPr>
+            <p:txBody>
+              <a:bodyPr wrap="none" lIns="0" tIns="0" rIns="0" bIns="0" rtlCol="0">
+                <a:spAutoFit/>
+              </a:bodyPr>
+              <a:lstStyle/>
+              <a:p>
+                <a14:m>
+                  <m:oMathPara xmlns:m="http://schemas.openxmlformats.org/officeDocument/2006/math">
+                    <m:oMathParaPr>
+                      <m:jc m:val="centerGroup"/>
+                    </m:oMathParaPr>
+                    <m:oMath xmlns:m="http://schemas.openxmlformats.org/officeDocument/2006/math">
+                      <m:r>
+                        <a:rPr lang="en-US" altLang="ko-KR" b="0" i="1" smtClean="0">
+                          <a:latin typeface="Cambria Math" panose="02040503050406030204" pitchFamily="18" charset="0"/>
+                        </a:rPr>
+                        <m:t>4</m:t>
+                      </m:r>
+                    </m:oMath>
+                  </m:oMathPara>
+                </a14:m>
+                <a:endParaRPr lang="ko-KR" altLang="en-US"/>
+              </a:p>
+            </p:txBody>
+          </p:sp>
+        </mc:Choice>
+        <mc:Fallback>
+          <p:sp>
+            <p:nvSpPr>
+              <p:cNvPr id="26" name="TextBox 25">
+                <a:extLst>
+                  <a:ext uri="{FF2B5EF4-FFF2-40B4-BE49-F238E27FC236}">
+                    <a16:creationId xmlns:a16="http://schemas.microsoft.com/office/drawing/2014/main" id="{964E3C54-279D-C921-68FA-643BF06BC90F}"/>
+                  </a:ext>
+                </a:extLst>
+              </p:cNvPr>
+              <p:cNvSpPr txBox="1">
+                <a:spLocks noRot="1" noChangeAspect="1" noMove="1" noResize="1" noEditPoints="1" noAdjustHandles="1" noChangeArrowheads="1" noChangeShapeType="1" noTextEdit="1"/>
+              </p:cNvSpPr>
+              <p:nvPr/>
+            </p:nvSpPr>
+            <p:spPr>
+              <a:xfrm>
+                <a:off x="3855034" y="326678"/>
+                <a:ext cx="209993" cy="276999"/>
+              </a:xfrm>
+              <a:prstGeom prst="rect">
+                <a:avLst/>
+              </a:prstGeom>
+              <a:blipFill>
+                <a:blip r:embed="rId16"/>
+                <a:stretch>
+                  <a:fillRect l="-17143" r="-20000" b="-11111"/>
+                </a:stretch>
+              </a:blipFill>
+            </p:spPr>
+            <p:txBody>
+              <a:bodyPr/>
+              <a:lstStyle/>
+              <a:p>
+                <a:r>
+                  <a:rPr lang="ko-KR" altLang="en-US">
+                    <a:noFill/>
+                  </a:rPr>
+                  <a:t> </a:t>
+                </a:r>
+              </a:p>
+            </p:txBody>
+          </p:sp>
+        </mc:Fallback>
+      </mc:AlternateContent>
+      <mc:AlternateContent xmlns:mc="http://schemas.openxmlformats.org/markup-compatibility/2006">
+        <mc:Choice xmlns:a14="http://schemas.microsoft.com/office/drawing/2010/main" Requires="a14">
+          <p:sp>
+            <p:nvSpPr>
+              <p:cNvPr id="27" name="TextBox 26">
+                <a:extLst>
+                  <a:ext uri="{FF2B5EF4-FFF2-40B4-BE49-F238E27FC236}">
+                    <a16:creationId xmlns:a16="http://schemas.microsoft.com/office/drawing/2014/main" id="{AED5F8EF-8422-5F52-6FFB-C3540017FCE2}"/>
+                  </a:ext>
+                </a:extLst>
+              </p:cNvPr>
+              <p:cNvSpPr txBox="1"/>
+              <p:nvPr/>
+            </p:nvSpPr>
+            <p:spPr>
+              <a:xfrm>
+                <a:off x="4399643" y="326678"/>
+                <a:ext cx="209993" cy="276999"/>
+              </a:xfrm>
+              <a:prstGeom prst="rect">
+                <a:avLst/>
+              </a:prstGeom>
+              <a:noFill/>
+            </p:spPr>
+            <p:txBody>
+              <a:bodyPr wrap="none" lIns="0" tIns="0" rIns="0" bIns="0" rtlCol="0">
+                <a:spAutoFit/>
+              </a:bodyPr>
+              <a:lstStyle/>
+              <a:p>
+                <a14:m>
+                  <m:oMathPara xmlns:m="http://schemas.openxmlformats.org/officeDocument/2006/math">
+                    <m:oMathParaPr>
+                      <m:jc m:val="centerGroup"/>
+                    </m:oMathParaPr>
+                    <m:oMath xmlns:m="http://schemas.openxmlformats.org/officeDocument/2006/math">
+                      <m:r>
+                        <a:rPr lang="en-US" altLang="ko-KR" b="0" i="1" smtClean="0">
+                          <a:latin typeface="Cambria Math" panose="02040503050406030204" pitchFamily="18" charset="0"/>
+                        </a:rPr>
+                        <m:t>5</m:t>
+                      </m:r>
+                    </m:oMath>
+                  </m:oMathPara>
+                </a14:m>
+                <a:endParaRPr lang="ko-KR" altLang="en-US"/>
+              </a:p>
+            </p:txBody>
+          </p:sp>
+        </mc:Choice>
+        <mc:Fallback>
+          <p:sp>
+            <p:nvSpPr>
+              <p:cNvPr id="27" name="TextBox 26">
+                <a:extLst>
+                  <a:ext uri="{FF2B5EF4-FFF2-40B4-BE49-F238E27FC236}">
+                    <a16:creationId xmlns:a16="http://schemas.microsoft.com/office/drawing/2014/main" id="{AED5F8EF-8422-5F52-6FFB-C3540017FCE2}"/>
+                  </a:ext>
+                </a:extLst>
+              </p:cNvPr>
+              <p:cNvSpPr txBox="1">
+                <a:spLocks noRot="1" noChangeAspect="1" noMove="1" noResize="1" noEditPoints="1" noAdjustHandles="1" noChangeArrowheads="1" noChangeShapeType="1" noTextEdit="1"/>
+              </p:cNvSpPr>
+              <p:nvPr/>
+            </p:nvSpPr>
+            <p:spPr>
+              <a:xfrm>
+                <a:off x="4399643" y="326678"/>
+                <a:ext cx="209993" cy="276999"/>
+              </a:xfrm>
+              <a:prstGeom prst="rect">
+                <a:avLst/>
+              </a:prstGeom>
+              <a:blipFill>
+                <a:blip r:embed="rId17"/>
+                <a:stretch>
+                  <a:fillRect l="-20588" r="-23529" b="-13333"/>
+                </a:stretch>
+              </a:blipFill>
+            </p:spPr>
+            <p:txBody>
+              <a:bodyPr/>
+              <a:lstStyle/>
+              <a:p>
+                <a:r>
+                  <a:rPr lang="ko-KR" altLang="en-US">
+                    <a:noFill/>
+                  </a:rPr>
+                  <a:t> </a:t>
+                </a:r>
+              </a:p>
+            </p:txBody>
+          </p:sp>
+        </mc:Fallback>
+      </mc:AlternateContent>
+      <mc:AlternateContent xmlns:mc="http://schemas.openxmlformats.org/markup-compatibility/2006">
+        <mc:Choice xmlns:a14="http://schemas.microsoft.com/office/drawing/2010/main" Requires="a14">
+          <p:sp>
+            <p:nvSpPr>
+              <p:cNvPr id="28" name="TextBox 27">
+                <a:extLst>
+                  <a:ext uri="{FF2B5EF4-FFF2-40B4-BE49-F238E27FC236}">
+                    <a16:creationId xmlns:a16="http://schemas.microsoft.com/office/drawing/2014/main" id="{F8C18F64-5D40-3111-05ED-8F9E94A3E1C9}"/>
+                  </a:ext>
+                </a:extLst>
+              </p:cNvPr>
+              <p:cNvSpPr txBox="1"/>
+              <p:nvPr/>
+            </p:nvSpPr>
+            <p:spPr>
+              <a:xfrm>
+                <a:off x="4944252" y="326678"/>
+                <a:ext cx="209993" cy="276999"/>
+              </a:xfrm>
+              <a:prstGeom prst="rect">
+                <a:avLst/>
+              </a:prstGeom>
+              <a:noFill/>
+            </p:spPr>
+            <p:txBody>
+              <a:bodyPr wrap="none" lIns="0" tIns="0" rIns="0" bIns="0" rtlCol="0">
+                <a:spAutoFit/>
+              </a:bodyPr>
+              <a:lstStyle/>
+              <a:p>
+                <a14:m>
+                  <m:oMathPara xmlns:m="http://schemas.openxmlformats.org/officeDocument/2006/math">
+                    <m:oMathParaPr>
+                      <m:jc m:val="centerGroup"/>
+                    </m:oMathParaPr>
+                    <m:oMath xmlns:m="http://schemas.openxmlformats.org/officeDocument/2006/math">
+                      <m:r>
+                        <a:rPr lang="en-US" altLang="ko-KR" b="0" i="1" smtClean="0">
+                          <a:latin typeface="Cambria Math" panose="02040503050406030204" pitchFamily="18" charset="0"/>
+                        </a:rPr>
+                        <m:t>6</m:t>
+                      </m:r>
+                    </m:oMath>
+                  </m:oMathPara>
+                </a14:m>
+                <a:endParaRPr lang="ko-KR" altLang="en-US"/>
+              </a:p>
+            </p:txBody>
+          </p:sp>
+        </mc:Choice>
+        <mc:Fallback>
+          <p:sp>
+            <p:nvSpPr>
+              <p:cNvPr id="28" name="TextBox 27">
+                <a:extLst>
+                  <a:ext uri="{FF2B5EF4-FFF2-40B4-BE49-F238E27FC236}">
+                    <a16:creationId xmlns:a16="http://schemas.microsoft.com/office/drawing/2014/main" id="{F8C18F64-5D40-3111-05ED-8F9E94A3E1C9}"/>
+                  </a:ext>
+                </a:extLst>
+              </p:cNvPr>
+              <p:cNvSpPr txBox="1">
+                <a:spLocks noRot="1" noChangeAspect="1" noMove="1" noResize="1" noEditPoints="1" noAdjustHandles="1" noChangeArrowheads="1" noChangeShapeType="1" noTextEdit="1"/>
+              </p:cNvSpPr>
+              <p:nvPr/>
+            </p:nvSpPr>
+            <p:spPr>
+              <a:xfrm>
+                <a:off x="4944252" y="326678"/>
+                <a:ext cx="209993" cy="276999"/>
+              </a:xfrm>
+              <a:prstGeom prst="rect">
+                <a:avLst/>
+              </a:prstGeom>
+              <a:blipFill>
+                <a:blip r:embed="rId18"/>
+                <a:stretch>
+                  <a:fillRect l="-17143" r="-20000" b="-11111"/>
+                </a:stretch>
+              </a:blipFill>
+            </p:spPr>
+            <p:txBody>
+              <a:bodyPr/>
+              <a:lstStyle/>
+              <a:p>
+                <a:r>
+                  <a:rPr lang="ko-KR" altLang="en-US">
+                    <a:noFill/>
+                  </a:rPr>
+                  <a:t> </a:t>
+                </a:r>
+              </a:p>
+            </p:txBody>
+          </p:sp>
+        </mc:Fallback>
+      </mc:AlternateContent>
+      <mc:AlternateContent xmlns:mc="http://schemas.openxmlformats.org/markup-compatibility/2006">
+        <mc:Choice xmlns:a14="http://schemas.microsoft.com/office/drawing/2010/main" Requires="a14">
+          <p:sp>
+            <p:nvSpPr>
+              <p:cNvPr id="29" name="TextBox 28">
+                <a:extLst>
+                  <a:ext uri="{FF2B5EF4-FFF2-40B4-BE49-F238E27FC236}">
+                    <a16:creationId xmlns:a16="http://schemas.microsoft.com/office/drawing/2014/main" id="{48CA3998-CCF2-AD89-82B2-E4A3F74FAACA}"/>
+                  </a:ext>
+                </a:extLst>
+              </p:cNvPr>
+              <p:cNvSpPr txBox="1"/>
+              <p:nvPr/>
+            </p:nvSpPr>
+            <p:spPr>
+              <a:xfrm>
+                <a:off x="5481241" y="326678"/>
+                <a:ext cx="209993" cy="276999"/>
+              </a:xfrm>
+              <a:prstGeom prst="rect">
+                <a:avLst/>
+              </a:prstGeom>
+              <a:noFill/>
+            </p:spPr>
+            <p:txBody>
+              <a:bodyPr wrap="none" lIns="0" tIns="0" rIns="0" bIns="0" rtlCol="0">
+                <a:spAutoFit/>
+              </a:bodyPr>
+              <a:lstStyle/>
+              <a:p>
+                <a14:m>
+                  <m:oMathPara xmlns:m="http://schemas.openxmlformats.org/officeDocument/2006/math">
+                    <m:oMathParaPr>
+                      <m:jc m:val="centerGroup"/>
+                    </m:oMathParaPr>
+                    <m:oMath xmlns:m="http://schemas.openxmlformats.org/officeDocument/2006/math">
+                      <m:r>
+                        <a:rPr lang="en-US" altLang="ko-KR" b="0" i="1" smtClean="0">
+                          <a:latin typeface="Cambria Math" panose="02040503050406030204" pitchFamily="18" charset="0"/>
+                        </a:rPr>
+                        <m:t>7</m:t>
+                      </m:r>
+                    </m:oMath>
+                  </m:oMathPara>
+                </a14:m>
+                <a:endParaRPr lang="ko-KR" altLang="en-US"/>
+              </a:p>
+            </p:txBody>
+          </p:sp>
+        </mc:Choice>
+        <mc:Fallback>
+          <p:sp>
+            <p:nvSpPr>
+              <p:cNvPr id="29" name="TextBox 28">
+                <a:extLst>
+                  <a:ext uri="{FF2B5EF4-FFF2-40B4-BE49-F238E27FC236}">
+                    <a16:creationId xmlns:a16="http://schemas.microsoft.com/office/drawing/2014/main" id="{48CA3998-CCF2-AD89-82B2-E4A3F74FAACA}"/>
+                  </a:ext>
+                </a:extLst>
+              </p:cNvPr>
+              <p:cNvSpPr txBox="1">
+                <a:spLocks noRot="1" noChangeAspect="1" noMove="1" noResize="1" noEditPoints="1" noAdjustHandles="1" noChangeArrowheads="1" noChangeShapeType="1" noTextEdit="1"/>
+              </p:cNvSpPr>
+              <p:nvPr/>
+            </p:nvSpPr>
+            <p:spPr>
+              <a:xfrm>
+                <a:off x="5481241" y="326678"/>
+                <a:ext cx="209993" cy="276999"/>
+              </a:xfrm>
+              <a:prstGeom prst="rect">
+                <a:avLst/>
+              </a:prstGeom>
+              <a:blipFill>
+                <a:blip r:embed="rId19"/>
+                <a:stretch>
+                  <a:fillRect l="-17143" r="-20000" b="-11111"/>
+                </a:stretch>
+              </a:blipFill>
+            </p:spPr>
+            <p:txBody>
+              <a:bodyPr/>
+              <a:lstStyle/>
+              <a:p>
+                <a:r>
+                  <a:rPr lang="ko-KR" altLang="en-US">
+                    <a:noFill/>
+                  </a:rPr>
+                  <a:t> </a:t>
+                </a:r>
+              </a:p>
+            </p:txBody>
+          </p:sp>
+        </mc:Fallback>
+      </mc:AlternateContent>
+      <mc:AlternateContent xmlns:mc="http://schemas.openxmlformats.org/markup-compatibility/2006">
+        <mc:Choice xmlns:a14="http://schemas.microsoft.com/office/drawing/2010/main" Requires="a14">
+          <p:sp>
+            <p:nvSpPr>
+              <p:cNvPr id="30" name="TextBox 29">
+                <a:extLst>
+                  <a:ext uri="{FF2B5EF4-FFF2-40B4-BE49-F238E27FC236}">
+                    <a16:creationId xmlns:a16="http://schemas.microsoft.com/office/drawing/2014/main" id="{90C685FF-1344-36F7-08CB-D9FED9FCA1E5}"/>
+                  </a:ext>
+                </a:extLst>
+              </p:cNvPr>
+              <p:cNvSpPr txBox="1"/>
+              <p:nvPr/>
+            </p:nvSpPr>
+            <p:spPr>
+              <a:xfrm>
+                <a:off x="6022364" y="326678"/>
+                <a:ext cx="209993" cy="276999"/>
+              </a:xfrm>
+              <a:prstGeom prst="rect">
+                <a:avLst/>
+              </a:prstGeom>
+              <a:noFill/>
+            </p:spPr>
+            <p:txBody>
+              <a:bodyPr wrap="none" lIns="0" tIns="0" rIns="0" bIns="0" rtlCol="0">
+                <a:spAutoFit/>
+              </a:bodyPr>
+              <a:lstStyle/>
+              <a:p>
+                <a14:m>
+                  <m:oMathPara xmlns:m="http://schemas.openxmlformats.org/officeDocument/2006/math">
+                    <m:oMathParaPr>
+                      <m:jc m:val="centerGroup"/>
+                    </m:oMathParaPr>
+                    <m:oMath xmlns:m="http://schemas.openxmlformats.org/officeDocument/2006/math">
+                      <m:r>
+                        <a:rPr lang="en-US" altLang="ko-KR" b="0" i="1" smtClean="0">
+                          <a:latin typeface="Cambria Math" panose="02040503050406030204" pitchFamily="18" charset="0"/>
+                        </a:rPr>
+                        <m:t>8</m:t>
+                      </m:r>
+                    </m:oMath>
+                  </m:oMathPara>
+                </a14:m>
+                <a:endParaRPr lang="ko-KR" altLang="en-US"/>
+              </a:p>
+            </p:txBody>
+          </p:sp>
+        </mc:Choice>
+        <mc:Fallback>
+          <p:sp>
+            <p:nvSpPr>
+              <p:cNvPr id="30" name="TextBox 29">
+                <a:extLst>
+                  <a:ext uri="{FF2B5EF4-FFF2-40B4-BE49-F238E27FC236}">
+                    <a16:creationId xmlns:a16="http://schemas.microsoft.com/office/drawing/2014/main" id="{90C685FF-1344-36F7-08CB-D9FED9FCA1E5}"/>
+                  </a:ext>
+                </a:extLst>
+              </p:cNvPr>
+              <p:cNvSpPr txBox="1">
+                <a:spLocks noRot="1" noChangeAspect="1" noMove="1" noResize="1" noEditPoints="1" noAdjustHandles="1" noChangeArrowheads="1" noChangeShapeType="1" noTextEdit="1"/>
+              </p:cNvSpPr>
+              <p:nvPr/>
+            </p:nvSpPr>
+            <p:spPr>
+              <a:xfrm>
+                <a:off x="6022364" y="326678"/>
+                <a:ext cx="209993" cy="276999"/>
+              </a:xfrm>
+              <a:prstGeom prst="rect">
+                <a:avLst/>
+              </a:prstGeom>
+              <a:blipFill>
+                <a:blip r:embed="rId20"/>
+                <a:stretch>
+                  <a:fillRect l="-20588" r="-20588" b="-11111"/>
+                </a:stretch>
+              </a:blipFill>
+            </p:spPr>
+            <p:txBody>
+              <a:bodyPr/>
+              <a:lstStyle/>
+              <a:p>
+                <a:r>
+                  <a:rPr lang="ko-KR" altLang="en-US">
+                    <a:noFill/>
+                  </a:rPr>
+                  <a:t> </a:t>
+                </a:r>
+              </a:p>
+            </p:txBody>
+          </p:sp>
+        </mc:Fallback>
+      </mc:AlternateContent>
+      <mc:AlternateContent xmlns:mc="http://schemas.openxmlformats.org/markup-compatibility/2006">
+        <mc:Choice xmlns:a14="http://schemas.microsoft.com/office/drawing/2010/main" Requires="a14">
+          <p:sp>
+            <p:nvSpPr>
+              <p:cNvPr id="31" name="TextBox 30">
+                <a:extLst>
+                  <a:ext uri="{FF2B5EF4-FFF2-40B4-BE49-F238E27FC236}">
+                    <a16:creationId xmlns:a16="http://schemas.microsoft.com/office/drawing/2014/main" id="{B6F388A4-3639-DC4E-9964-9554AF2BC8BE}"/>
+                  </a:ext>
+                </a:extLst>
+              </p:cNvPr>
+              <p:cNvSpPr txBox="1"/>
+              <p:nvPr/>
+            </p:nvSpPr>
+            <p:spPr>
+              <a:xfrm>
+                <a:off x="6563487" y="326678"/>
+                <a:ext cx="209993" cy="276999"/>
+              </a:xfrm>
+              <a:prstGeom prst="rect">
+                <a:avLst/>
+              </a:prstGeom>
+              <a:noFill/>
+            </p:spPr>
+            <p:txBody>
+              <a:bodyPr wrap="none" lIns="0" tIns="0" rIns="0" bIns="0" rtlCol="0">
+                <a:spAutoFit/>
+              </a:bodyPr>
+              <a:lstStyle/>
+              <a:p>
+                <a14:m>
+                  <m:oMathPara xmlns:m="http://schemas.openxmlformats.org/officeDocument/2006/math">
+                    <m:oMathParaPr>
+                      <m:jc m:val="centerGroup"/>
+                    </m:oMathParaPr>
+                    <m:oMath xmlns:m="http://schemas.openxmlformats.org/officeDocument/2006/math">
+                      <m:r>
+                        <a:rPr lang="en-US" altLang="ko-KR" b="0" i="1" smtClean="0">
+                          <a:latin typeface="Cambria Math" panose="02040503050406030204" pitchFamily="18" charset="0"/>
+                        </a:rPr>
+                        <m:t>9</m:t>
+                      </m:r>
+                    </m:oMath>
+                  </m:oMathPara>
+                </a14:m>
+                <a:endParaRPr lang="ko-KR" altLang="en-US"/>
+              </a:p>
+            </p:txBody>
+          </p:sp>
+        </mc:Choice>
+        <mc:Fallback>
+          <p:sp>
+            <p:nvSpPr>
+              <p:cNvPr id="31" name="TextBox 30">
+                <a:extLst>
+                  <a:ext uri="{FF2B5EF4-FFF2-40B4-BE49-F238E27FC236}">
+                    <a16:creationId xmlns:a16="http://schemas.microsoft.com/office/drawing/2014/main" id="{B6F388A4-3639-DC4E-9964-9554AF2BC8BE}"/>
+                  </a:ext>
+                </a:extLst>
+              </p:cNvPr>
+              <p:cNvSpPr txBox="1">
+                <a:spLocks noRot="1" noChangeAspect="1" noMove="1" noResize="1" noEditPoints="1" noAdjustHandles="1" noChangeArrowheads="1" noChangeShapeType="1" noTextEdit="1"/>
+              </p:cNvSpPr>
+              <p:nvPr/>
+            </p:nvSpPr>
+            <p:spPr>
+              <a:xfrm>
+                <a:off x="6563487" y="326678"/>
+                <a:ext cx="209993" cy="276999"/>
+              </a:xfrm>
+              <a:prstGeom prst="rect">
+                <a:avLst/>
+              </a:prstGeom>
+              <a:blipFill>
+                <a:blip r:embed="rId21"/>
+                <a:stretch>
+                  <a:fillRect l="-20588" r="-20588" b="-11111"/>
+                </a:stretch>
+              </a:blipFill>
+            </p:spPr>
+            <p:txBody>
+              <a:bodyPr/>
+              <a:lstStyle/>
+              <a:p>
+                <a:r>
+                  <a:rPr lang="ko-KR" altLang="en-US">
+                    <a:noFill/>
+                  </a:rPr>
+                  <a:t> </a:t>
+                </a:r>
+              </a:p>
+            </p:txBody>
+          </p:sp>
+        </mc:Fallback>
+      </mc:AlternateContent>
+      <mc:AlternateContent xmlns:mc="http://schemas.openxmlformats.org/markup-compatibility/2006">
+        <mc:Choice xmlns:a14="http://schemas.microsoft.com/office/drawing/2010/main" Requires="a14">
+          <p:sp>
+            <p:nvSpPr>
+              <p:cNvPr id="32" name="TextBox 31">
+                <a:extLst>
+                  <a:ext uri="{FF2B5EF4-FFF2-40B4-BE49-F238E27FC236}">
+                    <a16:creationId xmlns:a16="http://schemas.microsoft.com/office/drawing/2014/main" id="{27F62860-F2EA-2DD4-0F16-C4F148EF77D1}"/>
+                  </a:ext>
+                </a:extLst>
+              </p:cNvPr>
+              <p:cNvSpPr txBox="1"/>
+              <p:nvPr/>
+            </p:nvSpPr>
+            <p:spPr>
+              <a:xfrm>
+                <a:off x="7021927" y="326678"/>
+                <a:ext cx="338234" cy="276999"/>
+              </a:xfrm>
+              <a:prstGeom prst="rect">
+                <a:avLst/>
+              </a:prstGeom>
+              <a:noFill/>
+            </p:spPr>
+            <p:txBody>
+              <a:bodyPr wrap="none" lIns="0" tIns="0" rIns="0" bIns="0" rtlCol="0">
+                <a:spAutoFit/>
+              </a:bodyPr>
+              <a:lstStyle/>
+              <a:p>
+                <a14:m>
+                  <m:oMathPara xmlns:m="http://schemas.openxmlformats.org/officeDocument/2006/math">
+                    <m:oMathParaPr>
+                      <m:jc m:val="centerGroup"/>
+                    </m:oMathParaPr>
+                    <m:oMath xmlns:m="http://schemas.openxmlformats.org/officeDocument/2006/math">
+                      <m:r>
+                        <a:rPr lang="en-US" altLang="ko-KR" b="0" i="1" smtClean="0">
+                          <a:latin typeface="Cambria Math" panose="02040503050406030204" pitchFamily="18" charset="0"/>
+                        </a:rPr>
+                        <m:t>10</m:t>
+                      </m:r>
+                    </m:oMath>
+                  </m:oMathPara>
+                </a14:m>
+                <a:endParaRPr lang="ko-KR" altLang="en-US"/>
+              </a:p>
+            </p:txBody>
+          </p:sp>
+        </mc:Choice>
+        <mc:Fallback>
+          <p:sp>
+            <p:nvSpPr>
+              <p:cNvPr id="32" name="TextBox 31">
+                <a:extLst>
+                  <a:ext uri="{FF2B5EF4-FFF2-40B4-BE49-F238E27FC236}">
+                    <a16:creationId xmlns:a16="http://schemas.microsoft.com/office/drawing/2014/main" id="{27F62860-F2EA-2DD4-0F16-C4F148EF77D1}"/>
+                  </a:ext>
+                </a:extLst>
+              </p:cNvPr>
+              <p:cNvSpPr txBox="1">
+                <a:spLocks noRot="1" noChangeAspect="1" noMove="1" noResize="1" noEditPoints="1" noAdjustHandles="1" noChangeArrowheads="1" noChangeShapeType="1" noTextEdit="1"/>
+              </p:cNvSpPr>
+              <p:nvPr/>
+            </p:nvSpPr>
+            <p:spPr>
+              <a:xfrm>
+                <a:off x="7021927" y="326678"/>
+                <a:ext cx="338234" cy="276999"/>
+              </a:xfrm>
+              <a:prstGeom prst="rect">
+                <a:avLst/>
+              </a:prstGeom>
+              <a:blipFill>
+                <a:blip r:embed="rId22"/>
+                <a:stretch>
+                  <a:fillRect l="-12727" r="-12727" b="-11111"/>
+                </a:stretch>
+              </a:blipFill>
+            </p:spPr>
+            <p:txBody>
+              <a:bodyPr/>
+              <a:lstStyle/>
+              <a:p>
+                <a:r>
+                  <a:rPr lang="ko-KR" altLang="en-US">
+                    <a:noFill/>
+                  </a:rPr>
+                  <a:t> </a:t>
+                </a:r>
+              </a:p>
+            </p:txBody>
+          </p:sp>
+        </mc:Fallback>
+      </mc:AlternateContent>
+      <mc:AlternateContent xmlns:mc="http://schemas.openxmlformats.org/markup-compatibility/2006">
+        <mc:Choice xmlns:a14="http://schemas.microsoft.com/office/drawing/2010/main" Requires="a14">
+          <p:sp>
+            <p:nvSpPr>
+              <p:cNvPr id="33" name="TextBox 32">
+                <a:extLst>
+                  <a:ext uri="{FF2B5EF4-FFF2-40B4-BE49-F238E27FC236}">
+                    <a16:creationId xmlns:a16="http://schemas.microsoft.com/office/drawing/2014/main" id="{759969AD-B988-8DCA-7F2A-443569FE0AB5}"/>
+                  </a:ext>
+                </a:extLst>
+              </p:cNvPr>
+              <p:cNvSpPr txBox="1"/>
+              <p:nvPr/>
+            </p:nvSpPr>
+            <p:spPr>
+              <a:xfrm>
+                <a:off x="4690119" y="1897521"/>
+                <a:ext cx="328039" cy="276999"/>
+              </a:xfrm>
+              <a:prstGeom prst="rect">
+                <a:avLst/>
+              </a:prstGeom>
+              <a:noFill/>
+            </p:spPr>
+            <p:txBody>
+              <a:bodyPr wrap="none" lIns="0" tIns="0" rIns="0" bIns="0" rtlCol="0">
+                <a:spAutoFit/>
+              </a:bodyPr>
+              <a:lstStyle/>
+              <a:p>
+                <a14:m>
+                  <m:oMathPara xmlns:m="http://schemas.openxmlformats.org/officeDocument/2006/math">
+                    <m:oMathParaPr>
+                      <m:jc m:val="centerGroup"/>
+                    </m:oMathParaPr>
+                    <m:oMath xmlns:m="http://schemas.openxmlformats.org/officeDocument/2006/math">
+                      <m:sSub>
+                        <m:sSubPr>
+                          <m:ctrlPr>
+                            <a:rPr lang="en-US" altLang="ko-KR" b="0" i="1" smtClean="0">
+                              <a:latin typeface="Cambria Math" panose="02040503050406030204" pitchFamily="18" charset="0"/>
+                            </a:rPr>
+                          </m:ctrlPr>
+                        </m:sSubPr>
+                        <m:e>
+                          <m:r>
+                            <a:rPr lang="en-US" altLang="ko-KR" b="0" i="1" smtClean="0">
+                              <a:latin typeface="Cambria Math" panose="02040503050406030204" pitchFamily="18" charset="0"/>
+                            </a:rPr>
+                            <m:t>𝑋</m:t>
+                          </m:r>
+                        </m:e>
+                        <m:sub>
+                          <m:r>
+                            <a:rPr lang="en-US" altLang="ko-KR" b="0" i="1" smtClean="0">
+                              <a:latin typeface="Cambria Math" panose="02040503050406030204" pitchFamily="18" charset="0"/>
+                            </a:rPr>
+                            <m:t>5</m:t>
+                          </m:r>
+                        </m:sub>
+                      </m:sSub>
+                    </m:oMath>
+                  </m:oMathPara>
+                </a14:m>
+                <a:endParaRPr lang="ko-KR" altLang="en-US"/>
+              </a:p>
+            </p:txBody>
+          </p:sp>
+        </mc:Choice>
+        <mc:Fallback>
+          <p:sp>
+            <p:nvSpPr>
+              <p:cNvPr id="33" name="TextBox 32">
+                <a:extLst>
+                  <a:ext uri="{FF2B5EF4-FFF2-40B4-BE49-F238E27FC236}">
+                    <a16:creationId xmlns:a16="http://schemas.microsoft.com/office/drawing/2014/main" id="{759969AD-B988-8DCA-7F2A-443569FE0AB5}"/>
+                  </a:ext>
+                </a:extLst>
+              </p:cNvPr>
+              <p:cNvSpPr txBox="1">
+                <a:spLocks noRot="1" noChangeAspect="1" noMove="1" noResize="1" noEditPoints="1" noAdjustHandles="1" noChangeArrowheads="1" noChangeShapeType="1" noTextEdit="1"/>
+              </p:cNvSpPr>
+              <p:nvPr/>
+            </p:nvSpPr>
+            <p:spPr>
+              <a:xfrm>
+                <a:off x="4690119" y="1897521"/>
+                <a:ext cx="328039" cy="276999"/>
+              </a:xfrm>
+              <a:prstGeom prst="rect">
+                <a:avLst/>
+              </a:prstGeom>
+              <a:blipFill>
+                <a:blip r:embed="rId23"/>
+                <a:stretch>
+                  <a:fillRect l="-11111" r="-3704" b="-19565"/>
+                </a:stretch>
+              </a:blipFill>
+            </p:spPr>
+            <p:txBody>
+              <a:bodyPr/>
+              <a:lstStyle/>
+              <a:p>
+                <a:r>
+                  <a:rPr lang="ko-KR" altLang="en-US">
+                    <a:noFill/>
+                  </a:rPr>
+                  <a:t> </a:t>
+                </a:r>
+              </a:p>
+            </p:txBody>
+          </p:sp>
+        </mc:Fallback>
+      </mc:AlternateContent>
+      <p:sp>
+        <p:nvSpPr>
+          <p:cNvPr id="34" name="타원 33">
+            <a:extLst>
+              <a:ext uri="{FF2B5EF4-FFF2-40B4-BE49-F238E27FC236}">
+                <a16:creationId xmlns:a16="http://schemas.microsoft.com/office/drawing/2014/main" id="{6569FB9E-11C6-635F-66BF-AB20A54A148A}"/>
+              </a:ext>
+            </a:extLst>
+          </p:cNvPr>
+          <p:cNvSpPr/>
+          <p:nvPr/>
+        </p:nvSpPr>
+        <p:spPr>
+          <a:xfrm>
+            <a:off x="5009280" y="2220639"/>
+            <a:ext cx="78362" cy="78362"/>
+          </a:xfrm>
+          <a:prstGeom prst="ellipse">
+            <a:avLst/>
+          </a:prstGeom>
+        </p:spPr>
+        <p:style>
+          <a:lnRef idx="2">
+            <a:schemeClr val="dk1">
+              <a:shade val="15000"/>
+            </a:schemeClr>
+          </a:lnRef>
+          <a:fillRef idx="1">
+            <a:schemeClr val="dk1"/>
+          </a:fillRef>
+          <a:effectRef idx="0">
+            <a:schemeClr val="dk1"/>
+          </a:effectRef>
+          <a:fontRef idx="minor">
+            <a:schemeClr val="lt1"/>
+          </a:fontRef>
+        </p:style>
+        <p:txBody>
+          <a:bodyPr rtlCol="0" anchor="ctr"/>
+          <a:lstStyle/>
+          <a:p>
+            <a:pPr algn="ctr"/>
+            <a:endParaRPr lang="ko-KR" altLang="en-US" sz="1400"/>
+          </a:p>
+        </p:txBody>
+      </p:sp>
+      <p:sp>
+        <p:nvSpPr>
+          <p:cNvPr id="35" name="타원 34">
+            <a:extLst>
+              <a:ext uri="{FF2B5EF4-FFF2-40B4-BE49-F238E27FC236}">
+                <a16:creationId xmlns:a16="http://schemas.microsoft.com/office/drawing/2014/main" id="{D6AE57CF-772D-780A-CB64-38922E9A4995}"/>
+              </a:ext>
+            </a:extLst>
+          </p:cNvPr>
+          <p:cNvSpPr/>
+          <p:nvPr/>
+        </p:nvSpPr>
+        <p:spPr>
+          <a:xfrm>
+            <a:off x="2315938" y="2202050"/>
+            <a:ext cx="78362" cy="78362"/>
+          </a:xfrm>
+          <a:prstGeom prst="ellipse">
+            <a:avLst/>
+          </a:prstGeom>
+        </p:spPr>
+        <p:style>
+          <a:lnRef idx="2">
+            <a:schemeClr val="dk1">
+              <a:shade val="15000"/>
+            </a:schemeClr>
+          </a:lnRef>
+          <a:fillRef idx="1">
+            <a:schemeClr val="dk1"/>
+          </a:fillRef>
+          <a:effectRef idx="0">
+            <a:schemeClr val="dk1"/>
+          </a:effectRef>
+          <a:fontRef idx="minor">
+            <a:schemeClr val="lt1"/>
+          </a:fontRef>
+        </p:style>
+        <p:txBody>
+          <a:bodyPr rtlCol="0" anchor="ctr"/>
+          <a:lstStyle/>
+          <a:p>
+            <a:pPr algn="ctr"/>
+            <a:endParaRPr lang="ko-KR" altLang="en-US" sz="1400"/>
+          </a:p>
+        </p:txBody>
+      </p:sp>
+      <mc:AlternateContent xmlns:mc="http://schemas.openxmlformats.org/markup-compatibility/2006">
+        <mc:Choice xmlns:a14="http://schemas.microsoft.com/office/drawing/2010/main" Requires="a14">
+          <p:sp>
+            <p:nvSpPr>
+              <p:cNvPr id="36" name="TextBox 35">
+                <a:extLst>
+                  <a:ext uri="{FF2B5EF4-FFF2-40B4-BE49-F238E27FC236}">
+                    <a16:creationId xmlns:a16="http://schemas.microsoft.com/office/drawing/2014/main" id="{A05B96A7-C3A9-4678-5618-43D923BAB8BC}"/>
+                  </a:ext>
+                </a:extLst>
+              </p:cNvPr>
+              <p:cNvSpPr txBox="1"/>
+              <p:nvPr/>
+            </p:nvSpPr>
+            <p:spPr>
+              <a:xfrm>
+                <a:off x="2002100" y="1907611"/>
+                <a:ext cx="322716" cy="276999"/>
+              </a:xfrm>
+              <a:prstGeom prst="rect">
+                <a:avLst/>
+              </a:prstGeom>
+              <a:noFill/>
+            </p:spPr>
+            <p:txBody>
+              <a:bodyPr wrap="none" lIns="0" tIns="0" rIns="0" bIns="0" rtlCol="0">
+                <a:spAutoFit/>
+              </a:bodyPr>
+              <a:lstStyle/>
+              <a:p>
+                <a14:m>
+                  <m:oMathPara xmlns:m="http://schemas.openxmlformats.org/officeDocument/2006/math">
+                    <m:oMathParaPr>
+                      <m:jc m:val="centerGroup"/>
+                    </m:oMathParaPr>
+                    <m:oMath xmlns:m="http://schemas.openxmlformats.org/officeDocument/2006/math">
+                      <m:sSub>
+                        <m:sSubPr>
+                          <m:ctrlPr>
+                            <a:rPr lang="en-US" altLang="ko-KR" b="0" i="1" smtClean="0">
+                              <a:latin typeface="Cambria Math" panose="02040503050406030204" pitchFamily="18" charset="0"/>
+                            </a:rPr>
+                          </m:ctrlPr>
+                        </m:sSubPr>
+                        <m:e>
+                          <m:r>
+                            <a:rPr lang="en-US" altLang="ko-KR" b="0" i="1" smtClean="0">
+                              <a:latin typeface="Cambria Math" panose="02040503050406030204" pitchFamily="18" charset="0"/>
+                            </a:rPr>
+                            <m:t>𝑋</m:t>
+                          </m:r>
+                        </m:e>
+                        <m:sub>
+                          <m:r>
+                            <a:rPr lang="en-US" altLang="ko-KR" b="0" i="1" smtClean="0">
+                              <a:latin typeface="Cambria Math" panose="02040503050406030204" pitchFamily="18" charset="0"/>
+                            </a:rPr>
+                            <m:t>1</m:t>
+                          </m:r>
+                        </m:sub>
+                      </m:sSub>
+                    </m:oMath>
+                  </m:oMathPara>
+                </a14:m>
+                <a:endParaRPr lang="ko-KR" altLang="en-US"/>
+              </a:p>
+            </p:txBody>
+          </p:sp>
+        </mc:Choice>
+        <mc:Fallback>
+          <p:sp>
+            <p:nvSpPr>
+              <p:cNvPr id="36" name="TextBox 35">
+                <a:extLst>
+                  <a:ext uri="{FF2B5EF4-FFF2-40B4-BE49-F238E27FC236}">
+                    <a16:creationId xmlns:a16="http://schemas.microsoft.com/office/drawing/2014/main" id="{A05B96A7-C3A9-4678-5618-43D923BAB8BC}"/>
+                  </a:ext>
+                </a:extLst>
+              </p:cNvPr>
+              <p:cNvSpPr txBox="1">
+                <a:spLocks noRot="1" noChangeAspect="1" noMove="1" noResize="1" noEditPoints="1" noAdjustHandles="1" noChangeArrowheads="1" noChangeShapeType="1" noTextEdit="1"/>
+              </p:cNvSpPr>
+              <p:nvPr/>
+            </p:nvSpPr>
+            <p:spPr>
+              <a:xfrm>
+                <a:off x="2002100" y="1907611"/>
+                <a:ext cx="322716" cy="276999"/>
+              </a:xfrm>
+              <a:prstGeom prst="rect">
+                <a:avLst/>
+              </a:prstGeom>
+              <a:blipFill>
+                <a:blip r:embed="rId24"/>
+                <a:stretch>
+                  <a:fillRect l="-11321" r="-3774" b="-20000"/>
+                </a:stretch>
+              </a:blipFill>
+            </p:spPr>
+            <p:txBody>
+              <a:bodyPr/>
+              <a:lstStyle/>
+              <a:p>
+                <a:r>
+                  <a:rPr lang="ko-KR" altLang="en-US">
+                    <a:noFill/>
+                  </a:rPr>
+                  <a:t> </a:t>
+                </a:r>
+              </a:p>
+            </p:txBody>
+          </p:sp>
+        </mc:Fallback>
+      </mc:AlternateContent>
+      <p:sp>
+        <p:nvSpPr>
+          <p:cNvPr id="37" name="타원 36">
+            <a:extLst>
+              <a:ext uri="{FF2B5EF4-FFF2-40B4-BE49-F238E27FC236}">
+                <a16:creationId xmlns:a16="http://schemas.microsoft.com/office/drawing/2014/main" id="{5068A753-4D3F-8B3A-C7E3-9F7F55067ADC}"/>
+              </a:ext>
+            </a:extLst>
+          </p:cNvPr>
+          <p:cNvSpPr/>
+          <p:nvPr/>
+        </p:nvSpPr>
+        <p:spPr>
+          <a:xfrm>
+            <a:off x="3386959" y="1676718"/>
+            <a:ext cx="78362" cy="78362"/>
+          </a:xfrm>
+          <a:prstGeom prst="ellipse">
+            <a:avLst/>
+          </a:prstGeom>
+        </p:spPr>
+        <p:style>
+          <a:lnRef idx="2">
+            <a:schemeClr val="dk1">
+              <a:shade val="15000"/>
+            </a:schemeClr>
+          </a:lnRef>
+          <a:fillRef idx="1">
+            <a:schemeClr val="dk1"/>
+          </a:fillRef>
+          <a:effectRef idx="0">
+            <a:schemeClr val="dk1"/>
+          </a:effectRef>
+          <a:fontRef idx="minor">
+            <a:schemeClr val="lt1"/>
+          </a:fontRef>
+        </p:style>
+        <p:txBody>
+          <a:bodyPr rtlCol="0" anchor="ctr"/>
+          <a:lstStyle/>
+          <a:p>
+            <a:pPr algn="ctr"/>
+            <a:endParaRPr lang="ko-KR" altLang="en-US" sz="1400"/>
+          </a:p>
+        </p:txBody>
+      </p:sp>
+      <mc:AlternateContent xmlns:mc="http://schemas.openxmlformats.org/markup-compatibility/2006">
+        <mc:Choice xmlns:a14="http://schemas.microsoft.com/office/drawing/2010/main" Requires="a14">
+          <p:sp>
+            <p:nvSpPr>
+              <p:cNvPr id="38" name="TextBox 37">
+                <a:extLst>
+                  <a:ext uri="{FF2B5EF4-FFF2-40B4-BE49-F238E27FC236}">
+                    <a16:creationId xmlns:a16="http://schemas.microsoft.com/office/drawing/2014/main" id="{E30B30EF-1570-68EF-C7C4-01B3E6EBF900}"/>
+                  </a:ext>
+                </a:extLst>
+              </p:cNvPr>
+              <p:cNvSpPr txBox="1"/>
+              <p:nvPr/>
+            </p:nvSpPr>
+            <p:spPr>
+              <a:xfrm>
+                <a:off x="3088452" y="1372506"/>
+                <a:ext cx="328039" cy="276999"/>
+              </a:xfrm>
+              <a:prstGeom prst="rect">
+                <a:avLst/>
+              </a:prstGeom>
+              <a:noFill/>
+            </p:spPr>
+            <p:txBody>
+              <a:bodyPr wrap="none" lIns="0" tIns="0" rIns="0" bIns="0" rtlCol="0">
+                <a:spAutoFit/>
+              </a:bodyPr>
+              <a:lstStyle/>
+              <a:p>
+                <a14:m>
+                  <m:oMathPara xmlns:m="http://schemas.openxmlformats.org/officeDocument/2006/math">
+                    <m:oMathParaPr>
+                      <m:jc m:val="centerGroup"/>
+                    </m:oMathParaPr>
+                    <m:oMath xmlns:m="http://schemas.openxmlformats.org/officeDocument/2006/math">
+                      <m:sSub>
+                        <m:sSubPr>
+                          <m:ctrlPr>
+                            <a:rPr lang="en-US" altLang="ko-KR" b="0" i="1" smtClean="0">
+                              <a:latin typeface="Cambria Math" panose="02040503050406030204" pitchFamily="18" charset="0"/>
+                            </a:rPr>
+                          </m:ctrlPr>
+                        </m:sSubPr>
+                        <m:e>
+                          <m:r>
+                            <a:rPr lang="en-US" altLang="ko-KR" b="0" i="1" smtClean="0">
+                              <a:latin typeface="Cambria Math" panose="02040503050406030204" pitchFamily="18" charset="0"/>
+                            </a:rPr>
+                            <m:t>𝑋</m:t>
+                          </m:r>
+                        </m:e>
+                        <m:sub>
+                          <m:r>
+                            <a:rPr lang="en-US" altLang="ko-KR" b="0" i="1" smtClean="0">
+                              <a:latin typeface="Cambria Math" panose="02040503050406030204" pitchFamily="18" charset="0"/>
+                            </a:rPr>
+                            <m:t>2</m:t>
+                          </m:r>
+                        </m:sub>
+                      </m:sSub>
+                    </m:oMath>
+                  </m:oMathPara>
+                </a14:m>
+                <a:endParaRPr lang="ko-KR" altLang="en-US"/>
+              </a:p>
+            </p:txBody>
+          </p:sp>
+        </mc:Choice>
+        <mc:Fallback>
+          <p:sp>
+            <p:nvSpPr>
+              <p:cNvPr id="38" name="TextBox 37">
+                <a:extLst>
+                  <a:ext uri="{FF2B5EF4-FFF2-40B4-BE49-F238E27FC236}">
+                    <a16:creationId xmlns:a16="http://schemas.microsoft.com/office/drawing/2014/main" id="{E30B30EF-1570-68EF-C7C4-01B3E6EBF900}"/>
+                  </a:ext>
+                </a:extLst>
+              </p:cNvPr>
+              <p:cNvSpPr txBox="1">
+                <a:spLocks noRot="1" noChangeAspect="1" noMove="1" noResize="1" noEditPoints="1" noAdjustHandles="1" noChangeArrowheads="1" noChangeShapeType="1" noTextEdit="1"/>
+              </p:cNvSpPr>
+              <p:nvPr/>
+            </p:nvSpPr>
+            <p:spPr>
+              <a:xfrm>
+                <a:off x="3088452" y="1372506"/>
+                <a:ext cx="328039" cy="276999"/>
+              </a:xfrm>
+              <a:prstGeom prst="rect">
+                <a:avLst/>
+              </a:prstGeom>
+              <a:blipFill>
+                <a:blip r:embed="rId25"/>
+                <a:stretch>
+                  <a:fillRect l="-13208" r="-3774" b="-19565"/>
+                </a:stretch>
+              </a:blipFill>
+            </p:spPr>
+            <p:txBody>
+              <a:bodyPr/>
+              <a:lstStyle/>
+              <a:p>
+                <a:r>
+                  <a:rPr lang="ko-KR" altLang="en-US">
+                    <a:noFill/>
+                  </a:rPr>
+                  <a:t> </a:t>
+                </a:r>
+              </a:p>
+            </p:txBody>
+          </p:sp>
+        </mc:Fallback>
+      </mc:AlternateContent>
+      <mc:AlternateContent xmlns:mc="http://schemas.openxmlformats.org/markup-compatibility/2006">
+        <mc:Choice xmlns:a14="http://schemas.microsoft.com/office/drawing/2010/main" Requires="a14">
+          <p:sp>
+            <p:nvSpPr>
+              <p:cNvPr id="39" name="TextBox 38">
+                <a:extLst>
+                  <a:ext uri="{FF2B5EF4-FFF2-40B4-BE49-F238E27FC236}">
+                    <a16:creationId xmlns:a16="http://schemas.microsoft.com/office/drawing/2014/main" id="{D201B781-AB78-EA4A-F95D-F05EDFFEBA41}"/>
+                  </a:ext>
+                </a:extLst>
+              </p:cNvPr>
+              <p:cNvSpPr txBox="1"/>
+              <p:nvPr/>
+            </p:nvSpPr>
+            <p:spPr>
+              <a:xfrm>
+                <a:off x="2517443" y="3503750"/>
+                <a:ext cx="328039" cy="276999"/>
+              </a:xfrm>
+              <a:prstGeom prst="rect">
+                <a:avLst/>
+              </a:prstGeom>
+              <a:noFill/>
+            </p:spPr>
+            <p:txBody>
+              <a:bodyPr wrap="none" lIns="0" tIns="0" rIns="0" bIns="0" rtlCol="0">
+                <a:spAutoFit/>
+              </a:bodyPr>
+              <a:lstStyle/>
+              <a:p>
+                <a14:m>
+                  <m:oMathPara xmlns:m="http://schemas.openxmlformats.org/officeDocument/2006/math">
+                    <m:oMathParaPr>
+                      <m:jc m:val="centerGroup"/>
+                    </m:oMathParaPr>
+                    <m:oMath xmlns:m="http://schemas.openxmlformats.org/officeDocument/2006/math">
+                      <m:sSub>
+                        <m:sSubPr>
+                          <m:ctrlPr>
+                            <a:rPr lang="en-US" altLang="ko-KR" b="0" i="1" smtClean="0">
+                              <a:latin typeface="Cambria Math" panose="02040503050406030204" pitchFamily="18" charset="0"/>
+                            </a:rPr>
+                          </m:ctrlPr>
+                        </m:sSubPr>
+                        <m:e>
+                          <m:r>
+                            <a:rPr lang="en-US" altLang="ko-KR" b="0" i="1" smtClean="0">
+                              <a:latin typeface="Cambria Math" panose="02040503050406030204" pitchFamily="18" charset="0"/>
+                            </a:rPr>
+                            <m:t>𝑋</m:t>
+                          </m:r>
+                        </m:e>
+                        <m:sub>
+                          <m:r>
+                            <a:rPr lang="en-US" altLang="ko-KR" b="0" i="1" smtClean="0">
+                              <a:latin typeface="Cambria Math" panose="02040503050406030204" pitchFamily="18" charset="0"/>
+                            </a:rPr>
+                            <m:t>3</m:t>
+                          </m:r>
+                        </m:sub>
+                      </m:sSub>
+                    </m:oMath>
+                  </m:oMathPara>
+                </a14:m>
+                <a:endParaRPr lang="ko-KR" altLang="en-US"/>
+              </a:p>
+            </p:txBody>
+          </p:sp>
+        </mc:Choice>
+        <mc:Fallback>
+          <p:sp>
+            <p:nvSpPr>
+              <p:cNvPr id="39" name="TextBox 38">
+                <a:extLst>
+                  <a:ext uri="{FF2B5EF4-FFF2-40B4-BE49-F238E27FC236}">
+                    <a16:creationId xmlns:a16="http://schemas.microsoft.com/office/drawing/2014/main" id="{D201B781-AB78-EA4A-F95D-F05EDFFEBA41}"/>
+                  </a:ext>
+                </a:extLst>
+              </p:cNvPr>
+              <p:cNvSpPr txBox="1">
+                <a:spLocks noRot="1" noChangeAspect="1" noMove="1" noResize="1" noEditPoints="1" noAdjustHandles="1" noChangeArrowheads="1" noChangeShapeType="1" noTextEdit="1"/>
+              </p:cNvSpPr>
+              <p:nvPr/>
+            </p:nvSpPr>
+            <p:spPr>
+              <a:xfrm>
+                <a:off x="2517443" y="3503750"/>
+                <a:ext cx="328039" cy="276999"/>
+              </a:xfrm>
+              <a:prstGeom prst="rect">
+                <a:avLst/>
+              </a:prstGeom>
+              <a:blipFill>
+                <a:blip r:embed="rId26"/>
+                <a:stretch>
+                  <a:fillRect l="-12963" r="-1852" b="-20000"/>
+                </a:stretch>
+              </a:blipFill>
+            </p:spPr>
+            <p:txBody>
+              <a:bodyPr/>
+              <a:lstStyle/>
+              <a:p>
+                <a:r>
+                  <a:rPr lang="ko-KR" altLang="en-US">
+                    <a:noFill/>
+                  </a:rPr>
+                  <a:t> </a:t>
+                </a:r>
+              </a:p>
+            </p:txBody>
+          </p:sp>
+        </mc:Fallback>
+      </mc:AlternateContent>
+      <p:sp>
+        <p:nvSpPr>
+          <p:cNvPr id="40" name="타원 39">
+            <a:extLst>
+              <a:ext uri="{FF2B5EF4-FFF2-40B4-BE49-F238E27FC236}">
+                <a16:creationId xmlns:a16="http://schemas.microsoft.com/office/drawing/2014/main" id="{7D21CEC8-FFDB-1E3D-8BFF-12985A2FAE1D}"/>
+              </a:ext>
+            </a:extLst>
+          </p:cNvPr>
+          <p:cNvSpPr/>
+          <p:nvPr/>
+        </p:nvSpPr>
+        <p:spPr>
+          <a:xfrm>
+            <a:off x="2848000" y="3834529"/>
+            <a:ext cx="78362" cy="78362"/>
+          </a:xfrm>
+          <a:prstGeom prst="ellipse">
+            <a:avLst/>
+          </a:prstGeom>
+        </p:spPr>
+        <p:style>
+          <a:lnRef idx="2">
+            <a:schemeClr val="dk1">
+              <a:shade val="15000"/>
+            </a:schemeClr>
+          </a:lnRef>
+          <a:fillRef idx="1">
+            <a:schemeClr val="dk1"/>
+          </a:fillRef>
+          <a:effectRef idx="0">
+            <a:schemeClr val="dk1"/>
+          </a:effectRef>
+          <a:fontRef idx="minor">
+            <a:schemeClr val="lt1"/>
+          </a:fontRef>
+        </p:style>
+        <p:txBody>
+          <a:bodyPr rtlCol="0" anchor="ctr"/>
+          <a:lstStyle/>
+          <a:p>
+            <a:pPr algn="ctr"/>
+            <a:endParaRPr lang="ko-KR" altLang="en-US" sz="1400"/>
+          </a:p>
+        </p:txBody>
+      </p:sp>
+      <mc:AlternateContent xmlns:mc="http://schemas.openxmlformats.org/markup-compatibility/2006">
+        <mc:Choice xmlns:a14="http://schemas.microsoft.com/office/drawing/2010/main" Requires="a14">
+          <p:sp>
+            <p:nvSpPr>
+              <p:cNvPr id="41" name="TextBox 40">
+                <a:extLst>
+                  <a:ext uri="{FF2B5EF4-FFF2-40B4-BE49-F238E27FC236}">
+                    <a16:creationId xmlns:a16="http://schemas.microsoft.com/office/drawing/2014/main" id="{11500CFA-D05B-DAA1-C273-0D4DBCFB5EEC}"/>
+                  </a:ext>
+                </a:extLst>
+              </p:cNvPr>
+              <p:cNvSpPr txBox="1"/>
+              <p:nvPr/>
+            </p:nvSpPr>
+            <p:spPr>
+              <a:xfrm>
+                <a:off x="3598995" y="2394651"/>
+                <a:ext cx="328039" cy="276999"/>
+              </a:xfrm>
+              <a:prstGeom prst="rect">
+                <a:avLst/>
+              </a:prstGeom>
+              <a:noFill/>
+            </p:spPr>
+            <p:txBody>
+              <a:bodyPr wrap="none" lIns="0" tIns="0" rIns="0" bIns="0" rtlCol="0">
+                <a:spAutoFit/>
+              </a:bodyPr>
+              <a:lstStyle/>
+              <a:p>
+                <a14:m>
+                  <m:oMathPara xmlns:m="http://schemas.openxmlformats.org/officeDocument/2006/math">
+                    <m:oMathParaPr>
+                      <m:jc m:val="centerGroup"/>
+                    </m:oMathParaPr>
+                    <m:oMath xmlns:m="http://schemas.openxmlformats.org/officeDocument/2006/math">
+                      <m:sSub>
+                        <m:sSubPr>
+                          <m:ctrlPr>
+                            <a:rPr lang="en-US" altLang="ko-KR" b="0" i="1" smtClean="0">
+                              <a:latin typeface="Cambria Math" panose="02040503050406030204" pitchFamily="18" charset="0"/>
+                            </a:rPr>
+                          </m:ctrlPr>
+                        </m:sSubPr>
+                        <m:e>
+                          <m:r>
+                            <a:rPr lang="en-US" altLang="ko-KR" b="0" i="1" smtClean="0">
+                              <a:latin typeface="Cambria Math" panose="02040503050406030204" pitchFamily="18" charset="0"/>
+                            </a:rPr>
+                            <m:t>𝑋</m:t>
+                          </m:r>
+                        </m:e>
+                        <m:sub>
+                          <m:r>
+                            <a:rPr lang="en-US" altLang="ko-KR" b="0" i="1" smtClean="0">
+                              <a:latin typeface="Cambria Math" panose="02040503050406030204" pitchFamily="18" charset="0"/>
+                            </a:rPr>
+                            <m:t>4</m:t>
+                          </m:r>
+                        </m:sub>
+                      </m:sSub>
+                    </m:oMath>
+                  </m:oMathPara>
+                </a14:m>
+                <a:endParaRPr lang="ko-KR" altLang="en-US"/>
+              </a:p>
+            </p:txBody>
+          </p:sp>
+        </mc:Choice>
+        <mc:Fallback>
+          <p:sp>
+            <p:nvSpPr>
+              <p:cNvPr id="41" name="TextBox 40">
+                <a:extLst>
+                  <a:ext uri="{FF2B5EF4-FFF2-40B4-BE49-F238E27FC236}">
+                    <a16:creationId xmlns:a16="http://schemas.microsoft.com/office/drawing/2014/main" id="{11500CFA-D05B-DAA1-C273-0D4DBCFB5EEC}"/>
+                  </a:ext>
+                </a:extLst>
+              </p:cNvPr>
+              <p:cNvSpPr txBox="1">
+                <a:spLocks noRot="1" noChangeAspect="1" noMove="1" noResize="1" noEditPoints="1" noAdjustHandles="1" noChangeArrowheads="1" noChangeShapeType="1" noTextEdit="1"/>
+              </p:cNvSpPr>
+              <p:nvPr/>
+            </p:nvSpPr>
+            <p:spPr>
+              <a:xfrm>
+                <a:off x="3598995" y="2394651"/>
+                <a:ext cx="328039" cy="276999"/>
+              </a:xfrm>
+              <a:prstGeom prst="rect">
+                <a:avLst/>
+              </a:prstGeom>
+              <a:blipFill>
+                <a:blip r:embed="rId27"/>
+                <a:stretch>
+                  <a:fillRect l="-11111" r="-3704" b="-20000"/>
+                </a:stretch>
+              </a:blipFill>
+            </p:spPr>
+            <p:txBody>
+              <a:bodyPr/>
+              <a:lstStyle/>
+              <a:p>
+                <a:r>
+                  <a:rPr lang="ko-KR" altLang="en-US">
+                    <a:noFill/>
+                  </a:rPr>
+                  <a:t> </a:t>
+                </a:r>
+              </a:p>
+            </p:txBody>
+          </p:sp>
+        </mc:Fallback>
+      </mc:AlternateContent>
+      <p:sp>
+        <p:nvSpPr>
+          <p:cNvPr id="42" name="타원 41">
+            <a:extLst>
+              <a:ext uri="{FF2B5EF4-FFF2-40B4-BE49-F238E27FC236}">
+                <a16:creationId xmlns:a16="http://schemas.microsoft.com/office/drawing/2014/main" id="{DFC0A44C-F68A-0BD7-E880-999A8ADD8EE8}"/>
+              </a:ext>
+            </a:extLst>
+          </p:cNvPr>
+          <p:cNvSpPr/>
+          <p:nvPr/>
+        </p:nvSpPr>
+        <p:spPr>
+          <a:xfrm>
+            <a:off x="3927034" y="2747414"/>
+            <a:ext cx="78362" cy="78362"/>
+          </a:xfrm>
+          <a:prstGeom prst="ellipse">
+            <a:avLst/>
+          </a:prstGeom>
+        </p:spPr>
+        <p:style>
+          <a:lnRef idx="2">
+            <a:schemeClr val="dk1">
+              <a:shade val="15000"/>
+            </a:schemeClr>
+          </a:lnRef>
+          <a:fillRef idx="1">
+            <a:schemeClr val="dk1"/>
+          </a:fillRef>
+          <a:effectRef idx="0">
+            <a:schemeClr val="dk1"/>
+          </a:effectRef>
+          <a:fontRef idx="minor">
+            <a:schemeClr val="lt1"/>
+          </a:fontRef>
+        </p:style>
+        <p:txBody>
+          <a:bodyPr rtlCol="0" anchor="ctr"/>
+          <a:lstStyle/>
+          <a:p>
+            <a:pPr algn="ctr"/>
+            <a:endParaRPr lang="ko-KR" altLang="en-US" sz="1400"/>
+          </a:p>
+        </p:txBody>
+      </p:sp>
+      <mc:AlternateContent xmlns:mc="http://schemas.openxmlformats.org/markup-compatibility/2006">
+        <mc:Choice xmlns:a14="http://schemas.microsoft.com/office/drawing/2010/main" Requires="a14">
+          <p:sp>
+            <p:nvSpPr>
+              <p:cNvPr id="43" name="TextBox 42">
+                <a:extLst>
+                  <a:ext uri="{FF2B5EF4-FFF2-40B4-BE49-F238E27FC236}">
+                    <a16:creationId xmlns:a16="http://schemas.microsoft.com/office/drawing/2014/main" id="{204E6B69-CBDC-F5E5-972D-6780B33E22A0}"/>
+                  </a:ext>
+                </a:extLst>
+              </p:cNvPr>
+              <p:cNvSpPr txBox="1"/>
+              <p:nvPr/>
+            </p:nvSpPr>
+            <p:spPr>
+              <a:xfrm>
+                <a:off x="4133783" y="4604451"/>
+                <a:ext cx="328039" cy="276999"/>
+              </a:xfrm>
+              <a:prstGeom prst="rect">
+                <a:avLst/>
+              </a:prstGeom>
+              <a:noFill/>
+            </p:spPr>
+            <p:txBody>
+              <a:bodyPr wrap="none" lIns="0" tIns="0" rIns="0" bIns="0" rtlCol="0">
+                <a:spAutoFit/>
+              </a:bodyPr>
+              <a:lstStyle/>
+              <a:p>
+                <a14:m>
+                  <m:oMathPara xmlns:m="http://schemas.openxmlformats.org/officeDocument/2006/math">
+                    <m:oMathParaPr>
+                      <m:jc m:val="centerGroup"/>
+                    </m:oMathParaPr>
+                    <m:oMath xmlns:m="http://schemas.openxmlformats.org/officeDocument/2006/math">
+                      <m:sSub>
+                        <m:sSubPr>
+                          <m:ctrlPr>
+                            <a:rPr lang="en-US" altLang="ko-KR" b="0" i="1" smtClean="0">
+                              <a:latin typeface="Cambria Math" panose="02040503050406030204" pitchFamily="18" charset="0"/>
+                            </a:rPr>
+                          </m:ctrlPr>
+                        </m:sSubPr>
+                        <m:e>
+                          <m:r>
+                            <a:rPr lang="en-US" altLang="ko-KR" b="0" i="1" smtClean="0">
+                              <a:latin typeface="Cambria Math" panose="02040503050406030204" pitchFamily="18" charset="0"/>
+                            </a:rPr>
+                            <m:t>𝑋</m:t>
+                          </m:r>
+                        </m:e>
+                        <m:sub>
+                          <m:r>
+                            <a:rPr lang="en-US" altLang="ko-KR" b="0" i="1" smtClean="0">
+                              <a:latin typeface="Cambria Math" panose="02040503050406030204" pitchFamily="18" charset="0"/>
+                            </a:rPr>
+                            <m:t>6</m:t>
+                          </m:r>
+                        </m:sub>
+                      </m:sSub>
+                    </m:oMath>
+                  </m:oMathPara>
+                </a14:m>
+                <a:endParaRPr lang="ko-KR" altLang="en-US"/>
+              </a:p>
+            </p:txBody>
+          </p:sp>
+        </mc:Choice>
+        <mc:Fallback>
+          <p:sp>
+            <p:nvSpPr>
+              <p:cNvPr id="43" name="TextBox 42">
+                <a:extLst>
+                  <a:ext uri="{FF2B5EF4-FFF2-40B4-BE49-F238E27FC236}">
+                    <a16:creationId xmlns:a16="http://schemas.microsoft.com/office/drawing/2014/main" id="{204E6B69-CBDC-F5E5-972D-6780B33E22A0}"/>
+                  </a:ext>
+                </a:extLst>
+              </p:cNvPr>
+              <p:cNvSpPr txBox="1">
+                <a:spLocks noRot="1" noChangeAspect="1" noMove="1" noResize="1" noEditPoints="1" noAdjustHandles="1" noChangeArrowheads="1" noChangeShapeType="1" noTextEdit="1"/>
+              </p:cNvSpPr>
+              <p:nvPr/>
+            </p:nvSpPr>
+            <p:spPr>
+              <a:xfrm>
+                <a:off x="4133783" y="4604451"/>
+                <a:ext cx="328039" cy="276999"/>
+              </a:xfrm>
+              <a:prstGeom prst="rect">
+                <a:avLst/>
+              </a:prstGeom>
+              <a:blipFill>
+                <a:blip r:embed="rId28"/>
+                <a:stretch>
+                  <a:fillRect l="-11111" r="-3704" b="-19565"/>
+                </a:stretch>
+              </a:blipFill>
+            </p:spPr>
+            <p:txBody>
+              <a:bodyPr/>
+              <a:lstStyle/>
+              <a:p>
+                <a:r>
+                  <a:rPr lang="ko-KR" altLang="en-US">
+                    <a:noFill/>
+                  </a:rPr>
+                  <a:t> </a:t>
+                </a:r>
+              </a:p>
+            </p:txBody>
+          </p:sp>
+        </mc:Fallback>
+      </mc:AlternateContent>
+      <p:sp>
+        <p:nvSpPr>
+          <p:cNvPr id="44" name="타원 43">
+            <a:extLst>
+              <a:ext uri="{FF2B5EF4-FFF2-40B4-BE49-F238E27FC236}">
+                <a16:creationId xmlns:a16="http://schemas.microsoft.com/office/drawing/2014/main" id="{1483BD11-9C77-B3E2-B829-4487C0983C74}"/>
+              </a:ext>
+            </a:extLst>
+          </p:cNvPr>
+          <p:cNvSpPr/>
+          <p:nvPr/>
+        </p:nvSpPr>
+        <p:spPr>
+          <a:xfrm>
+            <a:off x="4474620" y="4904790"/>
+            <a:ext cx="78362" cy="78362"/>
+          </a:xfrm>
+          <a:prstGeom prst="ellipse">
+            <a:avLst/>
+          </a:prstGeom>
+        </p:spPr>
+        <p:style>
+          <a:lnRef idx="2">
+            <a:schemeClr val="dk1">
+              <a:shade val="15000"/>
+            </a:schemeClr>
+          </a:lnRef>
+          <a:fillRef idx="1">
+            <a:schemeClr val="dk1"/>
+          </a:fillRef>
+          <a:effectRef idx="0">
+            <a:schemeClr val="dk1"/>
+          </a:effectRef>
+          <a:fontRef idx="minor">
+            <a:schemeClr val="lt1"/>
+          </a:fontRef>
+        </p:style>
+        <p:txBody>
+          <a:bodyPr rtlCol="0" anchor="ctr"/>
+          <a:lstStyle/>
+          <a:p>
+            <a:pPr algn="ctr"/>
+            <a:endParaRPr lang="ko-KR" altLang="en-US" sz="1400"/>
+          </a:p>
+        </p:txBody>
+      </p:sp>
+      <mc:AlternateContent xmlns:mc="http://schemas.openxmlformats.org/markup-compatibility/2006">
+        <mc:Choice xmlns:a14="http://schemas.microsoft.com/office/drawing/2010/main" Requires="a14">
+          <p:sp>
+            <p:nvSpPr>
+              <p:cNvPr id="45" name="TextBox 44">
+                <a:extLst>
+                  <a:ext uri="{FF2B5EF4-FFF2-40B4-BE49-F238E27FC236}">
+                    <a16:creationId xmlns:a16="http://schemas.microsoft.com/office/drawing/2014/main" id="{60267E29-FED0-2ABD-EDEA-FB1FF88EB72B}"/>
+                  </a:ext>
+                </a:extLst>
+              </p:cNvPr>
+              <p:cNvSpPr txBox="1"/>
+              <p:nvPr/>
+            </p:nvSpPr>
+            <p:spPr>
+              <a:xfrm>
+                <a:off x="5113239" y="4036302"/>
+                <a:ext cx="328039" cy="276999"/>
+              </a:xfrm>
+              <a:prstGeom prst="rect">
+                <a:avLst/>
+              </a:prstGeom>
+              <a:noFill/>
+            </p:spPr>
+            <p:txBody>
+              <a:bodyPr wrap="none" lIns="0" tIns="0" rIns="0" bIns="0" rtlCol="0">
+                <a:spAutoFit/>
+              </a:bodyPr>
+              <a:lstStyle/>
+              <a:p>
+                <a14:m>
+                  <m:oMathPara xmlns:m="http://schemas.openxmlformats.org/officeDocument/2006/math">
+                    <m:oMathParaPr>
+                      <m:jc m:val="centerGroup"/>
+                    </m:oMathParaPr>
+                    <m:oMath xmlns:m="http://schemas.openxmlformats.org/officeDocument/2006/math">
+                      <m:sSub>
+                        <m:sSubPr>
+                          <m:ctrlPr>
+                            <a:rPr lang="en-US" altLang="ko-KR" b="0" i="1" smtClean="0">
+                              <a:latin typeface="Cambria Math" panose="02040503050406030204" pitchFamily="18" charset="0"/>
+                            </a:rPr>
+                          </m:ctrlPr>
+                        </m:sSubPr>
+                        <m:e>
+                          <m:r>
+                            <a:rPr lang="en-US" altLang="ko-KR" b="0" i="1" smtClean="0">
+                              <a:latin typeface="Cambria Math" panose="02040503050406030204" pitchFamily="18" charset="0"/>
+                            </a:rPr>
+                            <m:t>𝑋</m:t>
+                          </m:r>
+                        </m:e>
+                        <m:sub>
+                          <m:r>
+                            <a:rPr lang="en-US" altLang="ko-KR" b="0" i="1" smtClean="0">
+                              <a:latin typeface="Cambria Math" panose="02040503050406030204" pitchFamily="18" charset="0"/>
+                            </a:rPr>
+                            <m:t>7</m:t>
+                          </m:r>
+                        </m:sub>
+                      </m:sSub>
+                    </m:oMath>
+                  </m:oMathPara>
+                </a14:m>
+                <a:endParaRPr lang="ko-KR" altLang="en-US"/>
+              </a:p>
+            </p:txBody>
+          </p:sp>
+        </mc:Choice>
+        <mc:Fallback>
+          <p:sp>
+            <p:nvSpPr>
+              <p:cNvPr id="45" name="TextBox 44">
+                <a:extLst>
+                  <a:ext uri="{FF2B5EF4-FFF2-40B4-BE49-F238E27FC236}">
+                    <a16:creationId xmlns:a16="http://schemas.microsoft.com/office/drawing/2014/main" id="{60267E29-FED0-2ABD-EDEA-FB1FF88EB72B}"/>
+                  </a:ext>
+                </a:extLst>
+              </p:cNvPr>
+              <p:cNvSpPr txBox="1">
+                <a:spLocks noRot="1" noChangeAspect="1" noMove="1" noResize="1" noEditPoints="1" noAdjustHandles="1" noChangeArrowheads="1" noChangeShapeType="1" noTextEdit="1"/>
+              </p:cNvSpPr>
+              <p:nvPr/>
+            </p:nvSpPr>
+            <p:spPr>
+              <a:xfrm>
+                <a:off x="5113239" y="4036302"/>
+                <a:ext cx="328039" cy="276999"/>
+              </a:xfrm>
+              <a:prstGeom prst="rect">
+                <a:avLst/>
+              </a:prstGeom>
+              <a:blipFill>
+                <a:blip r:embed="rId29"/>
+                <a:stretch>
+                  <a:fillRect l="-12963" r="-1852" b="-19565"/>
+                </a:stretch>
+              </a:blipFill>
+            </p:spPr>
+            <p:txBody>
+              <a:bodyPr/>
+              <a:lstStyle/>
+              <a:p>
+                <a:r>
+                  <a:rPr lang="ko-KR" altLang="en-US">
+                    <a:noFill/>
+                  </a:rPr>
+                  <a:t> </a:t>
+                </a:r>
+              </a:p>
+            </p:txBody>
+          </p:sp>
+        </mc:Fallback>
+      </mc:AlternateContent>
+      <p:sp>
+        <p:nvSpPr>
+          <p:cNvPr id="46" name="타원 45">
+            <a:extLst>
+              <a:ext uri="{FF2B5EF4-FFF2-40B4-BE49-F238E27FC236}">
+                <a16:creationId xmlns:a16="http://schemas.microsoft.com/office/drawing/2014/main" id="{263E28B8-B7F6-E44E-4B74-9A52B3B7E4D0}"/>
+              </a:ext>
+            </a:extLst>
+          </p:cNvPr>
+          <p:cNvSpPr/>
+          <p:nvPr/>
+        </p:nvSpPr>
+        <p:spPr>
+          <a:xfrm>
+            <a:off x="5277259" y="4373438"/>
+            <a:ext cx="78362" cy="78362"/>
+          </a:xfrm>
+          <a:prstGeom prst="ellipse">
+            <a:avLst/>
+          </a:prstGeom>
+        </p:spPr>
+        <p:style>
+          <a:lnRef idx="2">
+            <a:schemeClr val="dk1">
+              <a:shade val="15000"/>
+            </a:schemeClr>
+          </a:lnRef>
+          <a:fillRef idx="1">
+            <a:schemeClr val="dk1"/>
+          </a:fillRef>
+          <a:effectRef idx="0">
+            <a:schemeClr val="dk1"/>
+          </a:effectRef>
+          <a:fontRef idx="minor">
+            <a:schemeClr val="lt1"/>
+          </a:fontRef>
+        </p:style>
+        <p:txBody>
+          <a:bodyPr rtlCol="0" anchor="ctr"/>
+          <a:lstStyle/>
+          <a:p>
+            <a:pPr algn="ctr"/>
+            <a:endParaRPr lang="ko-KR" altLang="en-US" sz="1400"/>
+          </a:p>
+        </p:txBody>
+      </p:sp>
+      <mc:AlternateContent xmlns:mc="http://schemas.openxmlformats.org/markup-compatibility/2006">
+        <mc:Choice xmlns:a14="http://schemas.microsoft.com/office/drawing/2010/main" Requires="a14">
+          <p:sp>
+            <p:nvSpPr>
+              <p:cNvPr id="47" name="TextBox 46">
+                <a:extLst>
+                  <a:ext uri="{FF2B5EF4-FFF2-40B4-BE49-F238E27FC236}">
+                    <a16:creationId xmlns:a16="http://schemas.microsoft.com/office/drawing/2014/main" id="{6F0DA67A-88DE-29B5-0F83-295E0AE0A4E8}"/>
+                  </a:ext>
+                </a:extLst>
+              </p:cNvPr>
+              <p:cNvSpPr txBox="1"/>
+              <p:nvPr/>
+            </p:nvSpPr>
+            <p:spPr>
+              <a:xfrm>
+                <a:off x="5790821" y="3002269"/>
+                <a:ext cx="328039" cy="276999"/>
+              </a:xfrm>
+              <a:prstGeom prst="rect">
+                <a:avLst/>
+              </a:prstGeom>
+              <a:noFill/>
+            </p:spPr>
+            <p:txBody>
+              <a:bodyPr wrap="none" lIns="0" tIns="0" rIns="0" bIns="0" rtlCol="0">
+                <a:spAutoFit/>
+              </a:bodyPr>
+              <a:lstStyle/>
+              <a:p>
+                <a14:m>
+                  <m:oMathPara xmlns:m="http://schemas.openxmlformats.org/officeDocument/2006/math">
+                    <m:oMathParaPr>
+                      <m:jc m:val="centerGroup"/>
+                    </m:oMathParaPr>
+                    <m:oMath xmlns:m="http://schemas.openxmlformats.org/officeDocument/2006/math">
+                      <m:sSub>
+                        <m:sSubPr>
+                          <m:ctrlPr>
+                            <a:rPr lang="en-US" altLang="ko-KR" b="0" i="1" smtClean="0">
+                              <a:latin typeface="Cambria Math" panose="02040503050406030204" pitchFamily="18" charset="0"/>
+                            </a:rPr>
+                          </m:ctrlPr>
+                        </m:sSubPr>
+                        <m:e>
+                          <m:r>
+                            <a:rPr lang="en-US" altLang="ko-KR" b="0" i="1" smtClean="0">
+                              <a:latin typeface="Cambria Math" panose="02040503050406030204" pitchFamily="18" charset="0"/>
+                            </a:rPr>
+                            <m:t>𝑋</m:t>
+                          </m:r>
+                        </m:e>
+                        <m:sub>
+                          <m:r>
+                            <a:rPr lang="en-US" altLang="ko-KR" b="0" i="1" smtClean="0">
+                              <a:latin typeface="Cambria Math" panose="02040503050406030204" pitchFamily="18" charset="0"/>
+                            </a:rPr>
+                            <m:t>8</m:t>
+                          </m:r>
+                        </m:sub>
+                      </m:sSub>
+                    </m:oMath>
+                  </m:oMathPara>
+                </a14:m>
+                <a:endParaRPr lang="ko-KR" altLang="en-US"/>
+              </a:p>
+            </p:txBody>
+          </p:sp>
+        </mc:Choice>
+        <mc:Fallback>
+          <p:sp>
+            <p:nvSpPr>
+              <p:cNvPr id="47" name="TextBox 46">
+                <a:extLst>
+                  <a:ext uri="{FF2B5EF4-FFF2-40B4-BE49-F238E27FC236}">
+                    <a16:creationId xmlns:a16="http://schemas.microsoft.com/office/drawing/2014/main" id="{6F0DA67A-88DE-29B5-0F83-295E0AE0A4E8}"/>
+                  </a:ext>
+                </a:extLst>
+              </p:cNvPr>
+              <p:cNvSpPr txBox="1">
+                <a:spLocks noRot="1" noChangeAspect="1" noMove="1" noResize="1" noEditPoints="1" noAdjustHandles="1" noChangeArrowheads="1" noChangeShapeType="1" noTextEdit="1"/>
+              </p:cNvSpPr>
+              <p:nvPr/>
+            </p:nvSpPr>
+            <p:spPr>
+              <a:xfrm>
+                <a:off x="5790821" y="3002269"/>
+                <a:ext cx="328039" cy="276999"/>
+              </a:xfrm>
+              <a:prstGeom prst="rect">
+                <a:avLst/>
+              </a:prstGeom>
+              <a:blipFill>
+                <a:blip r:embed="rId30"/>
+                <a:stretch>
+                  <a:fillRect l="-12963" r="-1852" b="-19565"/>
+                </a:stretch>
+              </a:blipFill>
+            </p:spPr>
+            <p:txBody>
+              <a:bodyPr/>
+              <a:lstStyle/>
+              <a:p>
+                <a:r>
+                  <a:rPr lang="ko-KR" altLang="en-US">
+                    <a:noFill/>
+                  </a:rPr>
+                  <a:t> </a:t>
+                </a:r>
+              </a:p>
+            </p:txBody>
+          </p:sp>
+        </mc:Fallback>
+      </mc:AlternateContent>
+      <p:sp>
+        <p:nvSpPr>
+          <p:cNvPr id="48" name="타원 47">
+            <a:extLst>
+              <a:ext uri="{FF2B5EF4-FFF2-40B4-BE49-F238E27FC236}">
+                <a16:creationId xmlns:a16="http://schemas.microsoft.com/office/drawing/2014/main" id="{6D2BC4B1-2875-4CD3-423E-623B28FC65CF}"/>
+              </a:ext>
+            </a:extLst>
+          </p:cNvPr>
+          <p:cNvSpPr/>
+          <p:nvPr/>
+        </p:nvSpPr>
+        <p:spPr>
+          <a:xfrm>
+            <a:off x="6088380" y="3299327"/>
+            <a:ext cx="78362" cy="78362"/>
+          </a:xfrm>
+          <a:prstGeom prst="ellipse">
+            <a:avLst/>
+          </a:prstGeom>
+        </p:spPr>
+        <p:style>
+          <a:lnRef idx="2">
+            <a:schemeClr val="dk1">
+              <a:shade val="15000"/>
+            </a:schemeClr>
+          </a:lnRef>
+          <a:fillRef idx="1">
+            <a:schemeClr val="dk1"/>
+          </a:fillRef>
+          <a:effectRef idx="0">
+            <a:schemeClr val="dk1"/>
+          </a:effectRef>
+          <a:fontRef idx="minor">
+            <a:schemeClr val="lt1"/>
+          </a:fontRef>
+        </p:style>
+        <p:txBody>
+          <a:bodyPr rtlCol="0" anchor="ctr"/>
+          <a:lstStyle/>
+          <a:p>
+            <a:pPr algn="ctr"/>
+            <a:endParaRPr lang="ko-KR" altLang="en-US" sz="1400"/>
+          </a:p>
+        </p:txBody>
+      </p:sp>
+      <mc:AlternateContent xmlns:mc="http://schemas.openxmlformats.org/markup-compatibility/2006">
+        <mc:Choice xmlns:a14="http://schemas.microsoft.com/office/drawing/2010/main" Requires="a14">
+          <p:sp>
+            <p:nvSpPr>
+              <p:cNvPr id="49" name="TextBox 48">
+                <a:extLst>
+                  <a:ext uri="{FF2B5EF4-FFF2-40B4-BE49-F238E27FC236}">
+                    <a16:creationId xmlns:a16="http://schemas.microsoft.com/office/drawing/2014/main" id="{43222614-A92D-D82D-A64A-4B9713936FA1}"/>
+                  </a:ext>
+                </a:extLst>
+              </p:cNvPr>
+              <p:cNvSpPr txBox="1"/>
+              <p:nvPr/>
+            </p:nvSpPr>
+            <p:spPr>
+              <a:xfrm>
+                <a:off x="6840648" y="3541899"/>
+                <a:ext cx="323229" cy="276999"/>
+              </a:xfrm>
+              <a:prstGeom prst="rect">
+                <a:avLst/>
+              </a:prstGeom>
+              <a:noFill/>
+            </p:spPr>
+            <p:txBody>
+              <a:bodyPr wrap="none" lIns="0" tIns="0" rIns="0" bIns="0" rtlCol="0">
+                <a:spAutoFit/>
+              </a:bodyPr>
+              <a:lstStyle/>
+              <a:p>
+                <a14:m>
+                  <m:oMathPara xmlns:m="http://schemas.openxmlformats.org/officeDocument/2006/math">
+                    <m:oMathParaPr>
+                      <m:jc m:val="centerGroup"/>
+                    </m:oMathParaPr>
+                    <m:oMath xmlns:m="http://schemas.openxmlformats.org/officeDocument/2006/math">
+                      <m:sSub>
+                        <m:sSubPr>
+                          <m:ctrlPr>
+                            <a:rPr lang="en-US" altLang="ko-KR" b="0" i="1" smtClean="0">
+                              <a:latin typeface="Cambria Math" panose="02040503050406030204" pitchFamily="18" charset="0"/>
+                            </a:rPr>
+                          </m:ctrlPr>
+                        </m:sSubPr>
+                        <m:e>
+                          <m:r>
+                            <a:rPr lang="en-US" altLang="ko-KR" b="0" i="1" smtClean="0">
+                              <a:latin typeface="Cambria Math" panose="02040503050406030204" pitchFamily="18" charset="0"/>
+                            </a:rPr>
+                            <m:t>𝑋</m:t>
+                          </m:r>
+                        </m:e>
+                        <m:sub>
+                          <m:r>
+                            <a:rPr lang="en-US" altLang="ko-KR" b="0" i="1" smtClean="0">
+                              <a:latin typeface="Cambria Math" panose="02040503050406030204" pitchFamily="18" charset="0"/>
+                            </a:rPr>
+                            <m:t>9</m:t>
+                          </m:r>
+                        </m:sub>
+                      </m:sSub>
+                    </m:oMath>
+                  </m:oMathPara>
+                </a14:m>
+                <a:endParaRPr lang="ko-KR" altLang="en-US"/>
+              </a:p>
+            </p:txBody>
+          </p:sp>
+        </mc:Choice>
+        <mc:Fallback>
+          <p:sp>
+            <p:nvSpPr>
+              <p:cNvPr id="49" name="TextBox 48">
+                <a:extLst>
+                  <a:ext uri="{FF2B5EF4-FFF2-40B4-BE49-F238E27FC236}">
+                    <a16:creationId xmlns:a16="http://schemas.microsoft.com/office/drawing/2014/main" id="{43222614-A92D-D82D-A64A-4B9713936FA1}"/>
+                  </a:ext>
+                </a:extLst>
+              </p:cNvPr>
+              <p:cNvSpPr txBox="1">
+                <a:spLocks noRot="1" noChangeAspect="1" noMove="1" noResize="1" noEditPoints="1" noAdjustHandles="1" noChangeArrowheads="1" noChangeShapeType="1" noTextEdit="1"/>
+              </p:cNvSpPr>
+              <p:nvPr/>
+            </p:nvSpPr>
+            <p:spPr>
+              <a:xfrm>
+                <a:off x="6840648" y="3541899"/>
+                <a:ext cx="323229" cy="276999"/>
+              </a:xfrm>
+              <a:prstGeom prst="rect">
+                <a:avLst/>
+              </a:prstGeom>
+              <a:blipFill>
+                <a:blip r:embed="rId31"/>
+                <a:stretch>
+                  <a:fillRect l="-11321" r="-3774" b="-22222"/>
+                </a:stretch>
+              </a:blipFill>
+            </p:spPr>
+            <p:txBody>
+              <a:bodyPr/>
+              <a:lstStyle/>
+              <a:p>
+                <a:r>
+                  <a:rPr lang="ko-KR" altLang="en-US">
+                    <a:noFill/>
+                  </a:rPr>
+                  <a:t> </a:t>
+                </a:r>
+              </a:p>
+            </p:txBody>
+          </p:sp>
+        </mc:Fallback>
+      </mc:AlternateContent>
+      <p:sp>
+        <p:nvSpPr>
+          <p:cNvPr id="50" name="타원 49">
+            <a:extLst>
+              <a:ext uri="{FF2B5EF4-FFF2-40B4-BE49-F238E27FC236}">
+                <a16:creationId xmlns:a16="http://schemas.microsoft.com/office/drawing/2014/main" id="{A9F2ECAD-E89C-28EC-CC64-A4DFEEE8FAF8}"/>
+              </a:ext>
+            </a:extLst>
+          </p:cNvPr>
+          <p:cNvSpPr/>
+          <p:nvPr/>
+        </p:nvSpPr>
+        <p:spPr>
+          <a:xfrm>
+            <a:off x="7166067" y="3823501"/>
+            <a:ext cx="78362" cy="78362"/>
+          </a:xfrm>
+          <a:prstGeom prst="ellipse">
+            <a:avLst/>
+          </a:prstGeom>
+        </p:spPr>
+        <p:style>
+          <a:lnRef idx="2">
+            <a:schemeClr val="dk1">
+              <a:shade val="15000"/>
+            </a:schemeClr>
+          </a:lnRef>
+          <a:fillRef idx="1">
+            <a:schemeClr val="dk1"/>
+          </a:fillRef>
+          <a:effectRef idx="0">
+            <a:schemeClr val="dk1"/>
+          </a:effectRef>
+          <a:fontRef idx="minor">
+            <a:schemeClr val="lt1"/>
+          </a:fontRef>
+        </p:style>
+        <p:txBody>
+          <a:bodyPr rtlCol="0" anchor="ctr"/>
+          <a:lstStyle/>
+          <a:p>
+            <a:pPr algn="ctr"/>
+            <a:endParaRPr lang="ko-KR" altLang="en-US" sz="1400"/>
+          </a:p>
+        </p:txBody>
+      </p:sp>
+      <mc:AlternateContent xmlns:mc="http://schemas.openxmlformats.org/markup-compatibility/2006">
+        <mc:Choice xmlns:a14="http://schemas.microsoft.com/office/drawing/2010/main" Requires="a14">
+          <p:sp>
+            <p:nvSpPr>
+              <p:cNvPr id="52" name="TextBox 51">
+                <a:extLst>
+                  <a:ext uri="{FF2B5EF4-FFF2-40B4-BE49-F238E27FC236}">
+                    <a16:creationId xmlns:a16="http://schemas.microsoft.com/office/drawing/2014/main" id="{5A9EFE00-6C44-2EE3-AB72-D520CA9C6390}"/>
+                  </a:ext>
+                </a:extLst>
+              </p:cNvPr>
+              <p:cNvSpPr txBox="1"/>
+              <p:nvPr/>
+            </p:nvSpPr>
+            <p:spPr>
+              <a:xfrm>
+                <a:off x="7566329" y="326678"/>
+                <a:ext cx="338234" cy="276999"/>
+              </a:xfrm>
+              <a:prstGeom prst="rect">
+                <a:avLst/>
+              </a:prstGeom>
+              <a:noFill/>
+            </p:spPr>
+            <p:txBody>
+              <a:bodyPr wrap="none" lIns="0" tIns="0" rIns="0" bIns="0" rtlCol="0">
+                <a:spAutoFit/>
+              </a:bodyPr>
+              <a:lstStyle/>
+              <a:p>
+                <a14:m>
+                  <m:oMathPara xmlns:m="http://schemas.openxmlformats.org/officeDocument/2006/math">
+                    <m:oMathParaPr>
+                      <m:jc m:val="centerGroup"/>
+                    </m:oMathParaPr>
+                    <m:oMath xmlns:m="http://schemas.openxmlformats.org/officeDocument/2006/math">
+                      <m:r>
+                        <a:rPr lang="en-US" altLang="ko-KR" b="0" i="1" smtClean="0">
+                          <a:latin typeface="Cambria Math" panose="02040503050406030204" pitchFamily="18" charset="0"/>
+                        </a:rPr>
+                        <m:t>11</m:t>
+                      </m:r>
+                    </m:oMath>
+                  </m:oMathPara>
+                </a14:m>
+                <a:endParaRPr lang="ko-KR" altLang="en-US"/>
+              </a:p>
+            </p:txBody>
+          </p:sp>
+        </mc:Choice>
+        <mc:Fallback>
+          <p:sp>
+            <p:nvSpPr>
+              <p:cNvPr id="52" name="TextBox 51">
+                <a:extLst>
+                  <a:ext uri="{FF2B5EF4-FFF2-40B4-BE49-F238E27FC236}">
+                    <a16:creationId xmlns:a16="http://schemas.microsoft.com/office/drawing/2014/main" id="{5A9EFE00-6C44-2EE3-AB72-D520CA9C6390}"/>
+                  </a:ext>
+                </a:extLst>
+              </p:cNvPr>
+              <p:cNvSpPr txBox="1">
+                <a:spLocks noRot="1" noChangeAspect="1" noMove="1" noResize="1" noEditPoints="1" noAdjustHandles="1" noChangeArrowheads="1" noChangeShapeType="1" noTextEdit="1"/>
+              </p:cNvSpPr>
+              <p:nvPr/>
+            </p:nvSpPr>
+            <p:spPr>
+              <a:xfrm>
+                <a:off x="7566329" y="326678"/>
+                <a:ext cx="338234" cy="276999"/>
+              </a:xfrm>
+              <a:prstGeom prst="rect">
+                <a:avLst/>
+              </a:prstGeom>
+              <a:blipFill>
+                <a:blip r:embed="rId32"/>
+                <a:stretch>
+                  <a:fillRect l="-10714" r="-12500" b="-11111"/>
+                </a:stretch>
+              </a:blipFill>
+            </p:spPr>
+            <p:txBody>
+              <a:bodyPr/>
+              <a:lstStyle/>
+              <a:p>
+                <a:r>
+                  <a:rPr lang="ko-KR" altLang="en-US">
+                    <a:noFill/>
+                  </a:rPr>
+                  <a:t> </a:t>
+                </a:r>
+              </a:p>
+            </p:txBody>
+          </p:sp>
+        </mc:Fallback>
+      </mc:AlternateContent>
+      <mc:AlternateContent xmlns:mc="http://schemas.openxmlformats.org/markup-compatibility/2006">
+        <mc:Choice xmlns:a14="http://schemas.microsoft.com/office/drawing/2010/main" Requires="a14">
+          <p:sp>
+            <p:nvSpPr>
+              <p:cNvPr id="53" name="TextBox 52">
+                <a:extLst>
+                  <a:ext uri="{FF2B5EF4-FFF2-40B4-BE49-F238E27FC236}">
+                    <a16:creationId xmlns:a16="http://schemas.microsoft.com/office/drawing/2014/main" id="{6BE40EE0-17E1-169E-A385-D87C9640CF0F}"/>
+                  </a:ext>
+                </a:extLst>
+              </p:cNvPr>
+              <p:cNvSpPr txBox="1"/>
+              <p:nvPr/>
+            </p:nvSpPr>
+            <p:spPr>
+              <a:xfrm>
+                <a:off x="7334462" y="3541899"/>
+                <a:ext cx="420500" cy="276999"/>
+              </a:xfrm>
+              <a:prstGeom prst="rect">
+                <a:avLst/>
+              </a:prstGeom>
+              <a:noFill/>
+            </p:spPr>
+            <p:txBody>
+              <a:bodyPr wrap="none" lIns="0" tIns="0" rIns="0" bIns="0" rtlCol="0">
+                <a:spAutoFit/>
+              </a:bodyPr>
+              <a:lstStyle/>
+              <a:p>
+                <a14:m>
+                  <m:oMathPara xmlns:m="http://schemas.openxmlformats.org/officeDocument/2006/math">
+                    <m:oMathParaPr>
+                      <m:jc m:val="centerGroup"/>
+                    </m:oMathParaPr>
+                    <m:oMath xmlns:m="http://schemas.openxmlformats.org/officeDocument/2006/math">
+                      <m:sSub>
+                        <m:sSubPr>
+                          <m:ctrlPr>
+                            <a:rPr lang="en-US" altLang="ko-KR" b="0" i="1" smtClean="0">
+                              <a:latin typeface="Cambria Math" panose="02040503050406030204" pitchFamily="18" charset="0"/>
+                            </a:rPr>
+                          </m:ctrlPr>
+                        </m:sSubPr>
+                        <m:e>
+                          <m:r>
+                            <a:rPr lang="en-US" altLang="ko-KR" b="0" i="1" smtClean="0">
+                              <a:latin typeface="Cambria Math" panose="02040503050406030204" pitchFamily="18" charset="0"/>
+                            </a:rPr>
+                            <m:t>𝑋</m:t>
+                          </m:r>
+                        </m:e>
+                        <m:sub>
+                          <m:r>
+                            <a:rPr lang="en-US" altLang="ko-KR" b="0" i="1" smtClean="0">
+                              <a:latin typeface="Cambria Math" panose="02040503050406030204" pitchFamily="18" charset="0"/>
+                            </a:rPr>
+                            <m:t>10</m:t>
+                          </m:r>
+                        </m:sub>
+                      </m:sSub>
+                    </m:oMath>
+                  </m:oMathPara>
+                </a14:m>
+                <a:endParaRPr lang="ko-KR" altLang="en-US"/>
+              </a:p>
+            </p:txBody>
+          </p:sp>
+        </mc:Choice>
+        <mc:Fallback>
+          <p:sp>
+            <p:nvSpPr>
+              <p:cNvPr id="53" name="TextBox 52">
+                <a:extLst>
+                  <a:ext uri="{FF2B5EF4-FFF2-40B4-BE49-F238E27FC236}">
+                    <a16:creationId xmlns:a16="http://schemas.microsoft.com/office/drawing/2014/main" id="{6BE40EE0-17E1-169E-A385-D87C9640CF0F}"/>
+                  </a:ext>
+                </a:extLst>
+              </p:cNvPr>
+              <p:cNvSpPr txBox="1">
+                <a:spLocks noRot="1" noChangeAspect="1" noMove="1" noResize="1" noEditPoints="1" noAdjustHandles="1" noChangeArrowheads="1" noChangeShapeType="1" noTextEdit="1"/>
+              </p:cNvSpPr>
+              <p:nvPr/>
+            </p:nvSpPr>
+            <p:spPr>
+              <a:xfrm>
+                <a:off x="7334462" y="3541899"/>
+                <a:ext cx="420500" cy="276999"/>
+              </a:xfrm>
+              <a:prstGeom prst="rect">
+                <a:avLst/>
+              </a:prstGeom>
+              <a:blipFill>
+                <a:blip r:embed="rId33"/>
+                <a:stretch>
+                  <a:fillRect l="-8696" r="-2899" b="-22222"/>
+                </a:stretch>
+              </a:blipFill>
+            </p:spPr>
+            <p:txBody>
+              <a:bodyPr/>
+              <a:lstStyle/>
+              <a:p>
+                <a:r>
+                  <a:rPr lang="ko-KR" altLang="en-US">
+                    <a:noFill/>
+                  </a:rPr>
+                  <a:t> </a:t>
+                </a:r>
+              </a:p>
+            </p:txBody>
+          </p:sp>
+        </mc:Fallback>
+      </mc:AlternateContent>
+      <p:sp>
+        <p:nvSpPr>
+          <p:cNvPr id="54" name="타원 53">
+            <a:extLst>
+              <a:ext uri="{FF2B5EF4-FFF2-40B4-BE49-F238E27FC236}">
+                <a16:creationId xmlns:a16="http://schemas.microsoft.com/office/drawing/2014/main" id="{836042A3-D695-0BEC-A41B-59D4858DF522}"/>
+              </a:ext>
+            </a:extLst>
+          </p:cNvPr>
+          <p:cNvSpPr/>
+          <p:nvPr/>
+        </p:nvSpPr>
+        <p:spPr>
+          <a:xfrm>
+            <a:off x="7715781" y="3823501"/>
+            <a:ext cx="78362" cy="78362"/>
+          </a:xfrm>
+          <a:prstGeom prst="ellipse">
+            <a:avLst/>
+          </a:prstGeom>
+        </p:spPr>
+        <p:style>
+          <a:lnRef idx="2">
+            <a:schemeClr val="dk1">
+              <a:shade val="15000"/>
+            </a:schemeClr>
+          </a:lnRef>
+          <a:fillRef idx="1">
+            <a:schemeClr val="dk1"/>
+          </a:fillRef>
+          <a:effectRef idx="0">
+            <a:schemeClr val="dk1"/>
+          </a:effectRef>
+          <a:fontRef idx="minor">
+            <a:schemeClr val="lt1"/>
+          </a:fontRef>
+        </p:style>
+        <p:txBody>
+          <a:bodyPr rtlCol="0" anchor="ctr"/>
+          <a:lstStyle/>
+          <a:p>
+            <a:pPr algn="ctr"/>
+            <a:endParaRPr lang="ko-KR" altLang="en-US" sz="1400"/>
+          </a:p>
+        </p:txBody>
+      </p:sp>
+      <p:cxnSp>
+        <p:nvCxnSpPr>
+          <p:cNvPr id="56" name="직선 연결선 55">
+            <a:extLst>
+              <a:ext uri="{FF2B5EF4-FFF2-40B4-BE49-F238E27FC236}">
+                <a16:creationId xmlns:a16="http://schemas.microsoft.com/office/drawing/2014/main" id="{D514D9BF-52F7-5E0A-0B29-6683E4B69999}"/>
+              </a:ext>
+            </a:extLst>
+          </p:cNvPr>
+          <p:cNvCxnSpPr/>
+          <p:nvPr/>
+        </p:nvCxnSpPr>
+        <p:spPr>
+          <a:xfrm>
+            <a:off x="5048461" y="630889"/>
+            <a:ext cx="0" cy="5394371"/>
+          </a:xfrm>
+          <a:prstGeom prst="line">
+            <a:avLst/>
+          </a:prstGeom>
+          <a:ln w="28575">
+            <a:solidFill>
+              <a:srgbClr val="FF0000"/>
+            </a:solidFill>
+            <a:prstDash val="sysDash"/>
+          </a:ln>
+        </p:spPr>
+        <p:style>
+          <a:lnRef idx="2">
+            <a:schemeClr val="accent1"/>
+          </a:lnRef>
+          <a:fillRef idx="0">
+            <a:schemeClr val="accent1"/>
+          </a:fillRef>
+          <a:effectRef idx="1">
+            <a:schemeClr val="accent1"/>
+          </a:effectRef>
+          <a:fontRef idx="minor">
+            <a:schemeClr val="tx1"/>
+          </a:fontRef>
+        </p:style>
+      </p:cxnSp>
+      <p:cxnSp>
+        <p:nvCxnSpPr>
+          <p:cNvPr id="57" name="직선 연결선 56">
+            <a:extLst>
+              <a:ext uri="{FF2B5EF4-FFF2-40B4-BE49-F238E27FC236}">
+                <a16:creationId xmlns:a16="http://schemas.microsoft.com/office/drawing/2014/main" id="{7CA312B1-7BED-9F51-B49A-8112BCB72295}"/>
+              </a:ext>
+            </a:extLst>
+          </p:cNvPr>
+          <p:cNvCxnSpPr>
+            <a:cxnSpLocks/>
+          </p:cNvCxnSpPr>
+          <p:nvPr/>
+        </p:nvCxnSpPr>
+        <p:spPr>
+          <a:xfrm>
+            <a:off x="1810057" y="2786595"/>
+            <a:ext cx="3238404" cy="0"/>
+          </a:xfrm>
+          <a:prstGeom prst="line">
+            <a:avLst/>
+          </a:prstGeom>
+          <a:ln w="28575">
+            <a:solidFill>
+              <a:srgbClr val="0000FF"/>
+            </a:solidFill>
+            <a:prstDash val="sysDash"/>
+          </a:ln>
+        </p:spPr>
+        <p:style>
+          <a:lnRef idx="2">
+            <a:schemeClr val="accent1"/>
+          </a:lnRef>
+          <a:fillRef idx="0">
+            <a:schemeClr val="accent1"/>
+          </a:fillRef>
+          <a:effectRef idx="1">
+            <a:schemeClr val="accent1"/>
+          </a:effectRef>
+          <a:fontRef idx="minor">
+            <a:schemeClr val="tx1"/>
+          </a:fontRef>
+        </p:style>
+      </p:cxnSp>
+      <p:cxnSp>
+        <p:nvCxnSpPr>
+          <p:cNvPr id="59" name="직선 연결선 58">
+            <a:extLst>
+              <a:ext uri="{FF2B5EF4-FFF2-40B4-BE49-F238E27FC236}">
+                <a16:creationId xmlns:a16="http://schemas.microsoft.com/office/drawing/2014/main" id="{33C0FCB7-0E50-71BA-9151-62375D3B11C8}"/>
+              </a:ext>
+            </a:extLst>
+          </p:cNvPr>
+          <p:cNvCxnSpPr>
+            <a:cxnSpLocks/>
+          </p:cNvCxnSpPr>
+          <p:nvPr/>
+        </p:nvCxnSpPr>
+        <p:spPr>
+          <a:xfrm>
+            <a:off x="2355296" y="630889"/>
+            <a:ext cx="0" cy="2155706"/>
+          </a:xfrm>
+          <a:prstGeom prst="line">
+            <a:avLst/>
+          </a:prstGeom>
+          <a:ln w="28575">
+            <a:solidFill>
+              <a:srgbClr val="FF0000"/>
+            </a:solidFill>
+            <a:prstDash val="sysDash"/>
+          </a:ln>
+        </p:spPr>
+        <p:style>
+          <a:lnRef idx="2">
+            <a:schemeClr val="accent1"/>
+          </a:lnRef>
+          <a:fillRef idx="0">
+            <a:schemeClr val="accent1"/>
+          </a:fillRef>
+          <a:effectRef idx="1">
+            <a:schemeClr val="accent1"/>
+          </a:effectRef>
+          <a:fontRef idx="minor">
+            <a:schemeClr val="tx1"/>
+          </a:fontRef>
+        </p:style>
+      </p:cxnSp>
+      <p:cxnSp>
+        <p:nvCxnSpPr>
+          <p:cNvPr id="61" name="직선 연결선 60">
+            <a:extLst>
+              <a:ext uri="{FF2B5EF4-FFF2-40B4-BE49-F238E27FC236}">
+                <a16:creationId xmlns:a16="http://schemas.microsoft.com/office/drawing/2014/main" id="{95ED8298-FD47-72E0-CAB0-4905DD89DAAB}"/>
+              </a:ext>
+            </a:extLst>
+          </p:cNvPr>
+          <p:cNvCxnSpPr>
+            <a:cxnSpLocks/>
+          </p:cNvCxnSpPr>
+          <p:nvPr/>
+        </p:nvCxnSpPr>
+        <p:spPr>
+          <a:xfrm>
+            <a:off x="2891202" y="2786595"/>
+            <a:ext cx="0" cy="3238665"/>
+          </a:xfrm>
+          <a:prstGeom prst="line">
+            <a:avLst/>
+          </a:prstGeom>
+          <a:ln w="28575">
+            <a:solidFill>
+              <a:srgbClr val="FF0000"/>
+            </a:solidFill>
+            <a:prstDash val="sysDash"/>
+          </a:ln>
+        </p:spPr>
+        <p:style>
+          <a:lnRef idx="2">
+            <a:schemeClr val="accent1"/>
+          </a:lnRef>
+          <a:fillRef idx="0">
+            <a:schemeClr val="accent1"/>
+          </a:fillRef>
+          <a:effectRef idx="1">
+            <a:schemeClr val="accent1"/>
+          </a:effectRef>
+          <a:fontRef idx="minor">
+            <a:schemeClr val="tx1"/>
+          </a:fontRef>
+        </p:style>
+      </p:cxnSp>
+      <p:cxnSp>
+        <p:nvCxnSpPr>
+          <p:cNvPr id="63" name="직선 연결선 62">
+            <a:extLst>
+              <a:ext uri="{FF2B5EF4-FFF2-40B4-BE49-F238E27FC236}">
+                <a16:creationId xmlns:a16="http://schemas.microsoft.com/office/drawing/2014/main" id="{551FD785-44B5-49AF-9020-8FF9C3BD122D}"/>
+              </a:ext>
+            </a:extLst>
+          </p:cNvPr>
+          <p:cNvCxnSpPr/>
+          <p:nvPr/>
+        </p:nvCxnSpPr>
+        <p:spPr>
+          <a:xfrm>
+            <a:off x="7213949" y="630889"/>
+            <a:ext cx="0" cy="5394371"/>
+          </a:xfrm>
+          <a:prstGeom prst="line">
+            <a:avLst/>
+          </a:prstGeom>
+          <a:ln w="28575">
+            <a:solidFill>
+              <a:srgbClr val="FF0000"/>
+            </a:solidFill>
+            <a:prstDash val="sysDash"/>
+          </a:ln>
+        </p:spPr>
+        <p:style>
+          <a:lnRef idx="2">
+            <a:schemeClr val="accent1"/>
+          </a:lnRef>
+          <a:fillRef idx="0">
+            <a:schemeClr val="accent1"/>
+          </a:fillRef>
+          <a:effectRef idx="1">
+            <a:schemeClr val="accent1"/>
+          </a:effectRef>
+          <a:fontRef idx="minor">
+            <a:schemeClr val="tx1"/>
+          </a:fontRef>
+        </p:style>
+      </p:cxnSp>
+      <p:cxnSp>
+        <p:nvCxnSpPr>
+          <p:cNvPr id="64" name="직선 연결선 63">
+            <a:extLst>
+              <a:ext uri="{FF2B5EF4-FFF2-40B4-BE49-F238E27FC236}">
+                <a16:creationId xmlns:a16="http://schemas.microsoft.com/office/drawing/2014/main" id="{87501AE8-77FB-0A8B-02D5-D78941DBBD9E}"/>
+              </a:ext>
+            </a:extLst>
+          </p:cNvPr>
+          <p:cNvCxnSpPr>
+            <a:cxnSpLocks/>
+          </p:cNvCxnSpPr>
+          <p:nvPr/>
+        </p:nvCxnSpPr>
+        <p:spPr>
+          <a:xfrm>
+            <a:off x="5040841" y="3337264"/>
+            <a:ext cx="2203588" cy="0"/>
+          </a:xfrm>
+          <a:prstGeom prst="line">
+            <a:avLst/>
+          </a:prstGeom>
+          <a:ln w="28575">
+            <a:solidFill>
+              <a:srgbClr val="0000FF"/>
+            </a:solidFill>
+            <a:prstDash val="sysDash"/>
+          </a:ln>
+        </p:spPr>
+        <p:style>
+          <a:lnRef idx="2">
+            <a:schemeClr val="accent1"/>
+          </a:lnRef>
+          <a:fillRef idx="0">
+            <a:schemeClr val="accent1"/>
+          </a:fillRef>
+          <a:effectRef idx="1">
+            <a:schemeClr val="accent1"/>
+          </a:effectRef>
+          <a:fontRef idx="minor">
+            <a:schemeClr val="tx1"/>
+          </a:fontRef>
+        </p:style>
+      </p:cxnSp>
+    </p:spTree>
+    <p:extLst>
+      <p:ext uri="{BB962C8B-B14F-4D97-AF65-F5344CB8AC3E}">
+        <p14:creationId xmlns:p14="http://schemas.microsoft.com/office/powerpoint/2010/main" val="2194453493"/>
+      </p:ext>
+    </p:extLst>
+  </p:cSld>
+  <p:clrMapOvr>
+    <a:masterClrMapping/>
+  </p:clrMapOvr>
+</p:sld>
+</file>
+
 <file path=ppt/theme/theme1.xml><?xml version="1.0" encoding="utf-8"?>
 <a:theme xmlns:a="http://schemas.openxmlformats.org/drawingml/2006/main" name="Office 테마">
   <a:themeElements>
